--- a/Optum Bytecoders.pptx
+++ b/Optum Bytecoders.pptx
@@ -5,25 +5,136 @@
     <p:sldMasterId id="2147483648" r:id="rId1"/>
   </p:sldMasterIdLst>
   <p:sldIdLst>
-    <p:sldId id="256" r:id="rId6"/>
-    <p:sldId id="257" r:id="rId7"/>
-    <p:sldId id="258" r:id="rId8"/>
-    <p:sldId id="259" r:id="rId9"/>
-    <p:sldId id="260" r:id="rId10"/>
-    <p:sldId id="261" r:id="rId11"/>
-    <p:sldId id="262" r:id="rId12"/>
-    <p:sldId id="263" r:id="rId13"/>
-    <p:sldId id="264" r:id="rId14"/>
-    <p:sldId id="265" r:id="rId15"/>
-    <p:sldId id="266" r:id="rId16"/>
+    <p:sldId id="256" r:id="rId2"/>
+    <p:sldId id="257" r:id="rId3"/>
+    <p:sldId id="258" r:id="rId4"/>
+    <p:sldId id="259" r:id="rId5"/>
+    <p:sldId id="260" r:id="rId6"/>
+    <p:sldId id="261" r:id="rId7"/>
+    <p:sldId id="262" r:id="rId8"/>
+    <p:sldId id="263" r:id="rId9"/>
+    <p:sldId id="264" r:id="rId10"/>
+    <p:sldId id="265" r:id="rId11"/>
+    <p:sldId id="266" r:id="rId12"/>
   </p:sldIdLst>
-  <p:sldSz cx="9144000" cy="5143500"/>
+  <p:sldSz cx="9144000" cy="5143500" type="screen16x9"/>
   <p:notesSz cx="9144000" cy="5143500"/>
+  <p:defaultTextStyle>
+    <a:defPPr>
+      <a:defRPr lang="en-US"/>
+    </a:defPPr>
+    <a:lvl1pPr marL="0" algn="l" defTabSz="914400" rtl="0" eaLnBrk="1" latinLnBrk="0" hangingPunct="1">
+      <a:defRPr sz="1800" kern="1200">
+        <a:solidFill>
+          <a:schemeClr val="tx1"/>
+        </a:solidFill>
+        <a:latin typeface="+mn-lt"/>
+        <a:ea typeface="+mn-ea"/>
+        <a:cs typeface="+mn-cs"/>
+      </a:defRPr>
+    </a:lvl1pPr>
+    <a:lvl2pPr marL="457200" algn="l" defTabSz="914400" rtl="0" eaLnBrk="1" latinLnBrk="0" hangingPunct="1">
+      <a:defRPr sz="1800" kern="1200">
+        <a:solidFill>
+          <a:schemeClr val="tx1"/>
+        </a:solidFill>
+        <a:latin typeface="+mn-lt"/>
+        <a:ea typeface="+mn-ea"/>
+        <a:cs typeface="+mn-cs"/>
+      </a:defRPr>
+    </a:lvl2pPr>
+    <a:lvl3pPr marL="914400" algn="l" defTabSz="914400" rtl="0" eaLnBrk="1" latinLnBrk="0" hangingPunct="1">
+      <a:defRPr sz="1800" kern="1200">
+        <a:solidFill>
+          <a:schemeClr val="tx1"/>
+        </a:solidFill>
+        <a:latin typeface="+mn-lt"/>
+        <a:ea typeface="+mn-ea"/>
+        <a:cs typeface="+mn-cs"/>
+      </a:defRPr>
+    </a:lvl3pPr>
+    <a:lvl4pPr marL="1371600" algn="l" defTabSz="914400" rtl="0" eaLnBrk="1" latinLnBrk="0" hangingPunct="1">
+      <a:defRPr sz="1800" kern="1200">
+        <a:solidFill>
+          <a:schemeClr val="tx1"/>
+        </a:solidFill>
+        <a:latin typeface="+mn-lt"/>
+        <a:ea typeface="+mn-ea"/>
+        <a:cs typeface="+mn-cs"/>
+      </a:defRPr>
+    </a:lvl4pPr>
+    <a:lvl5pPr marL="1828800" algn="l" defTabSz="914400" rtl="0" eaLnBrk="1" latinLnBrk="0" hangingPunct="1">
+      <a:defRPr sz="1800" kern="1200">
+        <a:solidFill>
+          <a:schemeClr val="tx1"/>
+        </a:solidFill>
+        <a:latin typeface="+mn-lt"/>
+        <a:ea typeface="+mn-ea"/>
+        <a:cs typeface="+mn-cs"/>
+      </a:defRPr>
+    </a:lvl5pPr>
+    <a:lvl6pPr marL="2286000" algn="l" defTabSz="914400" rtl="0" eaLnBrk="1" latinLnBrk="0" hangingPunct="1">
+      <a:defRPr sz="1800" kern="1200">
+        <a:solidFill>
+          <a:schemeClr val="tx1"/>
+        </a:solidFill>
+        <a:latin typeface="+mn-lt"/>
+        <a:ea typeface="+mn-ea"/>
+        <a:cs typeface="+mn-cs"/>
+      </a:defRPr>
+    </a:lvl6pPr>
+    <a:lvl7pPr marL="2743200" algn="l" defTabSz="914400" rtl="0" eaLnBrk="1" latinLnBrk="0" hangingPunct="1">
+      <a:defRPr sz="1800" kern="1200">
+        <a:solidFill>
+          <a:schemeClr val="tx1"/>
+        </a:solidFill>
+        <a:latin typeface="+mn-lt"/>
+        <a:ea typeface="+mn-ea"/>
+        <a:cs typeface="+mn-cs"/>
+      </a:defRPr>
+    </a:lvl7pPr>
+    <a:lvl8pPr marL="3200400" algn="l" defTabSz="914400" rtl="0" eaLnBrk="1" latinLnBrk="0" hangingPunct="1">
+      <a:defRPr sz="1800" kern="1200">
+        <a:solidFill>
+          <a:schemeClr val="tx1"/>
+        </a:solidFill>
+        <a:latin typeface="+mn-lt"/>
+        <a:ea typeface="+mn-ea"/>
+        <a:cs typeface="+mn-cs"/>
+      </a:defRPr>
+    </a:lvl8pPr>
+    <a:lvl9pPr marL="3657600" algn="l" defTabSz="914400" rtl="0" eaLnBrk="1" latinLnBrk="0" hangingPunct="1">
+      <a:defRPr sz="1800" kern="1200">
+        <a:solidFill>
+          <a:schemeClr val="tx1"/>
+        </a:solidFill>
+        <a:latin typeface="+mn-lt"/>
+        <a:ea typeface="+mn-ea"/>
+        <a:cs typeface="+mn-cs"/>
+      </a:defRPr>
+    </a:lvl9pPr>
+  </p:defaultTextStyle>
+  <p:extLst>
+    <p:ext uri="{EFAFB233-063F-42B5-8137-9DF3F51BA10A}">
+      <p15:sldGuideLst xmlns:p15="http://schemas.microsoft.com/office/powerpoint/2012/main">
+        <p15:guide id="1" orient="horz" pos="2880">
+          <p15:clr>
+            <a:srgbClr val="A4A3A4"/>
+          </p15:clr>
+        </p15:guide>
+        <p15:guide id="2" pos="2160">
+          <p15:clr>
+            <a:srgbClr val="A4A3A4"/>
+          </p15:clr>
+        </p15:guide>
+      </p15:sldGuideLst>
+    </p:ext>
+  </p:extLst>
 </p:presentation>
 </file>
 
 <file path=ppt/slideLayouts/slideLayout1.xml><?xml version="1.0" encoding="utf-8"?>
-<p:sldLayout xmlns:a="http://schemas.openxmlformats.org/drawingml/2006/main" xmlns:r="http://schemas.openxmlformats.org/officeDocument/2006/relationships" xmlns:p="http://schemas.openxmlformats.org/presentationml/2006/main" preserve="1" type="obj">
+<p:sldLayout xmlns:a="http://schemas.openxmlformats.org/drawingml/2006/main" xmlns:r="http://schemas.openxmlformats.org/officeDocument/2006/relationships" xmlns:p="http://schemas.openxmlformats.org/presentationml/2006/main" type="obj" preserve="1">
   <p:cSld name="Title Slide">
     <p:spTree>
       <p:nvGrpSpPr>
@@ -67,7 +178,9 @@
               <a:defRPr/>
             </a:lvl1pPr>
           </a:lstStyle>
-          <a:p/>
+          <a:p>
+            <a:endParaRPr/>
+          </a:p>
         </p:txBody>
       </p:sp>
       <p:sp>
@@ -98,7 +211,9 @@
               <a:defRPr/>
             </a:lvl1pPr>
           </a:lstStyle>
-          <a:p/>
+          <a:p>
+            <a:endParaRPr/>
+          </a:p>
         </p:txBody>
       </p:sp>
       <p:sp>
@@ -108,7 +223,7 @@
             <a:spLocks noGrp="1"/>
           </p:cNvSpPr>
           <p:nvPr>
-            <p:ph type="ftr" idx="5" sz="quarter"/>
+            <p:ph type="ftr" sz="quarter" idx="5"/>
           </p:nvPr>
         </p:nvSpPr>
         <p:spPr/>
@@ -125,7 +240,9 @@
               </a:defRPr>
             </a:lvl1pPr>
           </a:lstStyle>
-          <a:p/>
+          <a:p>
+            <a:endParaRPr/>
+          </a:p>
         </p:txBody>
       </p:sp>
       <p:sp>
@@ -135,7 +252,7 @@
             <a:spLocks noGrp="1"/>
           </p:cNvSpPr>
           <p:nvPr>
-            <p:ph type="dt" idx="6" sz="half"/>
+            <p:ph type="dt" sz="half" idx="6"/>
           </p:nvPr>
         </p:nvSpPr>
         <p:spPr/>
@@ -155,7 +272,9 @@
           <a:p>
             <a:fld id="{1D8BD707-D9CF-40AE-B4C6-C98DA3205C09}" type="datetimeFigureOut">
               <a:rPr lang="en-US"/>
+              <a:t>10/28/2022</a:t>
             </a:fld>
+            <a:endParaRPr lang="en-US"/>
           </a:p>
         </p:txBody>
       </p:sp>
@@ -166,7 +285,7 @@
             <a:spLocks noGrp="1"/>
           </p:cNvSpPr>
           <p:nvPr>
-            <p:ph type="sldNum" idx="7" sz="quarter"/>
+            <p:ph type="sldNum" sz="quarter" idx="7"/>
           </p:nvPr>
         </p:nvSpPr>
         <p:spPr/>
@@ -185,8 +304,9 @@
           </a:lstStyle>
           <a:p>
             <a:fld id="{B6F15528-21DE-4FAA-801E-634DDDAF4B2B}" type="slidenum">
-              <a:t>#</a:t>
+              <a:t>‹#›</a:t>
             </a:fld>
+            <a:endParaRPr/>
           </a:p>
         </p:txBody>
       </p:sp>
@@ -199,7 +319,7 @@
 </file>
 
 <file path=ppt/slideLayouts/slideLayout2.xml><?xml version="1.0" encoding="utf-8"?>
-<p:sldLayout xmlns:a="http://schemas.openxmlformats.org/drawingml/2006/main" xmlns:r="http://schemas.openxmlformats.org/officeDocument/2006/relationships" xmlns:p="http://schemas.openxmlformats.org/presentationml/2006/main" preserve="1" type="obj" showMasterSp="0">
+<p:sldLayout xmlns:a="http://schemas.openxmlformats.org/drawingml/2006/main" xmlns:r="http://schemas.openxmlformats.org/officeDocument/2006/relationships" xmlns:p="http://schemas.openxmlformats.org/presentationml/2006/main" showMasterSp="0" type="obj" preserve="1">
   <p:cSld name="Title and Content">
     <p:bg>
       <p:bgPr>
@@ -247,7 +367,9 @@
               </a:defRPr>
             </a:lvl1pPr>
           </a:lstStyle>
-          <a:p/>
+          <a:p>
+            <a:endParaRPr/>
+          </a:p>
         </p:txBody>
       </p:sp>
       <p:sp>
@@ -272,7 +394,9 @@
               </a:defRPr>
             </a:lvl1pPr>
           </a:lstStyle>
-          <a:p/>
+          <a:p>
+            <a:endParaRPr/>
+          </a:p>
         </p:txBody>
       </p:sp>
       <p:sp>
@@ -282,7 +406,7 @@
             <a:spLocks noGrp="1"/>
           </p:cNvSpPr>
           <p:nvPr>
-            <p:ph type="ftr" idx="5" sz="quarter"/>
+            <p:ph type="ftr" sz="quarter" idx="5"/>
           </p:nvPr>
         </p:nvSpPr>
         <p:spPr/>
@@ -299,7 +423,9 @@
               </a:defRPr>
             </a:lvl1pPr>
           </a:lstStyle>
-          <a:p/>
+          <a:p>
+            <a:endParaRPr/>
+          </a:p>
         </p:txBody>
       </p:sp>
       <p:sp>
@@ -309,7 +435,7 @@
             <a:spLocks noGrp="1"/>
           </p:cNvSpPr>
           <p:nvPr>
-            <p:ph type="dt" idx="6" sz="half"/>
+            <p:ph type="dt" sz="half" idx="6"/>
           </p:nvPr>
         </p:nvSpPr>
         <p:spPr/>
@@ -329,7 +455,9 @@
           <a:p>
             <a:fld id="{1D8BD707-D9CF-40AE-B4C6-C98DA3205C09}" type="datetimeFigureOut">
               <a:rPr lang="en-US"/>
+              <a:t>10/28/2022</a:t>
             </a:fld>
+            <a:endParaRPr lang="en-US"/>
           </a:p>
         </p:txBody>
       </p:sp>
@@ -340,7 +468,7 @@
             <a:spLocks noGrp="1"/>
           </p:cNvSpPr>
           <p:nvPr>
-            <p:ph type="sldNum" idx="7" sz="quarter"/>
+            <p:ph type="sldNum" sz="quarter" idx="7"/>
           </p:nvPr>
         </p:nvSpPr>
         <p:spPr/>
@@ -359,8 +487,9 @@
           </a:lstStyle>
           <a:p>
             <a:fld id="{B6F15528-21DE-4FAA-801E-634DDDAF4B2B}" type="slidenum">
-              <a:t>#</a:t>
+              <a:t>‹#›</a:t>
             </a:fld>
+            <a:endParaRPr/>
           </a:p>
         </p:txBody>
       </p:sp>
@@ -373,7 +502,7 @@
 </file>
 
 <file path=ppt/slideLayouts/slideLayout3.xml><?xml version="1.0" encoding="utf-8"?>
-<p:sldLayout xmlns:a="http://schemas.openxmlformats.org/drawingml/2006/main" xmlns:r="http://schemas.openxmlformats.org/officeDocument/2006/relationships" xmlns:p="http://schemas.openxmlformats.org/presentationml/2006/main" preserve="1" type="obj">
+<p:sldLayout xmlns:a="http://schemas.openxmlformats.org/drawingml/2006/main" xmlns:r="http://schemas.openxmlformats.org/officeDocument/2006/relationships" xmlns:p="http://schemas.openxmlformats.org/presentationml/2006/main" type="obj" preserve="1">
   <p:cSld name="Two Content">
     <p:spTree>
       <p:nvGrpSpPr>
@@ -413,7 +542,9 @@
               </a:defRPr>
             </a:lvl1pPr>
           </a:lstStyle>
-          <a:p/>
+          <a:p>
+            <a:endParaRPr/>
+          </a:p>
         </p:txBody>
       </p:sp>
       <p:sp>
@@ -423,7 +554,7 @@
             <a:spLocks noGrp="1"/>
           </p:cNvSpPr>
           <p:nvPr>
-            <p:ph idx="2" sz="half"/>
+            <p:ph sz="half" idx="2"/>
           </p:nvPr>
         </p:nvSpPr>
         <p:spPr>
@@ -444,7 +575,9 @@
               <a:defRPr/>
             </a:lvl1pPr>
           </a:lstStyle>
-          <a:p/>
+          <a:p>
+            <a:endParaRPr/>
+          </a:p>
         </p:txBody>
       </p:sp>
       <p:sp>
@@ -454,7 +587,7 @@
             <a:spLocks noGrp="1"/>
           </p:cNvSpPr>
           <p:nvPr>
-            <p:ph idx="3" sz="half"/>
+            <p:ph sz="half" idx="3"/>
           </p:nvPr>
         </p:nvSpPr>
         <p:spPr>
@@ -475,7 +608,9 @@
               <a:defRPr/>
             </a:lvl1pPr>
           </a:lstStyle>
-          <a:p/>
+          <a:p>
+            <a:endParaRPr/>
+          </a:p>
         </p:txBody>
       </p:sp>
       <p:sp>
@@ -485,7 +620,7 @@
             <a:spLocks noGrp="1"/>
           </p:cNvSpPr>
           <p:nvPr>
-            <p:ph type="ftr" idx="5" sz="quarter"/>
+            <p:ph type="ftr" sz="quarter" idx="5"/>
           </p:nvPr>
         </p:nvSpPr>
         <p:spPr/>
@@ -502,7 +637,9 @@
               </a:defRPr>
             </a:lvl1pPr>
           </a:lstStyle>
-          <a:p/>
+          <a:p>
+            <a:endParaRPr/>
+          </a:p>
         </p:txBody>
       </p:sp>
       <p:sp>
@@ -512,7 +649,7 @@
             <a:spLocks noGrp="1"/>
           </p:cNvSpPr>
           <p:nvPr>
-            <p:ph type="dt" idx="6" sz="half"/>
+            <p:ph type="dt" sz="half" idx="6"/>
           </p:nvPr>
         </p:nvSpPr>
         <p:spPr/>
@@ -532,7 +669,9 @@
           <a:p>
             <a:fld id="{1D8BD707-D9CF-40AE-B4C6-C98DA3205C09}" type="datetimeFigureOut">
               <a:rPr lang="en-US"/>
+              <a:t>10/28/2022</a:t>
             </a:fld>
+            <a:endParaRPr lang="en-US"/>
           </a:p>
         </p:txBody>
       </p:sp>
@@ -543,7 +682,7 @@
             <a:spLocks noGrp="1"/>
           </p:cNvSpPr>
           <p:nvPr>
-            <p:ph type="sldNum" idx="7" sz="quarter"/>
+            <p:ph type="sldNum" sz="quarter" idx="7"/>
           </p:nvPr>
         </p:nvSpPr>
         <p:spPr/>
@@ -562,8 +701,9 @@
           </a:lstStyle>
           <a:p>
             <a:fld id="{B6F15528-21DE-4FAA-801E-634DDDAF4B2B}" type="slidenum">
-              <a:t>#</a:t>
+              <a:t>‹#›</a:t>
             </a:fld>
+            <a:endParaRPr/>
           </a:p>
         </p:txBody>
       </p:sp>
@@ -576,7 +716,7 @@
 </file>
 
 <file path=ppt/slideLayouts/slideLayout4.xml><?xml version="1.0" encoding="utf-8"?>
-<p:sldLayout xmlns:a="http://schemas.openxmlformats.org/drawingml/2006/main" xmlns:r="http://schemas.openxmlformats.org/officeDocument/2006/relationships" xmlns:p="http://schemas.openxmlformats.org/presentationml/2006/main" preserve="1" type="obj">
+<p:sldLayout xmlns:a="http://schemas.openxmlformats.org/drawingml/2006/main" xmlns:r="http://schemas.openxmlformats.org/officeDocument/2006/relationships" xmlns:p="http://schemas.openxmlformats.org/presentationml/2006/main" type="obj" preserve="1">
   <p:cSld name="Title Only">
     <p:spTree>
       <p:nvGrpSpPr>
@@ -616,7 +756,9 @@
               </a:defRPr>
             </a:lvl1pPr>
           </a:lstStyle>
-          <a:p/>
+          <a:p>
+            <a:endParaRPr/>
+          </a:p>
         </p:txBody>
       </p:sp>
       <p:sp>
@@ -626,7 +768,7 @@
             <a:spLocks noGrp="1"/>
           </p:cNvSpPr>
           <p:nvPr>
-            <p:ph type="ftr" idx="5" sz="quarter"/>
+            <p:ph type="ftr" sz="quarter" idx="5"/>
           </p:nvPr>
         </p:nvSpPr>
         <p:spPr/>
@@ -643,7 +785,9 @@
               </a:defRPr>
             </a:lvl1pPr>
           </a:lstStyle>
-          <a:p/>
+          <a:p>
+            <a:endParaRPr/>
+          </a:p>
         </p:txBody>
       </p:sp>
       <p:sp>
@@ -653,7 +797,7 @@
             <a:spLocks noGrp="1"/>
           </p:cNvSpPr>
           <p:nvPr>
-            <p:ph type="dt" idx="6" sz="half"/>
+            <p:ph type="dt" sz="half" idx="6"/>
           </p:nvPr>
         </p:nvSpPr>
         <p:spPr/>
@@ -673,7 +817,9 @@
           <a:p>
             <a:fld id="{1D8BD707-D9CF-40AE-B4C6-C98DA3205C09}" type="datetimeFigureOut">
               <a:rPr lang="en-US"/>
+              <a:t>10/28/2022</a:t>
             </a:fld>
+            <a:endParaRPr lang="en-US"/>
           </a:p>
         </p:txBody>
       </p:sp>
@@ -684,7 +830,7 @@
             <a:spLocks noGrp="1"/>
           </p:cNvSpPr>
           <p:nvPr>
-            <p:ph type="sldNum" idx="7" sz="quarter"/>
+            <p:ph type="sldNum" sz="quarter" idx="7"/>
           </p:nvPr>
         </p:nvSpPr>
         <p:spPr/>
@@ -703,8 +849,9 @@
           </a:lstStyle>
           <a:p>
             <a:fld id="{B6F15528-21DE-4FAA-801E-634DDDAF4B2B}" type="slidenum">
-              <a:t>#</a:t>
+              <a:t>‹#›</a:t>
             </a:fld>
+            <a:endParaRPr/>
           </a:p>
         </p:txBody>
       </p:sp>
@@ -717,7 +864,7 @@
 </file>
 
 <file path=ppt/slideLayouts/slideLayout5.xml><?xml version="1.0" encoding="utf-8"?>
-<p:sldLayout xmlns:a="http://schemas.openxmlformats.org/drawingml/2006/main" xmlns:r="http://schemas.openxmlformats.org/officeDocument/2006/relationships" xmlns:p="http://schemas.openxmlformats.org/presentationml/2006/main" preserve="1" type="obj" showMasterSp="0">
+<p:sldLayout xmlns:a="http://schemas.openxmlformats.org/drawingml/2006/main" xmlns:r="http://schemas.openxmlformats.org/officeDocument/2006/relationships" xmlns:p="http://schemas.openxmlformats.org/presentationml/2006/main" showMasterSp="0" type="obj" preserve="1">
   <p:cSld name="Blank">
     <p:bg>
       <p:bgPr>
@@ -786,7 +933,9 @@
         <p:txBody>
           <a:bodyPr wrap="square" lIns="0" tIns="0" rIns="0" bIns="0" rtlCol="0"/>
           <a:lstStyle/>
-          <a:p/>
+          <a:p>
+            <a:endParaRPr/>
+          </a:p>
         </p:txBody>
       </p:sp>
       <p:sp>
@@ -1026,7 +1175,9 @@
         <p:txBody>
           <a:bodyPr wrap="square" lIns="0" tIns="0" rIns="0" bIns="0" rtlCol="0"/>
           <a:lstStyle/>
-          <a:p/>
+          <a:p>
+            <a:endParaRPr/>
+          </a:p>
         </p:txBody>
       </p:sp>
       <p:pic>
@@ -1096,7 +1247,9 @@
         <p:txBody>
           <a:bodyPr wrap="square" lIns="0" tIns="0" rIns="0" bIns="0" rtlCol="0"/>
           <a:lstStyle/>
-          <a:p/>
+          <a:p>
+            <a:endParaRPr/>
+          </a:p>
         </p:txBody>
       </p:sp>
       <p:sp>
@@ -1339,7 +1492,9 @@
         <p:txBody>
           <a:bodyPr wrap="square" lIns="0" tIns="0" rIns="0" bIns="0" rtlCol="0"/>
           <a:lstStyle/>
-          <a:p/>
+          <a:p>
+            <a:endParaRPr/>
+          </a:p>
         </p:txBody>
       </p:sp>
       <p:sp>
@@ -1349,7 +1504,7 @@
             <a:spLocks noGrp="1"/>
           </p:cNvSpPr>
           <p:nvPr>
-            <p:ph type="ftr" idx="5" sz="quarter"/>
+            <p:ph type="ftr" sz="quarter" idx="5"/>
           </p:nvPr>
         </p:nvSpPr>
         <p:spPr/>
@@ -1366,7 +1521,9 @@
               </a:defRPr>
             </a:lvl1pPr>
           </a:lstStyle>
-          <a:p/>
+          <a:p>
+            <a:endParaRPr/>
+          </a:p>
         </p:txBody>
       </p:sp>
       <p:sp>
@@ -1376,7 +1533,7 @@
             <a:spLocks noGrp="1"/>
           </p:cNvSpPr>
           <p:nvPr>
-            <p:ph type="dt" idx="6" sz="half"/>
+            <p:ph type="dt" sz="half" idx="6"/>
           </p:nvPr>
         </p:nvSpPr>
         <p:spPr/>
@@ -1396,7 +1553,9 @@
           <a:p>
             <a:fld id="{1D8BD707-D9CF-40AE-B4C6-C98DA3205C09}" type="datetimeFigureOut">
               <a:rPr lang="en-US"/>
+              <a:t>10/28/2022</a:t>
             </a:fld>
+            <a:endParaRPr lang="en-US"/>
           </a:p>
         </p:txBody>
       </p:sp>
@@ -1407,7 +1566,7 @@
             <a:spLocks noGrp="1"/>
           </p:cNvSpPr>
           <p:nvPr>
-            <p:ph type="sldNum" idx="7" sz="quarter"/>
+            <p:ph type="sldNum" sz="quarter" idx="7"/>
           </p:nvPr>
         </p:nvSpPr>
         <p:spPr/>
@@ -1426,8 +1585,9 @@
           </a:lstStyle>
           <a:p>
             <a:fld id="{B6F15528-21DE-4FAA-801E-634DDDAF4B2B}" type="slidenum">
-              <a:t>#</a:t>
+              <a:t>‹#›</a:t>
             </a:fld>
+            <a:endParaRPr/>
           </a:p>
         </p:txBody>
       </p:sp>
@@ -1509,7 +1669,9 @@
         <p:txBody>
           <a:bodyPr wrap="square" lIns="0" tIns="0" rIns="0" bIns="0" rtlCol="0"/>
           <a:lstStyle/>
-          <a:p/>
+          <a:p>
+            <a:endParaRPr/>
+          </a:p>
         </p:txBody>
       </p:sp>
       <p:sp>
@@ -1749,7 +1911,9 @@
         <p:txBody>
           <a:bodyPr wrap="square" lIns="0" tIns="0" rIns="0" bIns="0" rtlCol="0"/>
           <a:lstStyle/>
-          <a:p/>
+          <a:p>
+            <a:endParaRPr/>
+          </a:p>
         </p:txBody>
       </p:sp>
       <p:sp>
@@ -1786,7 +1950,9 @@
               </a:defRPr>
             </a:lvl1pPr>
           </a:lstStyle>
-          <a:p/>
+          <a:p>
+            <a:endParaRPr/>
+          </a:p>
         </p:txBody>
       </p:sp>
       <p:sp>
@@ -1821,7 +1987,9 @@
               </a:defRPr>
             </a:lvl1pPr>
           </a:lstStyle>
-          <a:p/>
+          <a:p>
+            <a:endParaRPr/>
+          </a:p>
         </p:txBody>
       </p:sp>
       <p:sp>
@@ -1831,7 +1999,7 @@
             <a:spLocks noGrp="1"/>
           </p:cNvSpPr>
           <p:nvPr>
-            <p:ph type="ftr" idx="5" sz="quarter"/>
+            <p:ph type="ftr" sz="quarter" idx="5"/>
           </p:nvPr>
         </p:nvSpPr>
         <p:spPr>
@@ -1858,7 +2026,9 @@
               </a:defRPr>
             </a:lvl1pPr>
           </a:lstStyle>
-          <a:p/>
+          <a:p>
+            <a:endParaRPr/>
+          </a:p>
         </p:txBody>
       </p:sp>
       <p:sp>
@@ -1868,7 +2038,7 @@
             <a:spLocks noGrp="1"/>
           </p:cNvSpPr>
           <p:nvPr>
-            <p:ph type="dt" idx="6" sz="half"/>
+            <p:ph type="dt" sz="half" idx="6"/>
           </p:nvPr>
         </p:nvSpPr>
         <p:spPr>
@@ -1898,7 +2068,9 @@
           <a:p>
             <a:fld id="{1D8BD707-D9CF-40AE-B4C6-C98DA3205C09}" type="datetimeFigureOut">
               <a:rPr lang="en-US"/>
+              <a:t>10/28/2022</a:t>
             </a:fld>
+            <a:endParaRPr lang="en-US"/>
           </a:p>
         </p:txBody>
       </p:sp>
@@ -1909,7 +2081,7 @@
             <a:spLocks noGrp="1"/>
           </p:cNvSpPr>
           <p:nvPr>
-            <p:ph type="sldNum" idx="7" sz="quarter"/>
+            <p:ph type="sldNum" sz="quarter" idx="7"/>
           </p:nvPr>
         </p:nvSpPr>
         <p:spPr>
@@ -1938,14 +2110,15 @@
           </a:lstStyle>
           <a:p>
             <a:fld id="{B6F15528-21DE-4FAA-801E-634DDDAF4B2B}" type="slidenum">
-              <a:t>#</a:t>
+              <a:t>‹#›</a:t>
             </a:fld>
+            <a:endParaRPr/>
           </a:p>
         </p:txBody>
       </p:sp>
     </p:spTree>
   </p:cSld>
-  <p:clrMap folHlink="folHlink" hlink="hlink" accent1="accent1" accent2="accent2" accent3="accent3" accent4="accent4" accent5="accent5" accent6="accent6" tx2="dk2" bg2="lt2" tx1="dk1" bg1="lt1"/>
+  <p:clrMap bg1="lt1" tx1="dk1" bg2="lt2" tx2="dk2" accent1="accent1" accent2="accent2" accent3="accent3" accent4="accent4" accent5="accent5" accent6="accent6" hlink="hlink" folHlink="folHlink"/>
   <p:sldLayoutIdLst>
     <p:sldLayoutId id="2147483661" r:id="rId1"/>
     <p:sldLayoutId id="2147483662" r:id="rId2"/>
@@ -2152,7 +2325,7 @@
           </a:prstGeom>
         </p:spPr>
         <p:txBody>
-          <a:bodyPr wrap="square" lIns="0" tIns="12700" rIns="0" bIns="0" rtlCol="0" vert="horz">
+          <a:bodyPr vert="horz" wrap="square" lIns="0" tIns="12700" rIns="0" bIns="0" rtlCol="0">
             <a:spAutoFit/>
           </a:bodyPr>
           <a:lstStyle/>
@@ -2166,119 +2339,119 @@
               </a:spcBef>
             </a:pPr>
             <a:r>
-              <a:rPr dirty="0" sz="1700" spc="-35" b="1">
+              <a:rPr sz="1700" b="1" spc="-35" dirty="0">
                 <a:latin typeface="Arial"/>
                 <a:cs typeface="Arial"/>
               </a:rPr>
               <a:t>Team</a:t>
             </a:r>
             <a:r>
-              <a:rPr dirty="0" sz="1700" spc="-15" b="1">
-                <a:latin typeface="Arial"/>
-                <a:cs typeface="Arial"/>
-              </a:rPr>
-              <a:t> </a:t>
-            </a:r>
-            <a:r>
-              <a:rPr dirty="0" sz="1700" spc="-5" b="1">
+              <a:rPr sz="1700" b="1" spc="-15" dirty="0">
+                <a:latin typeface="Arial"/>
+                <a:cs typeface="Arial"/>
+              </a:rPr>
+              <a:t> </a:t>
+            </a:r>
+            <a:r>
+              <a:rPr sz="1700" b="1" spc="-5" dirty="0">
                 <a:latin typeface="Arial"/>
                 <a:cs typeface="Arial"/>
               </a:rPr>
               <a:t>ByteCoders</a:t>
             </a:r>
             <a:r>
-              <a:rPr dirty="0" sz="1700" spc="-15" b="1">
-                <a:latin typeface="Arial"/>
-                <a:cs typeface="Arial"/>
-              </a:rPr>
-              <a:t> </a:t>
-            </a:r>
-            <a:r>
-              <a:rPr dirty="0" sz="1700" b="1">
+              <a:rPr sz="1700" b="1" spc="-15" dirty="0">
+                <a:latin typeface="Arial"/>
+                <a:cs typeface="Arial"/>
+              </a:rPr>
+              <a:t> </a:t>
+            </a:r>
+            <a:r>
+              <a:rPr sz="1700" b="1" dirty="0">
                 <a:latin typeface="Arial"/>
                 <a:cs typeface="Arial"/>
               </a:rPr>
               <a:t>–</a:t>
             </a:r>
             <a:r>
-              <a:rPr dirty="0" sz="1700" spc="-70" b="1">
-                <a:latin typeface="Arial"/>
-                <a:cs typeface="Arial"/>
-              </a:rPr>
-              <a:t> </a:t>
-            </a:r>
-            <a:r>
-              <a:rPr dirty="0" sz="1700" spc="-5" b="1">
+              <a:rPr sz="1700" b="1" spc="-70" dirty="0">
+                <a:latin typeface="Arial"/>
+                <a:cs typeface="Arial"/>
+              </a:rPr>
+              <a:t> </a:t>
+            </a:r>
+            <a:r>
+              <a:rPr sz="1700" b="1" spc="-5" dirty="0">
                 <a:latin typeface="Arial"/>
                 <a:cs typeface="Arial"/>
               </a:rPr>
               <a:t>Aman</a:t>
             </a:r>
             <a:r>
-              <a:rPr dirty="0" sz="1700" spc="-15" b="1">
-                <a:latin typeface="Arial"/>
-                <a:cs typeface="Arial"/>
-              </a:rPr>
-              <a:t> </a:t>
-            </a:r>
-            <a:r>
-              <a:rPr dirty="0" sz="1700" spc="-20" b="1">
+              <a:rPr sz="1700" b="1" spc="-15" dirty="0">
+                <a:latin typeface="Arial"/>
+                <a:cs typeface="Arial"/>
+              </a:rPr>
+              <a:t> </a:t>
+            </a:r>
+            <a:r>
+              <a:rPr sz="1700" b="1" spc="-20" dirty="0">
                 <a:latin typeface="Arial"/>
                 <a:cs typeface="Arial"/>
               </a:rPr>
               <a:t>kumar,</a:t>
             </a:r>
             <a:r>
-              <a:rPr dirty="0" sz="1700" spc="-15" b="1">
-                <a:latin typeface="Arial"/>
-                <a:cs typeface="Arial"/>
-              </a:rPr>
-              <a:t> </a:t>
-            </a:r>
-            <a:r>
-              <a:rPr dirty="0" sz="1700" b="1">
+              <a:rPr sz="1700" b="1" spc="-15" dirty="0">
+                <a:latin typeface="Arial"/>
+                <a:cs typeface="Arial"/>
+              </a:rPr>
+              <a:t> </a:t>
+            </a:r>
+            <a:r>
+              <a:rPr sz="1700" b="1" dirty="0">
                 <a:latin typeface="Arial"/>
                 <a:cs typeface="Arial"/>
               </a:rPr>
               <a:t>Mayank</a:t>
             </a:r>
             <a:r>
-              <a:rPr dirty="0" sz="1700" spc="-15" b="1">
-                <a:latin typeface="Arial"/>
-                <a:cs typeface="Arial"/>
-              </a:rPr>
-              <a:t> </a:t>
-            </a:r>
-            <a:r>
-              <a:rPr dirty="0" sz="1700" spc="-5" b="1">
+              <a:rPr sz="1700" b="1" spc="-15" dirty="0">
+                <a:latin typeface="Arial"/>
+                <a:cs typeface="Arial"/>
+              </a:rPr>
+              <a:t> </a:t>
+            </a:r>
+            <a:r>
+              <a:rPr sz="1700" b="1" spc="-5" dirty="0">
                 <a:latin typeface="Arial"/>
                 <a:cs typeface="Arial"/>
               </a:rPr>
               <a:t>Chittora,</a:t>
             </a:r>
             <a:r>
-              <a:rPr dirty="0" sz="1700" spc="-10" b="1">
-                <a:latin typeface="Arial"/>
-                <a:cs typeface="Arial"/>
-              </a:rPr>
-              <a:t> </a:t>
-            </a:r>
-            <a:r>
-              <a:rPr dirty="0" sz="1700" spc="-5" b="1">
+              <a:rPr sz="1700" b="1" spc="-10" dirty="0">
+                <a:latin typeface="Arial"/>
+                <a:cs typeface="Arial"/>
+              </a:rPr>
+              <a:t> </a:t>
+            </a:r>
+            <a:r>
+              <a:rPr sz="1700" b="1" spc="-5" dirty="0">
                 <a:latin typeface="Arial"/>
                 <a:cs typeface="Arial"/>
               </a:rPr>
               <a:t>Shivam</a:t>
             </a:r>
             <a:r>
-              <a:rPr dirty="0" sz="1700" spc="-15" b="1">
-                <a:latin typeface="Arial"/>
-                <a:cs typeface="Arial"/>
-              </a:rPr>
-              <a:t> </a:t>
-            </a:r>
-            <a:r>
-              <a:rPr dirty="0" sz="1700" spc="-5" b="1">
+              <a:rPr sz="1700" b="1" spc="-15" dirty="0">
+                <a:latin typeface="Arial"/>
+                <a:cs typeface="Arial"/>
+              </a:rPr>
+              <a:t> </a:t>
+            </a:r>
+            <a:r>
+              <a:rPr sz="1700" b="1" spc="-5" dirty="0">
                 <a:latin typeface="Arial"/>
                 <a:cs typeface="Arial"/>
               </a:rPr>
@@ -2304,27 +2477,27 @@
             </a:endParaRPr>
           </a:p>
           <a:p>
-            <a:pPr algn="ctr" marL="2540">
+            <a:pPr marL="2540" algn="ctr">
               <a:lnSpc>
                 <a:spcPct val="100000"/>
               </a:lnSpc>
             </a:pPr>
             <a:r>
-              <a:rPr dirty="0" sz="1700" spc="-5" b="1">
+              <a:rPr sz="1700" b="1" spc="-5" dirty="0">
                 <a:latin typeface="Arial"/>
                 <a:cs typeface="Arial"/>
               </a:rPr>
               <a:t>SRMIST</a:t>
             </a:r>
             <a:r>
-              <a:rPr dirty="0" sz="1700" spc="-50" b="1">
-                <a:latin typeface="Arial"/>
-                <a:cs typeface="Arial"/>
-              </a:rPr>
-              <a:t> </a:t>
-            </a:r>
-            <a:r>
-              <a:rPr dirty="0" sz="1700" spc="-5" b="1">
+              <a:rPr sz="1700" b="1" spc="-50" dirty="0">
+                <a:latin typeface="Arial"/>
+                <a:cs typeface="Arial"/>
+              </a:rPr>
+              <a:t> </a:t>
+            </a:r>
+            <a:r>
+              <a:rPr sz="1700" b="1" spc="-5" dirty="0">
                 <a:latin typeface="Arial"/>
                 <a:cs typeface="Arial"/>
               </a:rPr>
@@ -2352,10 +2525,12 @@
             <a:off x="1101500" y="1268515"/>
             <a:ext cx="6858634" cy="756920"/>
           </a:xfrm>
-          <a:prstGeom prst="rect"/>
+          <a:prstGeom prst="rect">
+            <a:avLst/>
+          </a:prstGeom>
         </p:spPr>
         <p:txBody>
-          <a:bodyPr wrap="square" lIns="0" tIns="12700" rIns="0" bIns="0" rtlCol="0" vert="horz">
+          <a:bodyPr vert="horz" wrap="square" lIns="0" tIns="12700" rIns="0" bIns="0" rtlCol="0">
             <a:spAutoFit/>
           </a:bodyPr>
           <a:lstStyle/>
@@ -2369,41 +2544,41 @@
               </a:spcBef>
             </a:pPr>
             <a:r>
-              <a:rPr dirty="0" sz="4800" spc="-10">
+              <a:rPr sz="4800" spc="-10" dirty="0">
                 <a:latin typeface="Calibri"/>
                 <a:cs typeface="Calibri"/>
               </a:rPr>
               <a:t>Optum</a:t>
             </a:r>
             <a:r>
-              <a:rPr dirty="0" sz="4800" spc="-30">
+              <a:rPr sz="4800" spc="-30" dirty="0">
                 <a:latin typeface="Calibri"/>
                 <a:cs typeface="Calibri"/>
               </a:rPr>
               <a:t> Stratethon </a:t>
             </a:r>
             <a:r>
-              <a:rPr dirty="0" sz="4800" spc="-5">
+              <a:rPr sz="4800" spc="-5" dirty="0">
                 <a:latin typeface="Calibri"/>
                 <a:cs typeface="Calibri"/>
               </a:rPr>
               <a:t>Season</a:t>
             </a:r>
             <a:r>
-              <a:rPr dirty="0" sz="4800" spc="-25">
+              <a:rPr sz="4800" spc="-25" dirty="0">
                 <a:latin typeface="Calibri"/>
                 <a:cs typeface="Calibri"/>
               </a:rPr>
               <a:t> </a:t>
             </a:r>
             <a:r>
-              <a:rPr dirty="0" sz="4800">
+              <a:rPr lang="en-IN" sz="4800" spc="-25" dirty="0">
                 <a:latin typeface="Calibri"/>
                 <a:cs typeface="Calibri"/>
               </a:rPr>
-              <a:t>3</a:t>
-            </a:r>
-            <a:endParaRPr sz="4800">
+              <a:t>4</a:t>
+            </a:r>
+            <a:endParaRPr sz="4800" dirty="0">
               <a:latin typeface="Calibri"/>
               <a:cs typeface="Calibri"/>
             </a:endParaRPr>
@@ -2538,7 +2713,9 @@
           <p:txBody>
             <a:bodyPr wrap="square" lIns="0" tIns="0" rIns="0" bIns="0" rtlCol="0"/>
             <a:lstStyle/>
-            <a:p/>
+            <a:p>
+              <a:endParaRPr/>
+            </a:p>
           </p:txBody>
         </p:sp>
         <p:sp>
@@ -2766,7 +2943,9 @@
           <p:txBody>
             <a:bodyPr wrap="square" lIns="0" tIns="0" rIns="0" bIns="0" rtlCol="0"/>
             <a:lstStyle/>
-            <a:p/>
+            <a:p>
+              <a:endParaRPr/>
+            </a:p>
           </p:txBody>
         </p:sp>
       </p:grpSp>
@@ -2786,7 +2965,7 @@
           </a:prstGeom>
         </p:spPr>
         <p:txBody>
-          <a:bodyPr wrap="square" lIns="0" tIns="0" rIns="0" bIns="0" rtlCol="0" vert="vert">
+          <a:bodyPr vert="vert" wrap="square" lIns="0" tIns="0" rIns="0" bIns="0" rtlCol="0">
             <a:spAutoFit/>
           </a:bodyPr>
           <a:lstStyle/>
@@ -2797,7 +2976,7 @@
               </a:lnSpc>
             </a:pPr>
             <a:r>
-              <a:rPr dirty="0" sz="1300" spc="-5" b="1">
+              <a:rPr sz="1300" b="1" spc="-5" dirty="0">
                 <a:solidFill>
                   <a:srgbClr val="FFFFFF"/>
                 </a:solidFill>
@@ -2829,7 +3008,7 @@
           </a:prstGeom>
         </p:spPr>
         <p:txBody>
-          <a:bodyPr wrap="square" lIns="0" tIns="0" rIns="0" bIns="0" rtlCol="0" vert="vert">
+          <a:bodyPr vert="vert" wrap="square" lIns="0" tIns="0" rIns="0" bIns="0" rtlCol="0">
             <a:spAutoFit/>
           </a:bodyPr>
           <a:lstStyle/>
@@ -2840,7 +3019,7 @@
               </a:lnSpc>
             </a:pPr>
             <a:r>
-              <a:rPr dirty="0" sz="1300" spc="-30" b="1">
+              <a:rPr sz="1300" b="1" spc="-30" dirty="0">
                 <a:solidFill>
                   <a:srgbClr val="FFFFFF"/>
                 </a:solidFill>
@@ -2937,7 +3116,9 @@
           <p:txBody>
             <a:bodyPr wrap="square" lIns="0" tIns="0" rIns="0" bIns="0" rtlCol="0"/>
             <a:lstStyle/>
-            <a:p/>
+            <a:p>
+              <a:endParaRPr/>
+            </a:p>
           </p:txBody>
         </p:sp>
         <p:sp>
@@ -3180,7 +3361,9 @@
           <p:txBody>
             <a:bodyPr wrap="square" lIns="0" tIns="0" rIns="0" bIns="0" rtlCol="0"/>
             <a:lstStyle/>
-            <a:p/>
+            <a:p>
+              <a:endParaRPr/>
+            </a:p>
           </p:txBody>
         </p:sp>
       </p:grpSp>
@@ -3200,7 +3383,7 @@
           </a:prstGeom>
         </p:spPr>
         <p:txBody>
-          <a:bodyPr wrap="square" lIns="0" tIns="0" rIns="0" bIns="0" rtlCol="0" vert="vert">
+          <a:bodyPr vert="vert" wrap="square" lIns="0" tIns="0" rIns="0" bIns="0" rtlCol="0">
             <a:spAutoFit/>
           </a:bodyPr>
           <a:lstStyle/>
@@ -3211,7 +3394,7 @@
               </a:lnSpc>
             </a:pPr>
             <a:r>
-              <a:rPr dirty="0" sz="1400" spc="-5" b="1">
+              <a:rPr sz="1400" b="1" spc="-5" dirty="0">
                 <a:solidFill>
                   <a:srgbClr val="FFFFFF"/>
                 </a:solidFill>
@@ -3243,7 +3426,7 @@
           </a:prstGeom>
         </p:spPr>
         <p:txBody>
-          <a:bodyPr wrap="square" lIns="0" tIns="0" rIns="0" bIns="0" rtlCol="0" vert="horz">
+          <a:bodyPr vert="horz" wrap="square" lIns="0" tIns="0" rIns="0" bIns="0" rtlCol="0">
             <a:spAutoFit/>
           </a:bodyPr>
           <a:lstStyle/>
@@ -3254,7 +3437,7 @@
               </a:lnSpc>
             </a:pPr>
             <a:r>
-              <a:rPr dirty="0" sz="1400" spc="-5" b="1">
+              <a:rPr sz="1400" b="1" spc="-5" dirty="0">
                 <a:solidFill>
                   <a:srgbClr val="FFFFFF"/>
                 </a:solidFill>
@@ -3278,7 +3461,7 @@
               </a:tabLst>
             </a:pPr>
             <a:r>
-              <a:rPr dirty="0" baseline="-9920" sz="2100" spc="-7" b="1">
+              <a:rPr sz="2100" b="1" spc="-7" baseline="-9920" dirty="0">
                 <a:solidFill>
                   <a:srgbClr val="FFFFFF"/>
                 </a:solidFill>
@@ -3288,7 +3471,7 @@
               <a:t>80</a:t>
             </a:r>
             <a:r>
-              <a:rPr dirty="0" baseline="-9920" sz="2100" b="1">
+              <a:rPr sz="2100" b="1" baseline="-9920" dirty="0">
                 <a:solidFill>
                   <a:srgbClr val="FFFFFF"/>
                 </a:solidFill>
@@ -3298,7 +3481,7 @@
               <a:t>%	</a:t>
             </a:r>
             <a:r>
-              <a:rPr dirty="0" sz="1400" spc="-5" b="1">
+              <a:rPr sz="1400" b="1" spc="-5" dirty="0">
                 <a:solidFill>
                   <a:srgbClr val="FFFFFF"/>
                 </a:solidFill>
@@ -3322,7 +3505,7 @@
               </a:spcBef>
             </a:pPr>
             <a:r>
-              <a:rPr dirty="0" sz="1400" spc="-25" b="1">
+              <a:rPr sz="1400" b="1" spc="-25" dirty="0">
                 <a:solidFill>
                   <a:srgbClr val="FFFFFF"/>
                 </a:solidFill>
@@ -3419,7 +3602,9 @@
           <p:txBody>
             <a:bodyPr wrap="square" lIns="0" tIns="0" rIns="0" bIns="0" rtlCol="0"/>
             <a:lstStyle/>
-            <a:p/>
+            <a:p>
+              <a:endParaRPr/>
+            </a:p>
           </p:txBody>
         </p:sp>
         <p:sp>
@@ -3662,7 +3847,9 @@
           <p:txBody>
             <a:bodyPr wrap="square" lIns="0" tIns="0" rIns="0" bIns="0" rtlCol="0"/>
             <a:lstStyle/>
-            <a:p/>
+            <a:p>
+              <a:endParaRPr/>
+            </a:p>
           </p:txBody>
         </p:sp>
       </p:grpSp>
@@ -3682,7 +3869,7 @@
           </a:prstGeom>
         </p:spPr>
         <p:txBody>
-          <a:bodyPr wrap="square" lIns="0" tIns="0" rIns="0" bIns="0" rtlCol="0" vert="vert">
+          <a:bodyPr vert="vert" wrap="square" lIns="0" tIns="0" rIns="0" bIns="0" rtlCol="0">
             <a:spAutoFit/>
           </a:bodyPr>
           <a:lstStyle/>
@@ -3693,7 +3880,7 @@
               </a:lnSpc>
             </a:pPr>
             <a:r>
-              <a:rPr dirty="0" sz="1400" spc="-5" b="1">
+              <a:rPr sz="1400" b="1" spc="-5" dirty="0">
                 <a:solidFill>
                   <a:srgbClr val="FFFFFF"/>
                 </a:solidFill>
@@ -3703,7 +3890,7 @@
               <a:t>USE</a:t>
             </a:r>
             <a:r>
-              <a:rPr dirty="0" sz="1400" spc="-75" b="1">
+              <a:rPr sz="1400" b="1" spc="-75" dirty="0">
                 <a:solidFill>
                   <a:srgbClr val="FFFFFF"/>
                 </a:solidFill>
@@ -3713,7 +3900,7 @@
               <a:t> </a:t>
             </a:r>
             <a:r>
-              <a:rPr dirty="0" sz="1400" spc="-5" b="1">
+              <a:rPr sz="1400" b="1" spc="-5" dirty="0">
                 <a:solidFill>
                   <a:srgbClr val="FFFFFF"/>
                 </a:solidFill>
@@ -3834,7 +4021,9 @@
           <p:txBody>
             <a:bodyPr wrap="square" lIns="0" tIns="0" rIns="0" bIns="0" rtlCol="0"/>
             <a:lstStyle/>
-            <a:p/>
+            <a:p>
+              <a:endParaRPr/>
+            </a:p>
           </p:txBody>
         </p:sp>
         <p:sp>
@@ -4077,7 +4266,9 @@
           <p:txBody>
             <a:bodyPr wrap="square" lIns="0" tIns="0" rIns="0" bIns="0" rtlCol="0"/>
             <a:lstStyle/>
-            <a:p/>
+            <a:p>
+              <a:endParaRPr/>
+            </a:p>
           </p:txBody>
         </p:sp>
         <p:pic>
@@ -4119,7 +4310,7 @@
           </a:prstGeom>
         </p:spPr>
         <p:txBody>
-          <a:bodyPr wrap="square" lIns="0" tIns="0" rIns="0" bIns="0" rtlCol="0" vert="vert">
+          <a:bodyPr vert="vert" wrap="square" lIns="0" tIns="0" rIns="0" bIns="0" rtlCol="0">
             <a:spAutoFit/>
           </a:bodyPr>
           <a:lstStyle/>
@@ -4130,7 +4321,7 @@
               </a:lnSpc>
             </a:pPr>
             <a:r>
-              <a:rPr dirty="0" sz="1400" spc="-25" b="1">
+              <a:rPr sz="1400" b="1" spc="-25" dirty="0">
                 <a:solidFill>
                   <a:srgbClr val="FFFFFF"/>
                 </a:solidFill>
@@ -4157,10 +4348,12 @@
           </p:nvPr>
         </p:nvSpPr>
         <p:spPr>
-          <a:prstGeom prst="rect"/>
+          <a:prstGeom prst="rect">
+            <a:avLst/>
+          </a:prstGeom>
         </p:spPr>
         <p:txBody>
-          <a:bodyPr wrap="square" lIns="0" tIns="12700" rIns="0" bIns="0" rtlCol="0" vert="horz">
+          <a:bodyPr vert="horz" wrap="square" lIns="0" tIns="12700" rIns="0" bIns="0" rtlCol="0">
             <a:spAutoFit/>
           </a:bodyPr>
           <a:lstStyle/>
@@ -4174,27 +4367,27 @@
               </a:spcBef>
             </a:pPr>
             <a:r>
-              <a:rPr dirty="0" spc="100"/>
+              <a:rPr spc="100" dirty="0"/>
               <a:t>IMPO</a:t>
             </a:r>
             <a:r>
-              <a:rPr dirty="0" spc="55"/>
+              <a:rPr spc="55" dirty="0"/>
               <a:t>R</a:t>
             </a:r>
             <a:r>
-              <a:rPr dirty="0" spc="-120"/>
+              <a:rPr spc="-120" dirty="0"/>
               <a:t>T</a:t>
             </a:r>
             <a:r>
-              <a:rPr dirty="0" spc="114"/>
+              <a:rPr spc="114" dirty="0"/>
               <a:t>ANT</a:t>
             </a:r>
             <a:r>
-              <a:rPr dirty="0" spc="-240"/>
-              <a:t> </a:t>
-            </a:r>
-            <a:r>
-              <a:rPr dirty="0" spc="40"/>
+              <a:rPr spc="-240" dirty="0"/>
+              <a:t> </a:t>
+            </a:r>
+            <a:r>
+              <a:rPr spc="40" dirty="0"/>
               <a:t>LINKS</a:t>
             </a:r>
           </a:p>
@@ -4238,7 +4431,7 @@
           </a:prstGeom>
         </p:spPr>
         <p:txBody>
-          <a:bodyPr wrap="square" lIns="0" tIns="12700" rIns="0" bIns="0" rtlCol="0" vert="horz">
+          <a:bodyPr vert="horz" wrap="square" lIns="0" tIns="12700" rIns="0" bIns="0" rtlCol="0">
             <a:spAutoFit/>
           </a:bodyPr>
           <a:lstStyle/>
@@ -4257,7 +4450,7 @@
               </a:tabLst>
             </a:pPr>
             <a:r>
-              <a:rPr dirty="0" sz="1800" spc="-5">
+              <a:rPr sz="1800" spc="-5" dirty="0">
                 <a:solidFill>
                   <a:srgbClr val="595959"/>
                 </a:solidFill>
@@ -4267,7 +4460,7 @@
               <a:t>Project</a:t>
             </a:r>
             <a:r>
-              <a:rPr dirty="0" sz="1800" spc="-30">
+              <a:rPr sz="1800" spc="-30" dirty="0">
                 <a:solidFill>
                   <a:srgbClr val="595959"/>
                 </a:solidFill>
@@ -4277,7 +4470,7 @@
               <a:t> </a:t>
             </a:r>
             <a:r>
-              <a:rPr dirty="0" sz="1800" spc="-5">
+              <a:rPr sz="1800" spc="-5" dirty="0">
                 <a:solidFill>
                   <a:srgbClr val="595959"/>
                 </a:solidFill>
@@ -4287,7 +4480,7 @@
               <a:t>link</a:t>
             </a:r>
             <a:r>
-              <a:rPr dirty="0" sz="1800" spc="-20">
+              <a:rPr sz="1800" spc="-20" dirty="0">
                 <a:solidFill>
                   <a:srgbClr val="595959"/>
                 </a:solidFill>
@@ -4297,7 +4490,7 @@
               <a:t> </a:t>
             </a:r>
             <a:r>
-              <a:rPr dirty="0" sz="1800">
+              <a:rPr sz="1800" dirty="0">
                 <a:solidFill>
                   <a:srgbClr val="595959"/>
                 </a:solidFill>
@@ -4307,7 +4500,7 @@
               <a:t>:</a:t>
             </a:r>
             <a:r>
-              <a:rPr dirty="0" sz="1800" spc="10">
+              <a:rPr sz="1800" spc="10" dirty="0">
                 <a:solidFill>
                   <a:srgbClr val="595959"/>
                 </a:solidFill>
@@ -4317,7 +4510,7 @@
               <a:t> </a:t>
             </a:r>
             <a:r>
-              <a:rPr dirty="0" u="heavy" sz="1800" spc="-5">
+              <a:rPr sz="1800" u="heavy" spc="-5" dirty="0">
                 <a:solidFill>
                   <a:srgbClr val="595959"/>
                 </a:solidFill>
@@ -4368,7 +4561,7 @@
               </a:tabLst>
             </a:pPr>
             <a:r>
-              <a:rPr dirty="0" sz="1800" spc="-5">
+              <a:rPr sz="1800" spc="-5" dirty="0">
                 <a:solidFill>
                   <a:srgbClr val="595959"/>
                 </a:solidFill>
@@ -4378,7 +4571,7 @@
               <a:t>Github</a:t>
             </a:r>
             <a:r>
-              <a:rPr dirty="0" sz="1800" spc="-50">
+              <a:rPr sz="1800" spc="-50" dirty="0">
                 <a:solidFill>
                   <a:srgbClr val="595959"/>
                 </a:solidFill>
@@ -4388,7 +4581,7 @@
               <a:t> </a:t>
             </a:r>
             <a:r>
-              <a:rPr dirty="0" sz="1800">
+              <a:rPr sz="1800" dirty="0">
                 <a:solidFill>
                   <a:srgbClr val="595959"/>
                 </a:solidFill>
@@ -4409,7 +4602,7 @@
               </a:lnSpc>
             </a:pPr>
             <a:r>
-              <a:rPr dirty="0" u="heavy" sz="1800" spc="-10">
+              <a:rPr sz="1800" u="heavy" spc="-10" dirty="0">
                 <a:solidFill>
                   <a:srgbClr val="595959"/>
                 </a:solidFill>
@@ -4466,7 +4659,7 @@
               </a:tabLst>
             </a:pPr>
             <a:r>
-              <a:rPr dirty="0" sz="1800" spc="-5">
+              <a:rPr sz="1800" spc="-5" dirty="0">
                 <a:solidFill>
                   <a:srgbClr val="595959"/>
                 </a:solidFill>
@@ -4476,7 +4669,7 @@
               <a:t>EDA Automator </a:t>
             </a:r>
             <a:r>
-              <a:rPr dirty="0" sz="1800">
+              <a:rPr sz="1800" dirty="0">
                 <a:solidFill>
                   <a:srgbClr val="595959"/>
                 </a:solidFill>
@@ -4486,7 +4679,7 @@
               <a:t>: </a:t>
             </a:r>
             <a:r>
-              <a:rPr dirty="0" sz="1800" spc="5">
+              <a:rPr sz="1800" spc="5" dirty="0">
                 <a:solidFill>
                   <a:srgbClr val="595959"/>
                 </a:solidFill>
@@ -4496,7 +4689,7 @@
               <a:t> </a:t>
             </a:r>
             <a:r>
-              <a:rPr dirty="0" u="heavy" sz="1800" spc="-10">
+              <a:rPr sz="1800" u="heavy" spc="-10" dirty="0">
                 <a:solidFill>
                   <a:srgbClr val="595959"/>
                 </a:solidFill>
@@ -4512,7 +4705,7 @@
               <a:t>https://share.streamlit.io/iamamankumar22/eda-automator/m </a:t>
             </a:r>
             <a:r>
-              <a:rPr dirty="0" sz="1800" spc="-395">
+              <a:rPr sz="1800" spc="-395" dirty="0">
                 <a:solidFill>
                   <a:srgbClr val="595959"/>
                 </a:solidFill>
@@ -4522,7 +4715,7 @@
               <a:t> </a:t>
             </a:r>
             <a:r>
-              <a:rPr dirty="0" u="heavy" sz="1800" spc="-5">
+              <a:rPr sz="1800" u="heavy" spc="-5" dirty="0">
                 <a:solidFill>
                   <a:srgbClr val="595959"/>
                 </a:solidFill>
@@ -4652,7 +4845,9 @@
           <p:txBody>
             <a:bodyPr wrap="square" lIns="0" tIns="0" rIns="0" bIns="0" rtlCol="0"/>
             <a:lstStyle/>
-            <a:p/>
+            <a:p>
+              <a:endParaRPr/>
+            </a:p>
           </p:txBody>
         </p:sp>
         <p:pic>
@@ -4724,7 +4919,9 @@
           <p:txBody>
             <a:bodyPr wrap="square" lIns="0" tIns="0" rIns="0" bIns="0" rtlCol="0"/>
             <a:lstStyle/>
-            <a:p/>
+            <a:p>
+              <a:endParaRPr/>
+            </a:p>
           </p:txBody>
         </p:sp>
         <p:sp>
@@ -4774,7 +4971,9 @@
           <p:txBody>
             <a:bodyPr wrap="square" lIns="0" tIns="0" rIns="0" bIns="0" rtlCol="0"/>
             <a:lstStyle/>
-            <a:p/>
+            <a:p>
+              <a:endParaRPr/>
+            </a:p>
           </p:txBody>
         </p:sp>
         <p:sp>
@@ -4824,7 +5023,9 @@
           <p:txBody>
             <a:bodyPr wrap="square" lIns="0" tIns="0" rIns="0" bIns="0" rtlCol="0"/>
             <a:lstStyle/>
-            <a:p/>
+            <a:p>
+              <a:endParaRPr/>
+            </a:p>
           </p:txBody>
         </p:sp>
         <p:sp>
@@ -4874,7 +5075,9 @@
           <p:txBody>
             <a:bodyPr wrap="square" lIns="0" tIns="0" rIns="0" bIns="0" rtlCol="0"/>
             <a:lstStyle/>
-            <a:p/>
+            <a:p>
+              <a:endParaRPr/>
+            </a:p>
           </p:txBody>
         </p:sp>
         <p:sp>
@@ -4924,7 +5127,9 @@
           <p:txBody>
             <a:bodyPr wrap="square" lIns="0" tIns="0" rIns="0" bIns="0" rtlCol="0"/>
             <a:lstStyle/>
-            <a:p/>
+            <a:p>
+              <a:endParaRPr/>
+            </a:p>
           </p:txBody>
         </p:sp>
         <p:sp>
@@ -4974,7 +5179,9 @@
           <p:txBody>
             <a:bodyPr wrap="square" lIns="0" tIns="0" rIns="0" bIns="0" rtlCol="0"/>
             <a:lstStyle/>
-            <a:p/>
+            <a:p>
+              <a:endParaRPr/>
+            </a:p>
           </p:txBody>
         </p:sp>
         <p:sp>
@@ -5024,7 +5231,9 @@
           <p:txBody>
             <a:bodyPr wrap="square" lIns="0" tIns="0" rIns="0" bIns="0" rtlCol="0"/>
             <a:lstStyle/>
-            <a:p/>
+            <a:p>
+              <a:endParaRPr/>
+            </a:p>
           </p:txBody>
         </p:sp>
         <p:sp>
@@ -5074,7 +5283,9 @@
           <p:txBody>
             <a:bodyPr wrap="square" lIns="0" tIns="0" rIns="0" bIns="0" rtlCol="0"/>
             <a:lstStyle/>
-            <a:p/>
+            <a:p>
+              <a:endParaRPr/>
+            </a:p>
           </p:txBody>
         </p:sp>
       </p:grpSp>
@@ -5094,7 +5305,7 @@
           </a:prstGeom>
         </p:spPr>
         <p:txBody>
-          <a:bodyPr wrap="square" lIns="0" tIns="12700" rIns="0" bIns="0" rtlCol="0" vert="horz">
+          <a:bodyPr vert="horz" wrap="square" lIns="0" tIns="12700" rIns="0" bIns="0" rtlCol="0">
             <a:spAutoFit/>
           </a:bodyPr>
           <a:lstStyle/>
@@ -5108,7 +5319,7 @@
               </a:spcBef>
             </a:pPr>
             <a:r>
-              <a:rPr dirty="0" sz="1800" spc="-5" b="1">
+              <a:rPr sz="1800" b="1" spc="-5" dirty="0">
                 <a:solidFill>
                   <a:srgbClr val="FFFFFF"/>
                 </a:solidFill>
@@ -5118,7 +5329,7 @@
               <a:t>THANK</a:t>
             </a:r>
             <a:r>
-              <a:rPr dirty="0" sz="1800" spc="-114" b="1">
+              <a:rPr sz="1800" b="1" spc="-114" dirty="0">
                 <a:solidFill>
                   <a:srgbClr val="FFFFFF"/>
                 </a:solidFill>
@@ -5128,7 +5339,7 @@
               <a:t> </a:t>
             </a:r>
             <a:r>
-              <a:rPr dirty="0" sz="1800" spc="-5" b="1">
+              <a:rPr sz="1800" b="1" spc="-5" dirty="0">
                 <a:solidFill>
                   <a:srgbClr val="FFFFFF"/>
                 </a:solidFill>
@@ -5191,7 +5402,9 @@
         <p:txBody>
           <a:bodyPr wrap="square" lIns="0" tIns="0" rIns="0" bIns="0" rtlCol="0"/>
           <a:lstStyle/>
-          <a:p/>
+          <a:p>
+            <a:endParaRPr/>
+          </a:p>
         </p:txBody>
       </p:sp>
       <p:sp>
@@ -5210,7 +5423,7 @@
           </a:prstGeom>
         </p:spPr>
         <p:txBody>
-          <a:bodyPr wrap="square" lIns="0" tIns="12700" rIns="0" bIns="0" rtlCol="0" vert="horz">
+          <a:bodyPr vert="horz" wrap="square" lIns="0" tIns="12700" rIns="0" bIns="0" rtlCol="0">
             <a:spAutoFit/>
           </a:bodyPr>
           <a:lstStyle/>
@@ -5224,7 +5437,7 @@
               </a:spcBef>
             </a:pPr>
             <a:r>
-              <a:rPr dirty="0" sz="1400" spc="-5">
+              <a:rPr sz="1400" spc="-5" dirty="0">
                 <a:solidFill>
                   <a:srgbClr val="595959"/>
                 </a:solidFill>
@@ -5234,7 +5447,7 @@
               <a:t>Aman</a:t>
             </a:r>
             <a:r>
-              <a:rPr dirty="0" sz="1400" spc="-50">
+              <a:rPr sz="1400" spc="-50" dirty="0">
                 <a:solidFill>
                   <a:srgbClr val="595959"/>
                 </a:solidFill>
@@ -5244,7 +5457,7 @@
               <a:t> </a:t>
             </a:r>
             <a:r>
-              <a:rPr dirty="0" sz="1400">
+              <a:rPr sz="1400" dirty="0">
                 <a:solidFill>
                   <a:srgbClr val="595959"/>
                 </a:solidFill>
@@ -5265,7 +5478,7 @@
               </a:lnSpc>
             </a:pPr>
             <a:r>
-              <a:rPr dirty="0" sz="1400">
+              <a:rPr sz="1400" dirty="0">
                 <a:solidFill>
                   <a:srgbClr val="595959"/>
                 </a:solidFill>
@@ -5275,7 +5488,7 @@
               <a:t>Mayank</a:t>
             </a:r>
             <a:r>
-              <a:rPr dirty="0" sz="1400" spc="-95">
+              <a:rPr sz="1400" spc="-95" dirty="0">
                 <a:solidFill>
                   <a:srgbClr val="595959"/>
                 </a:solidFill>
@@ -5285,7 +5498,7 @@
               <a:t> </a:t>
             </a:r>
             <a:r>
-              <a:rPr dirty="0" sz="1400" spc="-5">
+              <a:rPr sz="1400" spc="-5" dirty="0">
                 <a:solidFill>
                   <a:srgbClr val="595959"/>
                 </a:solidFill>
@@ -5295,7 +5508,7 @@
               <a:t>Chittora </a:t>
             </a:r>
             <a:r>
-              <a:rPr dirty="0" sz="1400" spc="-375">
+              <a:rPr sz="1400" spc="-375" dirty="0">
                 <a:solidFill>
                   <a:srgbClr val="595959"/>
                 </a:solidFill>
@@ -5305,7 +5518,7 @@
               <a:t> </a:t>
             </a:r>
             <a:r>
-              <a:rPr dirty="0" sz="1400" spc="-5">
+              <a:rPr sz="1400" spc="-5" dirty="0">
                 <a:solidFill>
                   <a:srgbClr val="595959"/>
                 </a:solidFill>
@@ -5315,7 +5528,7 @@
               <a:t>Shivam</a:t>
             </a:r>
             <a:r>
-              <a:rPr dirty="0" sz="1400" spc="-45">
+              <a:rPr sz="1400" spc="-45" dirty="0">
                 <a:solidFill>
                   <a:srgbClr val="595959"/>
                 </a:solidFill>
@@ -5325,7 +5538,7 @@
               <a:t> </a:t>
             </a:r>
             <a:r>
-              <a:rPr dirty="0" sz="1400" spc="-5">
+              <a:rPr sz="1400" spc="-5" dirty="0">
                 <a:solidFill>
                   <a:srgbClr val="595959"/>
                 </a:solidFill>
@@ -5411,7 +5624,9 @@
         <p:txBody>
           <a:bodyPr wrap="square" lIns="0" tIns="0" rIns="0" bIns="0" rtlCol="0"/>
           <a:lstStyle/>
-          <a:p/>
+          <a:p>
+            <a:endParaRPr/>
+          </a:p>
         </p:txBody>
       </p:sp>
       <p:grpSp>
@@ -5475,7 +5690,9 @@
           <p:txBody>
             <a:bodyPr wrap="square" lIns="0" tIns="0" rIns="0" bIns="0" rtlCol="0"/>
             <a:lstStyle/>
-            <a:p/>
+            <a:p>
+              <a:endParaRPr/>
+            </a:p>
           </p:txBody>
         </p:sp>
         <p:pic>
@@ -5569,7 +5786,9 @@
           <p:txBody>
             <a:bodyPr wrap="square" lIns="0" tIns="0" rIns="0" bIns="0" rtlCol="0"/>
             <a:lstStyle/>
-            <a:p/>
+            <a:p>
+              <a:endParaRPr/>
+            </a:p>
           </p:txBody>
         </p:sp>
         <p:sp>
@@ -5800,7 +6019,9 @@
           <p:txBody>
             <a:bodyPr wrap="square" lIns="0" tIns="0" rIns="0" bIns="0" rtlCol="0"/>
             <a:lstStyle/>
-            <a:p/>
+            <a:p>
+              <a:endParaRPr/>
+            </a:p>
           </p:txBody>
         </p:sp>
         <p:pic>
@@ -5870,7 +6091,9 @@
           <p:txBody>
             <a:bodyPr wrap="square" lIns="0" tIns="0" rIns="0" bIns="0" rtlCol="0"/>
             <a:lstStyle/>
-            <a:p/>
+            <a:p>
+              <a:endParaRPr/>
+            </a:p>
           </p:txBody>
         </p:sp>
         <p:sp>
@@ -6113,7 +6336,9 @@
           <p:txBody>
             <a:bodyPr wrap="square" lIns="0" tIns="0" rIns="0" bIns="0" rtlCol="0"/>
             <a:lstStyle/>
-            <a:p/>
+            <a:p>
+              <a:endParaRPr/>
+            </a:p>
           </p:txBody>
         </p:sp>
       </p:grpSp>
@@ -6133,7 +6358,7 @@
           </a:prstGeom>
         </p:spPr>
         <p:txBody>
-          <a:bodyPr wrap="square" lIns="0" tIns="2540" rIns="0" bIns="0" rtlCol="0" vert="vert">
+          <a:bodyPr vert="vert" wrap="square" lIns="0" tIns="2540" rIns="0" bIns="0" rtlCol="0">
             <a:spAutoFit/>
           </a:bodyPr>
           <a:lstStyle/>
@@ -6147,7 +6372,7 @@
               </a:spcBef>
             </a:pPr>
             <a:r>
-              <a:rPr dirty="0" sz="1400" spc="-5" b="1">
+              <a:rPr sz="1400" b="1" spc="-5" dirty="0">
                 <a:solidFill>
                   <a:srgbClr val="FFFFFF"/>
                 </a:solidFill>
@@ -6157,7 +6382,7 @@
               <a:t>PROBLEM </a:t>
             </a:r>
             <a:r>
-              <a:rPr dirty="0" sz="1400" b="1">
+              <a:rPr sz="1400" b="1" dirty="0">
                 <a:solidFill>
                   <a:srgbClr val="FFFFFF"/>
                 </a:solidFill>
@@ -6167,7 +6392,7 @@
               <a:t> </a:t>
             </a:r>
             <a:r>
-              <a:rPr dirty="0" sz="1400" spc="-5" b="1">
+              <a:rPr sz="1400" b="1" spc="-5" dirty="0">
                 <a:solidFill>
                   <a:srgbClr val="FFFFFF"/>
                 </a:solidFill>
@@ -6177,7 +6402,7 @@
               <a:t>S</a:t>
             </a:r>
             <a:r>
-              <a:rPr dirty="0" sz="1400" spc="-105" b="1">
+              <a:rPr sz="1400" b="1" spc="-105" dirty="0">
                 <a:solidFill>
                   <a:srgbClr val="FFFFFF"/>
                 </a:solidFill>
@@ -6187,7 +6412,7 @@
               <a:t>TA</a:t>
             </a:r>
             <a:r>
-              <a:rPr dirty="0" sz="1400" spc="-5" b="1">
+              <a:rPr sz="1400" b="1" spc="-5" dirty="0">
                 <a:solidFill>
                   <a:srgbClr val="FFFFFF"/>
                 </a:solidFill>
@@ -6211,7 +6436,7 @@
               </a:spcBef>
             </a:pPr>
             <a:r>
-              <a:rPr dirty="0" sz="1400" spc="-5" b="1">
+              <a:rPr sz="1400" b="1" spc="-5" dirty="0">
                 <a:solidFill>
                   <a:srgbClr val="FFFFFF"/>
                 </a:solidFill>
@@ -6308,7 +6533,9 @@
           <p:txBody>
             <a:bodyPr wrap="square" lIns="0" tIns="0" rIns="0" bIns="0" rtlCol="0"/>
             <a:lstStyle/>
-            <a:p/>
+            <a:p>
+              <a:endParaRPr/>
+            </a:p>
           </p:txBody>
         </p:sp>
         <p:sp>
@@ -6551,7 +6778,9 @@
           <p:txBody>
             <a:bodyPr wrap="square" lIns="0" tIns="0" rIns="0" bIns="0" rtlCol="0"/>
             <a:lstStyle/>
-            <a:p/>
+            <a:p>
+              <a:endParaRPr/>
+            </a:p>
           </p:txBody>
         </p:sp>
       </p:grpSp>
@@ -6571,7 +6800,7 @@
           </a:prstGeom>
         </p:spPr>
         <p:txBody>
-          <a:bodyPr wrap="square" lIns="0" tIns="0" rIns="0" bIns="0" rtlCol="0" vert="vert">
+          <a:bodyPr vert="vert" wrap="square" lIns="0" tIns="0" rIns="0" bIns="0" rtlCol="0">
             <a:spAutoFit/>
           </a:bodyPr>
           <a:lstStyle/>
@@ -6582,7 +6811,7 @@
               </a:lnSpc>
             </a:pPr>
             <a:r>
-              <a:rPr dirty="0" sz="1400" spc="-5" b="1">
+              <a:rPr sz="1400" b="1" spc="-5" dirty="0">
                 <a:solidFill>
                   <a:srgbClr val="FFFFFF"/>
                 </a:solidFill>
@@ -6592,7 +6821,7 @@
               <a:t>USE</a:t>
             </a:r>
             <a:r>
-              <a:rPr dirty="0" sz="1400" spc="-75" b="1">
+              <a:rPr sz="1400" b="1" spc="-75" dirty="0">
                 <a:solidFill>
                   <a:srgbClr val="FFFFFF"/>
                 </a:solidFill>
@@ -6602,7 +6831,7 @@
               <a:t> </a:t>
             </a:r>
             <a:r>
-              <a:rPr dirty="0" sz="1400" spc="-5" b="1">
+              <a:rPr sz="1400" b="1" spc="-5" dirty="0">
                 <a:solidFill>
                   <a:srgbClr val="FFFFFF"/>
                 </a:solidFill>
@@ -6699,7 +6928,9 @@
           <p:txBody>
             <a:bodyPr wrap="square" lIns="0" tIns="0" rIns="0" bIns="0" rtlCol="0"/>
             <a:lstStyle/>
-            <a:p/>
+            <a:p>
+              <a:endParaRPr/>
+            </a:p>
           </p:txBody>
         </p:sp>
         <p:sp>
@@ -6942,7 +7173,9 @@
           <p:txBody>
             <a:bodyPr wrap="square" lIns="0" tIns="0" rIns="0" bIns="0" rtlCol="0"/>
             <a:lstStyle/>
-            <a:p/>
+            <a:p>
+              <a:endParaRPr/>
+            </a:p>
           </p:txBody>
         </p:sp>
       </p:grpSp>
@@ -6962,7 +7195,7 @@
           </a:prstGeom>
         </p:spPr>
         <p:txBody>
-          <a:bodyPr wrap="square" lIns="0" tIns="0" rIns="0" bIns="0" rtlCol="0" vert="vert">
+          <a:bodyPr vert="vert" wrap="square" lIns="0" tIns="0" rIns="0" bIns="0" rtlCol="0">
             <a:spAutoFit/>
           </a:bodyPr>
           <a:lstStyle/>
@@ -6973,7 +7206,7 @@
               </a:lnSpc>
             </a:pPr>
             <a:r>
-              <a:rPr dirty="0" sz="1400" spc="-25" b="1">
+              <a:rPr sz="1400" b="1" spc="-25" dirty="0">
                 <a:solidFill>
                   <a:srgbClr val="FFFFFF"/>
                 </a:solidFill>
@@ -7026,10 +7259,12 @@
             <a:off x="3679839" y="1558581"/>
             <a:ext cx="3537585" cy="299720"/>
           </a:xfrm>
-          <a:prstGeom prst="rect"/>
+          <a:prstGeom prst="rect">
+            <a:avLst/>
+          </a:prstGeom>
         </p:spPr>
         <p:txBody>
-          <a:bodyPr wrap="square" lIns="0" tIns="12700" rIns="0" bIns="0" rtlCol="0" vert="horz">
+          <a:bodyPr vert="horz" wrap="square" lIns="0" tIns="12700" rIns="0" bIns="0" rtlCol="0">
             <a:spAutoFit/>
           </a:bodyPr>
           <a:lstStyle/>
@@ -7043,7 +7278,7 @@
               </a:spcBef>
             </a:pPr>
             <a:r>
-              <a:rPr dirty="0" sz="1800" spc="-5" b="1">
+              <a:rPr sz="1800" b="1" spc="-5" dirty="0">
                 <a:solidFill>
                   <a:srgbClr val="C00000"/>
                 </a:solidFill>
@@ -7053,7 +7288,7 @@
               <a:t>NON</a:t>
             </a:r>
             <a:r>
-              <a:rPr dirty="0" sz="1800" spc="-20" b="1">
+              <a:rPr sz="1800" b="1" spc="-20" dirty="0">
                 <a:solidFill>
                   <a:srgbClr val="C00000"/>
                 </a:solidFill>
@@ -7063,21 +7298,21 @@
               <a:t> </a:t>
             </a:r>
             <a:r>
-              <a:rPr dirty="0" sz="1800" spc="-5" b="1">
+              <a:rPr sz="1800" b="1" spc="-5" dirty="0">
                 <a:latin typeface="Arial"/>
                 <a:cs typeface="Arial"/>
               </a:rPr>
               <a:t>ADHERENCE</a:t>
             </a:r>
             <a:r>
-              <a:rPr dirty="0" sz="1800" spc="-25" b="1">
-                <a:latin typeface="Arial"/>
-                <a:cs typeface="Arial"/>
-              </a:rPr>
-              <a:t> </a:t>
-            </a:r>
-            <a:r>
-              <a:rPr dirty="0" sz="1800" spc="-20" b="1">
+              <a:rPr sz="1800" b="1" spc="-25" dirty="0">
+                <a:latin typeface="Arial"/>
+                <a:cs typeface="Arial"/>
+              </a:rPr>
+              <a:t> </a:t>
+            </a:r>
+            <a:r>
+              <a:rPr sz="1800" b="1" spc="-20" dirty="0">
                 <a:latin typeface="Arial"/>
                 <a:cs typeface="Arial"/>
               </a:rPr>
@@ -7106,7 +7341,7 @@
           </a:prstGeom>
         </p:spPr>
         <p:txBody>
-          <a:bodyPr wrap="square" lIns="0" tIns="12700" rIns="0" bIns="0" rtlCol="0" vert="horz">
+          <a:bodyPr vert="horz" wrap="square" lIns="0" tIns="12700" rIns="0" bIns="0" rtlCol="0">
             <a:spAutoFit/>
           </a:bodyPr>
           <a:lstStyle/>
@@ -7120,210 +7355,203 @@
               </a:spcBef>
             </a:pPr>
             <a:r>
-              <a:rPr dirty="0" sz="1300" spc="-65" b="1">
+              <a:rPr sz="1300" b="1" spc="-65" dirty="0">
                 <a:latin typeface="Tahoma"/>
                 <a:cs typeface="Tahoma"/>
               </a:rPr>
               <a:t>When</a:t>
             </a:r>
             <a:r>
-              <a:rPr dirty="0" sz="1300" spc="-135" b="1">
-                <a:latin typeface="Tahoma"/>
-                <a:cs typeface="Tahoma"/>
-              </a:rPr>
-              <a:t> </a:t>
-            </a:r>
-            <a:r>
-              <a:rPr dirty="0" sz="1300" spc="-100" b="1">
+              <a:rPr sz="1300" b="1" spc="-135" dirty="0">
+                <a:latin typeface="Tahoma"/>
+                <a:cs typeface="Tahoma"/>
+              </a:rPr>
+              <a:t> </a:t>
+            </a:r>
+            <a:r>
+              <a:rPr sz="1300" b="1" spc="-100" dirty="0">
                 <a:latin typeface="Tahoma"/>
                 <a:cs typeface="Tahoma"/>
               </a:rPr>
               <a:t>a</a:t>
             </a:r>
             <a:r>
-              <a:rPr dirty="0" sz="1300" spc="-135" b="1">
-                <a:latin typeface="Tahoma"/>
-                <a:cs typeface="Tahoma"/>
-              </a:rPr>
-              <a:t> </a:t>
-            </a:r>
-            <a:r>
-              <a:rPr dirty="0" sz="1300" spc="-75" b="1">
+              <a:rPr sz="1300" b="1" spc="-135" dirty="0">
+                <a:latin typeface="Tahoma"/>
+                <a:cs typeface="Tahoma"/>
+              </a:rPr>
+              <a:t> </a:t>
+            </a:r>
+            <a:r>
+              <a:rPr sz="1300" b="1" spc="-75" dirty="0">
                 <a:latin typeface="Tahoma"/>
                 <a:cs typeface="Tahoma"/>
               </a:rPr>
               <a:t>patient</a:t>
             </a:r>
             <a:r>
-              <a:rPr dirty="0" sz="1300" spc="-135" b="1">
-                <a:latin typeface="Tahoma"/>
-                <a:cs typeface="Tahoma"/>
-              </a:rPr>
-              <a:t> </a:t>
-            </a:r>
-            <a:r>
-              <a:rPr dirty="0" sz="1300" spc="-75" b="1">
+              <a:rPr sz="1300" b="1" spc="-135" dirty="0">
+                <a:latin typeface="Tahoma"/>
+                <a:cs typeface="Tahoma"/>
+              </a:rPr>
+              <a:t> </a:t>
+            </a:r>
+            <a:r>
+              <a:rPr sz="1300" b="1" spc="-75" dirty="0">
                 <a:latin typeface="Tahoma"/>
                 <a:cs typeface="Tahoma"/>
               </a:rPr>
               <a:t>is</a:t>
             </a:r>
             <a:r>
-              <a:rPr dirty="0" sz="1300" spc="-125" b="1">
-                <a:latin typeface="Tahoma"/>
-                <a:cs typeface="Tahoma"/>
-              </a:rPr>
-              <a:t> </a:t>
-            </a:r>
-            <a:r>
-              <a:rPr dirty="0" sz="1300" spc="-85" b="1">
+              <a:rPr sz="1300" b="1" spc="-125" dirty="0">
+                <a:latin typeface="Tahoma"/>
+                <a:cs typeface="Tahoma"/>
+              </a:rPr>
+              <a:t> </a:t>
+            </a:r>
+            <a:r>
+              <a:rPr sz="1300" b="1" spc="-85" dirty="0">
                 <a:latin typeface="Tahoma"/>
                 <a:cs typeface="Tahoma"/>
               </a:rPr>
               <a:t>unable</a:t>
             </a:r>
             <a:r>
-              <a:rPr dirty="0" sz="1300" spc="-135" b="1">
-                <a:latin typeface="Tahoma"/>
-                <a:cs typeface="Tahoma"/>
-              </a:rPr>
-              <a:t> </a:t>
-            </a:r>
-            <a:r>
-              <a:rPr dirty="0" sz="1300" spc="-55" b="1">
+              <a:rPr sz="1300" b="1" spc="-135" dirty="0">
+                <a:latin typeface="Tahoma"/>
+                <a:cs typeface="Tahoma"/>
+              </a:rPr>
+              <a:t> </a:t>
+            </a:r>
+            <a:r>
+              <a:rPr sz="1300" b="1" spc="-55" dirty="0">
                 <a:latin typeface="Tahoma"/>
                 <a:cs typeface="Tahoma"/>
               </a:rPr>
               <a:t>to</a:t>
             </a:r>
             <a:r>
-              <a:rPr dirty="0" sz="1300" spc="-130" b="1">
-                <a:latin typeface="Tahoma"/>
-                <a:cs typeface="Tahoma"/>
-              </a:rPr>
-              <a:t> </a:t>
-            </a:r>
-            <a:r>
-              <a:rPr dirty="0" sz="1300" spc="-80" b="1">
+              <a:rPr sz="1300" b="1" spc="-130" dirty="0">
+                <a:latin typeface="Tahoma"/>
+                <a:cs typeface="Tahoma"/>
+              </a:rPr>
+              <a:t> </a:t>
+            </a:r>
+            <a:r>
+              <a:rPr sz="1300" b="1" spc="-80" dirty="0">
                 <a:latin typeface="Tahoma"/>
                 <a:cs typeface="Tahoma"/>
               </a:rPr>
               <a:t>take</a:t>
             </a:r>
             <a:r>
-              <a:rPr dirty="0" sz="1300" spc="-130" b="1">
-                <a:latin typeface="Tahoma"/>
-                <a:cs typeface="Tahoma"/>
-              </a:rPr>
-              <a:t> </a:t>
-            </a:r>
-            <a:r>
-              <a:rPr dirty="0" sz="1300" spc="-60" b="1">
+              <a:rPr sz="1300" b="1" spc="-130" dirty="0">
+                <a:latin typeface="Tahoma"/>
+                <a:cs typeface="Tahoma"/>
+              </a:rPr>
+              <a:t> </a:t>
+            </a:r>
+            <a:r>
+              <a:rPr sz="1300" b="1" spc="-60" dirty="0">
                 <a:latin typeface="Tahoma"/>
                 <a:cs typeface="Tahoma"/>
               </a:rPr>
               <a:t>their</a:t>
             </a:r>
             <a:r>
-              <a:rPr dirty="0" sz="1300" spc="-130" b="1">
-                <a:latin typeface="Tahoma"/>
-                <a:cs typeface="Tahoma"/>
-              </a:rPr>
-              <a:t> </a:t>
-            </a:r>
-            <a:r>
-              <a:rPr dirty="0" sz="1300" spc="-80" b="1">
+              <a:rPr sz="1300" b="1" spc="-130" dirty="0">
+                <a:latin typeface="Tahoma"/>
+                <a:cs typeface="Tahoma"/>
+              </a:rPr>
+              <a:t> </a:t>
+            </a:r>
+            <a:r>
+              <a:rPr sz="1300" b="1" spc="-80" dirty="0">
                 <a:latin typeface="Tahoma"/>
                 <a:cs typeface="Tahoma"/>
               </a:rPr>
               <a:t>medication, </a:t>
             </a:r>
             <a:r>
-              <a:rPr dirty="0" sz="1300" spc="-365" b="1">
-                <a:latin typeface="Tahoma"/>
-                <a:cs typeface="Tahoma"/>
-              </a:rPr>
-              <a:t> </a:t>
-            </a:r>
-            <a:r>
-              <a:rPr dirty="0" sz="1300" spc="-70" b="1">
+              <a:rPr sz="1300" b="1" spc="-365" dirty="0">
+                <a:latin typeface="Tahoma"/>
+                <a:cs typeface="Tahoma"/>
+              </a:rPr>
+              <a:t> </a:t>
+            </a:r>
+            <a:r>
+              <a:rPr sz="1300" b="1" spc="-70" dirty="0">
                 <a:latin typeface="Tahoma"/>
                 <a:cs typeface="Tahoma"/>
               </a:rPr>
               <a:t>the</a:t>
             </a:r>
             <a:r>
-              <a:rPr dirty="0" sz="1300" spc="-130" b="1">
-                <a:latin typeface="Tahoma"/>
-                <a:cs typeface="Tahoma"/>
-              </a:rPr>
-              <a:t> </a:t>
-            </a:r>
-            <a:r>
-              <a:rPr dirty="0" sz="1300" spc="-70" b="1">
-                <a:latin typeface="Tahoma"/>
-                <a:cs typeface="Tahoma"/>
-              </a:rPr>
-              <a:t>effect</a:t>
-            </a:r>
-            <a:r>
-              <a:rPr dirty="0" sz="1300" spc="-70" b="1">
-                <a:latin typeface="Tahoma"/>
-                <a:cs typeface="Tahoma"/>
-              </a:rPr>
-              <a:t>s</a:t>
-            </a:r>
-            <a:r>
-              <a:rPr dirty="0" sz="1300" spc="-135" b="1">
-                <a:latin typeface="Tahoma"/>
-                <a:cs typeface="Tahoma"/>
-              </a:rPr>
-              <a:t> </a:t>
-            </a:r>
-            <a:r>
-              <a:rPr dirty="0" sz="1300" spc="-90" b="1">
+              <a:rPr sz="1300" b="1" spc="-130" dirty="0">
+                <a:latin typeface="Tahoma"/>
+                <a:cs typeface="Tahoma"/>
+              </a:rPr>
+              <a:t> </a:t>
+            </a:r>
+            <a:r>
+              <a:rPr sz="1300" b="1" spc="-70" dirty="0">
+                <a:latin typeface="Tahoma"/>
+                <a:cs typeface="Tahoma"/>
+              </a:rPr>
+              <a:t>effects</a:t>
+            </a:r>
+            <a:r>
+              <a:rPr sz="1300" b="1" spc="-135" dirty="0">
+                <a:latin typeface="Tahoma"/>
+                <a:cs typeface="Tahoma"/>
+              </a:rPr>
+              <a:t> </a:t>
+            </a:r>
+            <a:r>
+              <a:rPr sz="1300" b="1" spc="-90" dirty="0">
                 <a:latin typeface="Tahoma"/>
                 <a:cs typeface="Tahoma"/>
               </a:rPr>
               <a:t>can</a:t>
             </a:r>
             <a:r>
-              <a:rPr dirty="0" sz="1300" spc="-130" b="1">
-                <a:latin typeface="Tahoma"/>
-                <a:cs typeface="Tahoma"/>
-              </a:rPr>
-              <a:t> </a:t>
-            </a:r>
-            <a:r>
-              <a:rPr dirty="0" sz="1300" spc="-80" b="1">
+              <a:rPr sz="1300" b="1" spc="-130" dirty="0">
+                <a:latin typeface="Tahoma"/>
+                <a:cs typeface="Tahoma"/>
+              </a:rPr>
+              <a:t> </a:t>
+            </a:r>
+            <a:r>
+              <a:rPr sz="1300" b="1" spc="-80" dirty="0">
                 <a:latin typeface="Tahoma"/>
                 <a:cs typeface="Tahoma"/>
               </a:rPr>
               <a:t>be</a:t>
             </a:r>
             <a:r>
-              <a:rPr dirty="0" sz="1300" spc="-130" b="1">
-                <a:latin typeface="Tahoma"/>
-                <a:cs typeface="Tahoma"/>
-              </a:rPr>
-              <a:t> </a:t>
-            </a:r>
-            <a:r>
-              <a:rPr dirty="0" sz="1300" spc="-80" b="1">
+              <a:rPr sz="1300" b="1" spc="-130" dirty="0">
+                <a:latin typeface="Tahoma"/>
+                <a:cs typeface="Tahoma"/>
+              </a:rPr>
+              <a:t> </a:t>
+            </a:r>
+            <a:r>
+              <a:rPr sz="1300" b="1" spc="-80" dirty="0">
                 <a:latin typeface="Tahoma"/>
                 <a:cs typeface="Tahoma"/>
               </a:rPr>
               <a:t>d</a:t>
             </a:r>
             <a:r>
-              <a:rPr dirty="0" sz="1300" spc="-100" b="1">
+              <a:rPr sz="1300" b="1" spc="-100" dirty="0">
                 <a:latin typeface="Tahoma"/>
                 <a:cs typeface="Tahoma"/>
               </a:rPr>
               <a:t>e</a:t>
             </a:r>
             <a:r>
-              <a:rPr dirty="0" sz="1300" spc="-90" b="1">
+              <a:rPr sz="1300" b="1" spc="-90" dirty="0">
                 <a:latin typeface="Tahoma"/>
                 <a:cs typeface="Tahoma"/>
               </a:rPr>
@@ -7411,7 +7639,7 @@
           </a:prstGeom>
         </p:spPr>
         <p:txBody>
-          <a:bodyPr wrap="square" lIns="0" tIns="35560" rIns="0" bIns="0" rtlCol="0" vert="horz">
+          <a:bodyPr vert="horz" wrap="square" lIns="0" tIns="35560" rIns="0" bIns="0" rtlCol="0">
             <a:spAutoFit/>
           </a:bodyPr>
           <a:lstStyle/>
@@ -7425,483 +7653,483 @@
               </a:spcBef>
             </a:pPr>
             <a:r>
-              <a:rPr dirty="0" sz="1300" spc="-35" b="1">
+              <a:rPr sz="1300" b="1" spc="-35" dirty="0">
                 <a:latin typeface="Tahoma"/>
                 <a:cs typeface="Tahoma"/>
               </a:rPr>
               <a:t>Our </a:t>
             </a:r>
             <a:r>
-              <a:rPr dirty="0" sz="1300" spc="-65" b="1">
+              <a:rPr sz="1300" b="1" spc="-65" dirty="0">
                 <a:latin typeface="Tahoma"/>
                 <a:cs typeface="Tahoma"/>
               </a:rPr>
               <a:t>country </a:t>
             </a:r>
             <a:r>
-              <a:rPr dirty="0" sz="1300" spc="-75" b="1">
+              <a:rPr sz="1300" b="1" spc="-75" dirty="0">
                 <a:latin typeface="Tahoma"/>
                 <a:cs typeface="Tahoma"/>
               </a:rPr>
               <a:t>is </a:t>
             </a:r>
             <a:r>
-              <a:rPr dirty="0" sz="1300" spc="-85" b="1">
+              <a:rPr sz="1300" b="1" spc="-85" dirty="0">
                 <a:latin typeface="Tahoma"/>
                 <a:cs typeface="Tahoma"/>
               </a:rPr>
               <a:t>facing </a:t>
             </a:r>
             <a:r>
-              <a:rPr dirty="0" sz="1300" spc="-100" b="1">
+              <a:rPr sz="1300" b="1" spc="-100" dirty="0">
                 <a:latin typeface="Tahoma"/>
                 <a:cs typeface="Tahoma"/>
               </a:rPr>
               <a:t>a </a:t>
             </a:r>
             <a:r>
-              <a:rPr dirty="0" sz="1300" spc="-80" b="1">
+              <a:rPr sz="1300" b="1" spc="-80" dirty="0">
                 <a:latin typeface="Tahoma"/>
                 <a:cs typeface="Tahoma"/>
               </a:rPr>
               <a:t>healthcare </a:t>
             </a:r>
             <a:r>
-              <a:rPr dirty="0" sz="1300" spc="-65" b="1">
+              <a:rPr sz="1300" b="1" spc="-65" dirty="0">
                 <a:latin typeface="Tahoma"/>
                 <a:cs typeface="Tahoma"/>
               </a:rPr>
               <a:t>affordability </a:t>
             </a:r>
             <a:r>
-              <a:rPr dirty="0" sz="1300" spc="-60" b="1">
-                <a:latin typeface="Tahoma"/>
-                <a:cs typeface="Tahoma"/>
-              </a:rPr>
-              <a:t> </a:t>
-            </a:r>
-            <a:r>
-              <a:rPr dirty="0" sz="1300" spc="-65" b="1">
+              <a:rPr sz="1300" b="1" spc="-60" dirty="0">
+                <a:latin typeface="Tahoma"/>
+                <a:cs typeface="Tahoma"/>
+              </a:rPr>
+              <a:t> </a:t>
+            </a:r>
+            <a:r>
+              <a:rPr sz="1300" b="1" spc="-65" dirty="0">
                 <a:latin typeface="Tahoma"/>
                 <a:cs typeface="Tahoma"/>
               </a:rPr>
               <a:t>crisis</a:t>
             </a:r>
             <a:r>
-              <a:rPr dirty="0" sz="1300" spc="-125" b="1">
-                <a:latin typeface="Tahoma"/>
-                <a:cs typeface="Tahoma"/>
-              </a:rPr>
-              <a:t> </a:t>
-            </a:r>
-            <a:r>
-              <a:rPr dirty="0" sz="1300" spc="-70" b="1">
+              <a:rPr sz="1300" b="1" spc="-125" dirty="0">
+                <a:latin typeface="Tahoma"/>
+                <a:cs typeface="Tahoma"/>
+              </a:rPr>
+              <a:t> </a:t>
+            </a:r>
+            <a:r>
+              <a:rPr sz="1300" b="1" spc="-70" dirty="0">
                 <a:latin typeface="Tahoma"/>
                 <a:cs typeface="Tahoma"/>
               </a:rPr>
               <a:t>that</a:t>
             </a:r>
             <a:r>
-              <a:rPr dirty="0" sz="1300" spc="-125" b="1">
-                <a:latin typeface="Tahoma"/>
-                <a:cs typeface="Tahoma"/>
-              </a:rPr>
-              <a:t> </a:t>
-            </a:r>
-            <a:r>
-              <a:rPr dirty="0" sz="1300" spc="-85" b="1">
+              <a:rPr sz="1300" b="1" spc="-125" dirty="0">
+                <a:latin typeface="Tahoma"/>
+                <a:cs typeface="Tahoma"/>
+              </a:rPr>
+              <a:t> </a:t>
+            </a:r>
+            <a:r>
+              <a:rPr sz="1300" b="1" spc="-85" dirty="0">
                 <a:latin typeface="Tahoma"/>
                 <a:cs typeface="Tahoma"/>
               </a:rPr>
               <a:t>places</a:t>
             </a:r>
             <a:r>
-              <a:rPr dirty="0" sz="1300" spc="-130" b="1">
-                <a:latin typeface="Tahoma"/>
-                <a:cs typeface="Tahoma"/>
-              </a:rPr>
-              <a:t> </a:t>
-            </a:r>
-            <a:r>
-              <a:rPr dirty="0" sz="1300" spc="-70" b="1">
+              <a:rPr sz="1300" b="1" spc="-130" dirty="0">
+                <a:latin typeface="Tahoma"/>
+                <a:cs typeface="Tahoma"/>
+              </a:rPr>
+              <a:t> </a:t>
+            </a:r>
+            <a:r>
+              <a:rPr sz="1300" b="1" spc="-70" dirty="0">
                 <a:latin typeface="Tahoma"/>
                 <a:cs typeface="Tahoma"/>
               </a:rPr>
               <a:t>the</a:t>
             </a:r>
             <a:r>
-              <a:rPr dirty="0" sz="1300" spc="-120" b="1">
-                <a:latin typeface="Tahoma"/>
-                <a:cs typeface="Tahoma"/>
-              </a:rPr>
-              <a:t> </a:t>
-            </a:r>
-            <a:r>
-              <a:rPr dirty="0" sz="1300" spc="-80" b="1">
+              <a:rPr sz="1300" b="1" spc="-120" dirty="0">
+                <a:latin typeface="Tahoma"/>
+                <a:cs typeface="Tahoma"/>
+              </a:rPr>
+              <a:t> </a:t>
+            </a:r>
+            <a:r>
+              <a:rPr sz="1300" b="1" spc="-80" dirty="0">
                 <a:latin typeface="Tahoma"/>
                 <a:cs typeface="Tahoma"/>
               </a:rPr>
               <a:t>burden</a:t>
             </a:r>
             <a:r>
-              <a:rPr dirty="0" sz="1300" spc="-125" b="1">
-                <a:latin typeface="Tahoma"/>
-                <a:cs typeface="Tahoma"/>
-              </a:rPr>
-              <a:t> </a:t>
-            </a:r>
-            <a:r>
-              <a:rPr dirty="0" sz="1300" spc="-55" b="1">
+              <a:rPr sz="1300" b="1" spc="-125" dirty="0">
+                <a:latin typeface="Tahoma"/>
+                <a:cs typeface="Tahoma"/>
+              </a:rPr>
+              <a:t> </a:t>
+            </a:r>
+            <a:r>
+              <a:rPr sz="1300" b="1" spc="-55" dirty="0">
                 <a:latin typeface="Tahoma"/>
                 <a:cs typeface="Tahoma"/>
               </a:rPr>
               <a:t>of</a:t>
             </a:r>
             <a:r>
-              <a:rPr dirty="0" sz="1300" spc="-130" b="1">
-                <a:latin typeface="Tahoma"/>
-                <a:cs typeface="Tahoma"/>
-              </a:rPr>
-              <a:t> </a:t>
-            </a:r>
-            <a:r>
-              <a:rPr dirty="0" sz="1300" spc="-100" b="1">
+              <a:rPr sz="1300" b="1" spc="-130" dirty="0">
+                <a:latin typeface="Tahoma"/>
+                <a:cs typeface="Tahoma"/>
+              </a:rPr>
+              <a:t> </a:t>
+            </a:r>
+            <a:r>
+              <a:rPr sz="1300" b="1" spc="-100" dirty="0">
                 <a:latin typeface="Tahoma"/>
                 <a:cs typeface="Tahoma"/>
               </a:rPr>
               <a:t>high</a:t>
             </a:r>
             <a:r>
-              <a:rPr dirty="0" sz="1300" spc="-130" b="1">
-                <a:latin typeface="Tahoma"/>
-                <a:cs typeface="Tahoma"/>
-              </a:rPr>
-              <a:t> </a:t>
-            </a:r>
-            <a:r>
-              <a:rPr dirty="0" sz="1300" spc="-80" b="1">
+              <a:rPr sz="1300" b="1" spc="-130" dirty="0">
+                <a:latin typeface="Tahoma"/>
+                <a:cs typeface="Tahoma"/>
+              </a:rPr>
+              <a:t> </a:t>
+            </a:r>
+            <a:r>
+              <a:rPr sz="1300" b="1" spc="-80" dirty="0">
                 <a:latin typeface="Tahoma"/>
                 <a:cs typeface="Tahoma"/>
               </a:rPr>
               <a:t>out-of-pocket </a:t>
             </a:r>
             <a:r>
-              <a:rPr dirty="0" sz="1300" spc="-365" b="1">
-                <a:latin typeface="Tahoma"/>
-                <a:cs typeface="Tahoma"/>
-              </a:rPr>
-              <a:t> </a:t>
-            </a:r>
-            <a:r>
-              <a:rPr dirty="0" sz="1300" spc="-75" b="1">
+              <a:rPr sz="1300" b="1" spc="-365" dirty="0">
+                <a:latin typeface="Tahoma"/>
+                <a:cs typeface="Tahoma"/>
+              </a:rPr>
+              <a:t> </a:t>
+            </a:r>
+            <a:r>
+              <a:rPr sz="1300" b="1" spc="-75" dirty="0">
                 <a:latin typeface="Tahoma"/>
                 <a:cs typeface="Tahoma"/>
               </a:rPr>
               <a:t>costs</a:t>
             </a:r>
             <a:r>
-              <a:rPr dirty="0" sz="1300" spc="-130" b="1">
-                <a:latin typeface="Tahoma"/>
-                <a:cs typeface="Tahoma"/>
-              </a:rPr>
-              <a:t> </a:t>
-            </a:r>
-            <a:r>
-              <a:rPr dirty="0" sz="1300" spc="-85" b="1">
+              <a:rPr sz="1300" b="1" spc="-130" dirty="0">
+                <a:latin typeface="Tahoma"/>
+                <a:cs typeface="Tahoma"/>
+              </a:rPr>
+              <a:t> </a:t>
+            </a:r>
+            <a:r>
+              <a:rPr sz="1300" b="1" spc="-85" dirty="0">
                 <a:latin typeface="Tahoma"/>
                 <a:cs typeface="Tahoma"/>
               </a:rPr>
               <a:t>o</a:t>
             </a:r>
             <a:r>
-              <a:rPr dirty="0" sz="1300" spc="-80" b="1">
+              <a:rPr sz="1300" b="1" spc="-80" dirty="0">
                 <a:latin typeface="Tahoma"/>
                 <a:cs typeface="Tahoma"/>
               </a:rPr>
               <a:t>n</a:t>
             </a:r>
             <a:r>
-              <a:rPr dirty="0" sz="1300" spc="-135" b="1">
-                <a:latin typeface="Tahoma"/>
-                <a:cs typeface="Tahoma"/>
-              </a:rPr>
-              <a:t> </a:t>
-            </a:r>
-            <a:r>
-              <a:rPr dirty="0" sz="1300" spc="-70" b="1">
+              <a:rPr sz="1300" b="1" spc="-135" dirty="0">
+                <a:latin typeface="Tahoma"/>
+                <a:cs typeface="Tahoma"/>
+              </a:rPr>
+              <a:t> </a:t>
+            </a:r>
+            <a:r>
+              <a:rPr sz="1300" b="1" spc="-70" dirty="0">
                 <a:latin typeface="Tahoma"/>
                 <a:cs typeface="Tahoma"/>
               </a:rPr>
               <a:t>seriously</a:t>
             </a:r>
             <a:r>
-              <a:rPr dirty="0" sz="1300" spc="-130" b="1">
-                <a:latin typeface="Tahoma"/>
-                <a:cs typeface="Tahoma"/>
-              </a:rPr>
-              <a:t> </a:t>
-            </a:r>
-            <a:r>
-              <a:rPr dirty="0" sz="1300" spc="-40" b="1">
+              <a:rPr sz="1300" b="1" spc="-130" dirty="0">
+                <a:latin typeface="Tahoma"/>
+                <a:cs typeface="Tahoma"/>
+              </a:rPr>
+              <a:t> </a:t>
+            </a:r>
+            <a:r>
+              <a:rPr sz="1300" b="1" spc="-40" dirty="0">
                 <a:latin typeface="Tahoma"/>
                 <a:cs typeface="Tahoma"/>
               </a:rPr>
               <a:t>ill</a:t>
             </a:r>
             <a:r>
-              <a:rPr dirty="0" sz="1300" spc="-130" b="1">
-                <a:latin typeface="Tahoma"/>
-                <a:cs typeface="Tahoma"/>
-              </a:rPr>
-              <a:t> </a:t>
-            </a:r>
-            <a:r>
-              <a:rPr dirty="0" sz="1300" spc="-85" b="1">
+              <a:rPr sz="1300" b="1" spc="-130" dirty="0">
+                <a:latin typeface="Tahoma"/>
+                <a:cs typeface="Tahoma"/>
+              </a:rPr>
+              <a:t> </a:t>
+            </a:r>
+            <a:r>
+              <a:rPr sz="1300" b="1" spc="-85" dirty="0">
                 <a:latin typeface="Tahoma"/>
                 <a:cs typeface="Tahoma"/>
               </a:rPr>
               <a:t>patients</a:t>
             </a:r>
             <a:r>
-              <a:rPr dirty="0" sz="1300" spc="-50" b="1">
+              <a:rPr sz="1300" b="1" spc="-50" dirty="0">
                 <a:latin typeface="Tahoma"/>
                 <a:cs typeface="Tahoma"/>
               </a:rPr>
               <a:t>,</a:t>
             </a:r>
             <a:r>
-              <a:rPr dirty="0" sz="1300" spc="-135" b="1">
-                <a:latin typeface="Tahoma"/>
-                <a:cs typeface="Tahoma"/>
-              </a:rPr>
-              <a:t> </a:t>
-            </a:r>
-            <a:r>
-              <a:rPr dirty="0" sz="1300" spc="-90" b="1">
+              <a:rPr sz="1300" b="1" spc="-135" dirty="0">
+                <a:latin typeface="Tahoma"/>
+                <a:cs typeface="Tahoma"/>
+              </a:rPr>
+              <a:t> </a:t>
+            </a:r>
+            <a:r>
+              <a:rPr sz="1300" b="1" spc="-90" dirty="0">
                 <a:latin typeface="Tahoma"/>
                 <a:cs typeface="Tahoma"/>
               </a:rPr>
               <a:t>impeding</a:t>
             </a:r>
             <a:r>
-              <a:rPr dirty="0" sz="1300" spc="-130" b="1">
-                <a:latin typeface="Tahoma"/>
-                <a:cs typeface="Tahoma"/>
-              </a:rPr>
-              <a:t> </a:t>
-            </a:r>
-            <a:r>
-              <a:rPr dirty="0" sz="1300" spc="-75" b="1">
+              <a:rPr sz="1300" b="1" spc="-130" dirty="0">
+                <a:latin typeface="Tahoma"/>
+                <a:cs typeface="Tahoma"/>
+              </a:rPr>
+              <a:t> </a:t>
+            </a:r>
+            <a:r>
+              <a:rPr sz="1300" b="1" spc="-75" dirty="0">
                 <a:latin typeface="Tahoma"/>
                 <a:cs typeface="Tahoma"/>
               </a:rPr>
               <a:t>adherence  </a:t>
             </a:r>
             <a:r>
-              <a:rPr dirty="0" sz="1300" spc="-55" b="1">
+              <a:rPr sz="1300" b="1" spc="-55" dirty="0">
                 <a:latin typeface="Tahoma"/>
                 <a:cs typeface="Tahoma"/>
               </a:rPr>
               <a:t>to </a:t>
             </a:r>
             <a:r>
-              <a:rPr dirty="0" sz="1300" spc="-60" b="1">
+              <a:rPr sz="1300" b="1" spc="-60" dirty="0">
                 <a:latin typeface="Tahoma"/>
                 <a:cs typeface="Tahoma"/>
               </a:rPr>
               <a:t>their </a:t>
             </a:r>
             <a:r>
-              <a:rPr dirty="0" sz="1300" spc="-75" b="1">
+              <a:rPr sz="1300" b="1" spc="-75" dirty="0">
                 <a:latin typeface="Tahoma"/>
                 <a:cs typeface="Tahoma"/>
               </a:rPr>
               <a:t>prescribed </a:t>
             </a:r>
             <a:r>
-              <a:rPr dirty="0" sz="1300" spc="-80" b="1">
+              <a:rPr sz="1300" b="1" spc="-80" dirty="0">
                 <a:latin typeface="Tahoma"/>
                 <a:cs typeface="Tahoma"/>
               </a:rPr>
               <a:t>treatments. </a:t>
             </a:r>
             <a:r>
-              <a:rPr dirty="0" sz="1300" spc="-75" b="1">
+              <a:rPr sz="1300" b="1" spc="-75" dirty="0">
                 <a:latin typeface="Tahoma"/>
                 <a:cs typeface="Tahoma"/>
               </a:rPr>
               <a:t>Patients </a:t>
             </a:r>
             <a:r>
-              <a:rPr dirty="0" sz="1300" spc="-70" b="1">
+              <a:rPr sz="1300" b="1" spc="-70" dirty="0">
                 <a:latin typeface="Tahoma"/>
                 <a:cs typeface="Tahoma"/>
               </a:rPr>
               <a:t>often </a:t>
             </a:r>
             <a:r>
-              <a:rPr dirty="0" sz="1300" spc="-65" b="1">
+              <a:rPr sz="1300" b="1" spc="-65" dirty="0">
                 <a:latin typeface="Tahoma"/>
                 <a:cs typeface="Tahoma"/>
               </a:rPr>
               <a:t> resort </a:t>
             </a:r>
             <a:r>
-              <a:rPr dirty="0" sz="1300" spc="-55" b="1">
+              <a:rPr sz="1300" b="1" spc="-55" dirty="0">
                 <a:latin typeface="Tahoma"/>
                 <a:cs typeface="Tahoma"/>
               </a:rPr>
               <a:t>to </a:t>
             </a:r>
             <a:r>
-              <a:rPr dirty="0" sz="1300" spc="-90" b="1">
+              <a:rPr sz="1300" b="1" spc="-90" dirty="0">
                 <a:latin typeface="Tahoma"/>
                 <a:cs typeface="Tahoma"/>
               </a:rPr>
               <a:t>cost-saving measures—such </a:t>
             </a:r>
             <a:r>
-              <a:rPr dirty="0" sz="1300" spc="-105" b="1">
+              <a:rPr sz="1300" b="1" spc="-105" dirty="0">
                 <a:latin typeface="Tahoma"/>
                 <a:cs typeface="Tahoma"/>
               </a:rPr>
               <a:t>as </a:t>
             </a:r>
             <a:r>
-              <a:rPr dirty="0" sz="1300" spc="-75" b="1">
+              <a:rPr sz="1300" b="1" spc="-75" dirty="0">
                 <a:latin typeface="Tahoma"/>
                 <a:cs typeface="Tahoma"/>
               </a:rPr>
               <a:t>cutting </a:t>
             </a:r>
             <a:r>
-              <a:rPr dirty="0" sz="1300" spc="-70" b="1">
-                <a:latin typeface="Tahoma"/>
-                <a:cs typeface="Tahoma"/>
-              </a:rPr>
-              <a:t> </a:t>
-            </a:r>
-            <a:r>
-              <a:rPr dirty="0" sz="1300" spc="-65" b="1">
+              <a:rPr sz="1300" b="1" spc="-70" dirty="0">
+                <a:latin typeface="Tahoma"/>
+                <a:cs typeface="Tahoma"/>
+              </a:rPr>
+              <a:t> </a:t>
+            </a:r>
+            <a:r>
+              <a:rPr sz="1300" b="1" spc="-65" dirty="0">
                 <a:latin typeface="Tahoma"/>
                 <a:cs typeface="Tahoma"/>
               </a:rPr>
               <a:t>pills </a:t>
             </a:r>
             <a:r>
-              <a:rPr dirty="0" sz="1300" spc="-55" b="1">
+              <a:rPr sz="1300" b="1" spc="-55" dirty="0">
                 <a:latin typeface="Tahoma"/>
                 <a:cs typeface="Tahoma"/>
               </a:rPr>
               <a:t>or </a:t>
             </a:r>
             <a:r>
-              <a:rPr dirty="0" sz="1300" spc="-85" b="1">
+              <a:rPr sz="1300" b="1" spc="-85" dirty="0">
                 <a:latin typeface="Tahoma"/>
                 <a:cs typeface="Tahoma"/>
               </a:rPr>
               <a:t>delaying </a:t>
             </a:r>
             <a:r>
-              <a:rPr dirty="0" sz="1300" spc="-60" b="1">
+              <a:rPr sz="1300" b="1" spc="-60" dirty="0">
                 <a:latin typeface="Tahoma"/>
                 <a:cs typeface="Tahoma"/>
               </a:rPr>
               <a:t>their </a:t>
             </a:r>
             <a:r>
-              <a:rPr dirty="0" sz="1300" spc="-85" b="1">
+              <a:rPr sz="1300" b="1" spc="-85" dirty="0">
                 <a:latin typeface="Tahoma"/>
                 <a:cs typeface="Tahoma"/>
               </a:rPr>
               <a:t>next </a:t>
             </a:r>
             <a:r>
-              <a:rPr dirty="0" sz="1300" spc="-70" b="1">
+              <a:rPr sz="1300" b="1" spc="-70" dirty="0">
                 <a:latin typeface="Tahoma"/>
                 <a:cs typeface="Tahoma"/>
               </a:rPr>
               <a:t>prescription </a:t>
             </a:r>
             <a:r>
-              <a:rPr dirty="0" sz="1300" spc="-80" b="1">
+              <a:rPr sz="1300" b="1" spc="-80" dirty="0">
                 <a:latin typeface="Tahoma"/>
                 <a:cs typeface="Tahoma"/>
               </a:rPr>
               <a:t>reﬁll—just </a:t>
             </a:r>
             <a:r>
-              <a:rPr dirty="0" sz="1300" spc="-370" b="1">
-                <a:latin typeface="Tahoma"/>
-                <a:cs typeface="Tahoma"/>
-              </a:rPr>
-              <a:t> </a:t>
-            </a:r>
-            <a:r>
-              <a:rPr dirty="0" sz="1300" spc="-55" b="1">
+              <a:rPr sz="1300" b="1" spc="-370" dirty="0">
+                <a:latin typeface="Tahoma"/>
+                <a:cs typeface="Tahoma"/>
+              </a:rPr>
+              <a:t> </a:t>
+            </a:r>
+            <a:r>
+              <a:rPr sz="1300" b="1" spc="-55" dirty="0">
                 <a:latin typeface="Tahoma"/>
                 <a:cs typeface="Tahoma"/>
               </a:rPr>
               <a:t>to</a:t>
             </a:r>
             <a:r>
-              <a:rPr dirty="0" sz="1300" spc="-130" b="1">
-                <a:latin typeface="Tahoma"/>
-                <a:cs typeface="Tahoma"/>
-              </a:rPr>
-              <a:t> </a:t>
-            </a:r>
-            <a:r>
-              <a:rPr dirty="0" sz="1300" spc="-114" b="1">
+              <a:rPr sz="1300" b="1" spc="-130" dirty="0">
+                <a:latin typeface="Tahoma"/>
+                <a:cs typeface="Tahoma"/>
+              </a:rPr>
+              <a:t> </a:t>
+            </a:r>
+            <a:r>
+              <a:rPr sz="1300" b="1" spc="-114" dirty="0">
                 <a:latin typeface="Tahoma"/>
                 <a:cs typeface="Tahoma"/>
               </a:rPr>
               <a:t>ma</a:t>
             </a:r>
             <a:r>
-              <a:rPr dirty="0" sz="1300" spc="-130" b="1">
+              <a:rPr sz="1300" b="1" spc="-130" dirty="0">
                 <a:latin typeface="Tahoma"/>
                 <a:cs typeface="Tahoma"/>
               </a:rPr>
               <a:t>k</a:t>
             </a:r>
             <a:r>
-              <a:rPr dirty="0" sz="1300" spc="-80" b="1">
+              <a:rPr sz="1300" b="1" spc="-80" dirty="0">
                 <a:latin typeface="Tahoma"/>
                 <a:cs typeface="Tahoma"/>
               </a:rPr>
               <a:t>e</a:t>
             </a:r>
             <a:r>
-              <a:rPr dirty="0" sz="1300" spc="-135" b="1">
-                <a:latin typeface="Tahoma"/>
-                <a:cs typeface="Tahoma"/>
-              </a:rPr>
-              <a:t> </a:t>
-            </a:r>
-            <a:r>
-              <a:rPr dirty="0" sz="1300" spc="-100" b="1">
+              <a:rPr sz="1300" b="1" spc="-135" dirty="0">
+                <a:latin typeface="Tahoma"/>
+                <a:cs typeface="Tahoma"/>
+              </a:rPr>
+              <a:t> </a:t>
+            </a:r>
+            <a:r>
+              <a:rPr sz="1300" b="1" spc="-100" dirty="0">
                 <a:latin typeface="Tahoma"/>
                 <a:cs typeface="Tahoma"/>
               </a:rPr>
               <a:t>end</a:t>
             </a:r>
             <a:r>
-              <a:rPr dirty="0" sz="1300" spc="-80" b="1">
+              <a:rPr sz="1300" b="1" spc="-80" dirty="0">
                 <a:latin typeface="Tahoma"/>
                 <a:cs typeface="Tahoma"/>
               </a:rPr>
               <a:t>s</a:t>
             </a:r>
             <a:r>
-              <a:rPr dirty="0" sz="1300" spc="-135" b="1">
-                <a:latin typeface="Tahoma"/>
-                <a:cs typeface="Tahoma"/>
-              </a:rPr>
-              <a:t> </a:t>
-            </a:r>
-            <a:r>
-              <a:rPr dirty="0" sz="1300" spc="-90" b="1">
+              <a:rPr sz="1300" b="1" spc="-135" dirty="0">
+                <a:latin typeface="Tahoma"/>
+                <a:cs typeface="Tahoma"/>
+              </a:rPr>
+              <a:t> </a:t>
+            </a:r>
+            <a:r>
+              <a:rPr sz="1300" b="1" spc="-90" dirty="0">
                 <a:latin typeface="Tahoma"/>
                 <a:cs typeface="Tahoma"/>
               </a:rPr>
@@ -7984,7 +8212,9 @@
         <p:txBody>
           <a:bodyPr wrap="square" lIns="0" tIns="0" rIns="0" bIns="0" rtlCol="0"/>
           <a:lstStyle/>
-          <a:p/>
+          <a:p>
+            <a:endParaRPr/>
+          </a:p>
         </p:txBody>
       </p:sp>
       <p:sp>
@@ -8224,7 +8454,9 @@
         <p:txBody>
           <a:bodyPr wrap="square" lIns="0" tIns="0" rIns="0" bIns="0" rtlCol="0"/>
           <a:lstStyle/>
-          <a:p/>
+          <a:p>
+            <a:endParaRPr/>
+          </a:p>
         </p:txBody>
       </p:sp>
       <p:sp>
@@ -8243,7 +8475,7 @@
           </a:prstGeom>
         </p:spPr>
         <p:txBody>
-          <a:bodyPr wrap="square" lIns="0" tIns="2540" rIns="0" bIns="0" rtlCol="0" vert="vert">
+          <a:bodyPr vert="vert" wrap="square" lIns="0" tIns="2540" rIns="0" bIns="0" rtlCol="0">
             <a:spAutoFit/>
           </a:bodyPr>
           <a:lstStyle/>
@@ -8257,7 +8489,7 @@
               </a:spcBef>
             </a:pPr>
             <a:r>
-              <a:rPr dirty="0" sz="1400" spc="-5" b="1">
+              <a:rPr sz="1400" b="1" spc="-5" dirty="0">
                 <a:solidFill>
                   <a:srgbClr val="FFFFFF"/>
                 </a:solidFill>
@@ -8267,7 +8499,7 @@
               <a:t>PROBLEM </a:t>
             </a:r>
             <a:r>
-              <a:rPr dirty="0" sz="1400" b="1">
+              <a:rPr sz="1400" b="1" dirty="0">
                 <a:solidFill>
                   <a:srgbClr val="FFFFFF"/>
                 </a:solidFill>
@@ -8277,7 +8509,7 @@
               <a:t> </a:t>
             </a:r>
             <a:r>
-              <a:rPr dirty="0" sz="1400" spc="-5" b="1">
+              <a:rPr sz="1400" b="1" spc="-5" dirty="0">
                 <a:solidFill>
                   <a:srgbClr val="FFFFFF"/>
                 </a:solidFill>
@@ -8287,7 +8519,7 @@
               <a:t>S</a:t>
             </a:r>
             <a:r>
-              <a:rPr dirty="0" sz="1400" spc="-105" b="1">
+              <a:rPr sz="1400" b="1" spc="-105" dirty="0">
                 <a:solidFill>
                   <a:srgbClr val="FFFFFF"/>
                 </a:solidFill>
@@ -8297,7 +8529,7 @@
               <a:t>TA</a:t>
             </a:r>
             <a:r>
-              <a:rPr dirty="0" sz="1400" spc="-5" b="1">
+              <a:rPr sz="1400" b="1" spc="-5" dirty="0">
                 <a:solidFill>
                   <a:srgbClr val="FFFFFF"/>
                 </a:solidFill>
@@ -8394,7 +8626,9 @@
           <p:txBody>
             <a:bodyPr wrap="square" lIns="0" tIns="0" rIns="0" bIns="0" rtlCol="0"/>
             <a:lstStyle/>
-            <a:p/>
+            <a:p>
+              <a:endParaRPr/>
+            </a:p>
           </p:txBody>
         </p:sp>
         <p:pic>
@@ -8466,7 +8700,9 @@
           <p:txBody>
             <a:bodyPr wrap="square" lIns="0" tIns="0" rIns="0" bIns="0" rtlCol="0"/>
             <a:lstStyle/>
-            <a:p/>
+            <a:p>
+              <a:endParaRPr/>
+            </a:p>
           </p:txBody>
         </p:sp>
         <p:sp>
@@ -8709,7 +8945,9 @@
           <p:txBody>
             <a:bodyPr wrap="square" lIns="0" tIns="0" rIns="0" bIns="0" rtlCol="0"/>
             <a:lstStyle/>
-            <a:p/>
+            <a:p>
+              <a:endParaRPr/>
+            </a:p>
           </p:txBody>
         </p:sp>
       </p:grpSp>
@@ -8729,7 +8967,7 @@
           </a:prstGeom>
         </p:spPr>
         <p:txBody>
-          <a:bodyPr wrap="square" lIns="0" tIns="0" rIns="0" bIns="0" rtlCol="0" vert="vert">
+          <a:bodyPr vert="vert" wrap="square" lIns="0" tIns="0" rIns="0" bIns="0" rtlCol="0">
             <a:spAutoFit/>
           </a:bodyPr>
           <a:lstStyle/>
@@ -8740,7 +8978,7 @@
               </a:lnSpc>
             </a:pPr>
             <a:r>
-              <a:rPr dirty="0" sz="1400" spc="-5" b="1">
+              <a:rPr sz="1400" b="1" spc="-5" dirty="0">
                 <a:solidFill>
                   <a:srgbClr val="FFFFFF"/>
                 </a:solidFill>
@@ -8837,7 +9075,9 @@
           <p:txBody>
             <a:bodyPr wrap="square" lIns="0" tIns="0" rIns="0" bIns="0" rtlCol="0"/>
             <a:lstStyle/>
-            <a:p/>
+            <a:p>
+              <a:endParaRPr/>
+            </a:p>
           </p:txBody>
         </p:sp>
         <p:sp>
@@ -9080,7 +9320,9 @@
           <p:txBody>
             <a:bodyPr wrap="square" lIns="0" tIns="0" rIns="0" bIns="0" rtlCol="0"/>
             <a:lstStyle/>
-            <a:p/>
+            <a:p>
+              <a:endParaRPr/>
+            </a:p>
           </p:txBody>
         </p:sp>
       </p:grpSp>
@@ -9100,7 +9342,7 @@
           </a:prstGeom>
         </p:spPr>
         <p:txBody>
-          <a:bodyPr wrap="square" lIns="0" tIns="0" rIns="0" bIns="0" rtlCol="0" vert="vert">
+          <a:bodyPr vert="vert" wrap="square" lIns="0" tIns="0" rIns="0" bIns="0" rtlCol="0">
             <a:spAutoFit/>
           </a:bodyPr>
           <a:lstStyle/>
@@ -9111,7 +9353,7 @@
               </a:lnSpc>
             </a:pPr>
             <a:r>
-              <a:rPr dirty="0" sz="1400" spc="-5" b="1">
+              <a:rPr sz="1400" b="1" spc="-5" dirty="0">
                 <a:solidFill>
                   <a:srgbClr val="FFFFFF"/>
                 </a:solidFill>
@@ -9121,7 +9363,7 @@
               <a:t>USE</a:t>
             </a:r>
             <a:r>
-              <a:rPr dirty="0" sz="1400" spc="-75" b="1">
+              <a:rPr sz="1400" b="1" spc="-75" dirty="0">
                 <a:solidFill>
                   <a:srgbClr val="FFFFFF"/>
                 </a:solidFill>
@@ -9131,7 +9373,7 @@
               <a:t> </a:t>
             </a:r>
             <a:r>
-              <a:rPr dirty="0" sz="1400" spc="-5" b="1">
+              <a:rPr sz="1400" b="1" spc="-5" dirty="0">
                 <a:solidFill>
                   <a:srgbClr val="FFFFFF"/>
                 </a:solidFill>
@@ -9228,7 +9470,9 @@
           <p:txBody>
             <a:bodyPr wrap="square" lIns="0" tIns="0" rIns="0" bIns="0" rtlCol="0"/>
             <a:lstStyle/>
-            <a:p/>
+            <a:p>
+              <a:endParaRPr/>
+            </a:p>
           </p:txBody>
         </p:sp>
         <p:sp>
@@ -9471,7 +9715,9 @@
           <p:txBody>
             <a:bodyPr wrap="square" lIns="0" tIns="0" rIns="0" bIns="0" rtlCol="0"/>
             <a:lstStyle/>
-            <a:p/>
+            <a:p>
+              <a:endParaRPr/>
+            </a:p>
           </p:txBody>
         </p:sp>
       </p:grpSp>
@@ -9491,7 +9737,7 @@
           </a:prstGeom>
         </p:spPr>
         <p:txBody>
-          <a:bodyPr wrap="square" lIns="0" tIns="0" rIns="0" bIns="0" rtlCol="0" vert="vert">
+          <a:bodyPr vert="vert" wrap="square" lIns="0" tIns="0" rIns="0" bIns="0" rtlCol="0">
             <a:spAutoFit/>
           </a:bodyPr>
           <a:lstStyle/>
@@ -9502,7 +9748,7 @@
               </a:lnSpc>
             </a:pPr>
             <a:r>
-              <a:rPr dirty="0" sz="1400" spc="-25" b="1">
+              <a:rPr sz="1400" b="1" spc="-25" dirty="0">
                 <a:solidFill>
                   <a:srgbClr val="FFFFFF"/>
                 </a:solidFill>
@@ -9537,7 +9783,7 @@
           </a:solidFill>
         </p:spPr>
         <p:txBody>
-          <a:bodyPr wrap="square" lIns="0" tIns="0" rIns="0" bIns="0" rtlCol="0" vert="horz">
+          <a:bodyPr vert="horz" wrap="square" lIns="0" tIns="0" rIns="0" bIns="0" rtlCol="0">
             <a:spAutoFit/>
           </a:bodyPr>
           <a:lstStyle/>
@@ -9548,7 +9794,7 @@
               </a:lnSpc>
             </a:pPr>
             <a:r>
-              <a:rPr dirty="0" sz="1800" spc="-60" b="1">
+              <a:rPr sz="1800" b="1" spc="-60" dirty="0">
                 <a:solidFill>
                   <a:srgbClr val="FFFFFF"/>
                 </a:solidFill>
@@ -9579,10 +9825,12 @@
             <a:off x="4344899" y="1859987"/>
             <a:ext cx="2400935" cy="299720"/>
           </a:xfrm>
-          <a:prstGeom prst="rect"/>
+          <a:prstGeom prst="rect">
+            <a:avLst/>
+          </a:prstGeom>
         </p:spPr>
         <p:txBody>
-          <a:bodyPr wrap="square" lIns="0" tIns="12700" rIns="0" bIns="0" rtlCol="0" vert="horz">
+          <a:bodyPr vert="horz" wrap="square" lIns="0" tIns="12700" rIns="0" bIns="0" rtlCol="0">
             <a:spAutoFit/>
           </a:bodyPr>
           <a:lstStyle/>
@@ -9596,77 +9844,77 @@
               </a:spcBef>
             </a:pPr>
             <a:r>
-              <a:rPr dirty="0" sz="1800" spc="-114" b="1">
+              <a:rPr sz="1800" b="1" spc="-114" dirty="0">
                 <a:latin typeface="Tahoma"/>
                 <a:cs typeface="Tahoma"/>
               </a:rPr>
               <a:t>does</a:t>
             </a:r>
             <a:r>
-              <a:rPr dirty="0" sz="1800" spc="-180" b="1">
-                <a:latin typeface="Tahoma"/>
-                <a:cs typeface="Tahoma"/>
-              </a:rPr>
-              <a:t> </a:t>
-            </a:r>
-            <a:r>
-              <a:rPr dirty="0" sz="1800" spc="-100" b="1">
+              <a:rPr sz="1800" b="1" spc="-180" dirty="0">
+                <a:latin typeface="Tahoma"/>
+                <a:cs typeface="Tahoma"/>
+              </a:rPr>
+              <a:t> </a:t>
+            </a:r>
+            <a:r>
+              <a:rPr sz="1800" b="1" spc="-100" dirty="0">
                 <a:latin typeface="Tahoma"/>
                 <a:cs typeface="Tahoma"/>
               </a:rPr>
               <a:t>the</a:t>
             </a:r>
             <a:r>
-              <a:rPr dirty="0" sz="1800" spc="-180" b="1">
-                <a:latin typeface="Tahoma"/>
-                <a:cs typeface="Tahoma"/>
-              </a:rPr>
-              <a:t> </a:t>
-            </a:r>
-            <a:r>
-              <a:rPr dirty="0" sz="1800" spc="-105" b="1">
+              <a:rPr sz="1800" b="1" spc="-180" dirty="0">
+                <a:latin typeface="Tahoma"/>
+                <a:cs typeface="Tahoma"/>
+              </a:rPr>
+              <a:t> </a:t>
+            </a:r>
+            <a:r>
+              <a:rPr sz="1800" b="1" spc="-105" dirty="0">
                 <a:latin typeface="Tahoma"/>
                 <a:cs typeface="Tahoma"/>
               </a:rPr>
               <a:t>work</a:t>
             </a:r>
             <a:r>
-              <a:rPr dirty="0" sz="1800" spc="-180" b="1">
-                <a:latin typeface="Tahoma"/>
-                <a:cs typeface="Tahoma"/>
-              </a:rPr>
-              <a:t> </a:t>
-            </a:r>
-            <a:r>
-              <a:rPr dirty="0" sz="1800" spc="-75" b="1">
+              <a:rPr sz="1800" b="1" spc="-180" dirty="0">
+                <a:latin typeface="Tahoma"/>
+                <a:cs typeface="Tahoma"/>
+              </a:rPr>
+              <a:t> </a:t>
+            </a:r>
+            <a:r>
+              <a:rPr sz="1800" b="1" spc="-75" dirty="0">
                 <a:latin typeface="Tahoma"/>
                 <a:cs typeface="Tahoma"/>
               </a:rPr>
               <a:t>fo</a:t>
             </a:r>
             <a:r>
-              <a:rPr dirty="0" sz="1800" spc="-60" b="1">
+              <a:rPr sz="1800" b="1" spc="-60" dirty="0">
                 <a:latin typeface="Tahoma"/>
                 <a:cs typeface="Tahoma"/>
               </a:rPr>
               <a:t>r</a:t>
             </a:r>
             <a:r>
-              <a:rPr dirty="0" sz="1800" spc="-185" b="1">
-                <a:latin typeface="Tahoma"/>
-                <a:cs typeface="Tahoma"/>
-              </a:rPr>
-              <a:t> </a:t>
-            </a:r>
-            <a:r>
-              <a:rPr dirty="0" sz="1800" spc="-110" b="1">
+              <a:rPr sz="1800" b="1" spc="-185" dirty="0">
+                <a:latin typeface="Tahoma"/>
+                <a:cs typeface="Tahoma"/>
+              </a:rPr>
+              <a:t> </a:t>
+            </a:r>
+            <a:r>
+              <a:rPr sz="1800" b="1" spc="-110" dirty="0">
                 <a:latin typeface="Tahoma"/>
                 <a:cs typeface="Tahoma"/>
               </a:rPr>
               <a:t>y</a:t>
             </a:r>
             <a:r>
-              <a:rPr dirty="0" sz="1800" spc="-45" b="1">
+              <a:rPr sz="1800" b="1" spc="-45" dirty="0">
                 <a:latin typeface="Tahoma"/>
                 <a:cs typeface="Tahoma"/>
               </a:rPr>
@@ -9776,12 +10024,12 @@
           </a:prstGeom>
         </p:spPr>
         <p:txBody>
-          <a:bodyPr wrap="square" lIns="0" tIns="12700" rIns="0" bIns="0" rtlCol="0" vert="horz">
+          <a:bodyPr vert="horz" wrap="square" lIns="0" tIns="12700" rIns="0" bIns="0" rtlCol="0">
             <a:spAutoFit/>
           </a:bodyPr>
           <a:lstStyle/>
           <a:p>
-            <a:pPr algn="ctr" marL="85725" marR="95885">
+            <a:pPr marL="85725" marR="95885" algn="ctr">
               <a:lnSpc>
                 <a:spcPct val="100000"/>
               </a:lnSpc>
@@ -9790,210 +10038,203 @@
               </a:spcBef>
             </a:pPr>
             <a:r>
-              <a:rPr dirty="0" sz="1300" spc="30" b="1">
+              <a:rPr sz="1300" b="1" spc="30" dirty="0">
                 <a:latin typeface="Tahoma"/>
                 <a:cs typeface="Tahoma"/>
               </a:rPr>
               <a:t>A</a:t>
             </a:r>
             <a:r>
-              <a:rPr dirty="0" sz="1300" spc="-130" b="1">
-                <a:latin typeface="Tahoma"/>
-                <a:cs typeface="Tahoma"/>
-              </a:rPr>
-              <a:t> </a:t>
-            </a:r>
-            <a:r>
-              <a:rPr dirty="0" sz="1300" spc="-85" b="1">
+              <a:rPr sz="1300" b="1" spc="-130" dirty="0">
+                <a:latin typeface="Tahoma"/>
+                <a:cs typeface="Tahoma"/>
+              </a:rPr>
+              <a:t> </a:t>
+            </a:r>
+            <a:r>
+              <a:rPr sz="1300" b="1" spc="-85" dirty="0">
                 <a:latin typeface="Tahoma"/>
                 <a:cs typeface="Tahoma"/>
               </a:rPr>
               <a:t>pre-schedule</a:t>
             </a:r>
             <a:r>
-              <a:rPr dirty="0" sz="1300" spc="-135" b="1">
-                <a:latin typeface="Tahoma"/>
-                <a:cs typeface="Tahoma"/>
-              </a:rPr>
-              <a:t> </a:t>
-            </a:r>
-            <a:r>
-              <a:rPr dirty="0" sz="1300" spc="-65" b="1">
+              <a:rPr sz="1300" b="1" spc="-135" dirty="0">
+                <a:latin typeface="Tahoma"/>
+                <a:cs typeface="Tahoma"/>
+              </a:rPr>
+              <a:t> </a:t>
+            </a:r>
+            <a:r>
+              <a:rPr sz="1300" b="1" spc="-65" dirty="0">
                 <a:latin typeface="Tahoma"/>
                 <a:cs typeface="Tahoma"/>
               </a:rPr>
               <a:t>call</a:t>
             </a:r>
             <a:r>
-              <a:rPr dirty="0" sz="1300" spc="-125" b="1">
-                <a:latin typeface="Tahoma"/>
-                <a:cs typeface="Tahoma"/>
-              </a:rPr>
-              <a:t> </a:t>
-            </a:r>
-            <a:r>
-              <a:rPr dirty="0" sz="1300" spc="-75" b="1">
+              <a:rPr sz="1300" b="1" spc="-125" dirty="0">
+                <a:latin typeface="Tahoma"/>
+                <a:cs typeface="Tahoma"/>
+              </a:rPr>
+              <a:t> </a:t>
+            </a:r>
+            <a:r>
+              <a:rPr sz="1300" b="1" spc="-75" dirty="0">
                 <a:latin typeface="Tahoma"/>
                 <a:cs typeface="Tahoma"/>
               </a:rPr>
               <a:t>set</a:t>
             </a:r>
             <a:r>
-              <a:rPr dirty="0" sz="1300" spc="-130" b="1">
-                <a:latin typeface="Tahoma"/>
-                <a:cs typeface="Tahoma"/>
-              </a:rPr>
-              <a:t> </a:t>
-            </a:r>
-            <a:r>
-              <a:rPr dirty="0" sz="1300" spc="-70" b="1">
+              <a:rPr sz="1300" b="1" spc="-130" dirty="0">
+                <a:latin typeface="Tahoma"/>
+                <a:cs typeface="Tahoma"/>
+              </a:rPr>
+              <a:t> </a:t>
+            </a:r>
+            <a:r>
+              <a:rPr sz="1300" b="1" spc="-70" dirty="0">
                 <a:latin typeface="Tahoma"/>
                 <a:cs typeface="Tahoma"/>
               </a:rPr>
               <a:t>at</a:t>
             </a:r>
             <a:r>
-              <a:rPr dirty="0" sz="1300" spc="-130" b="1">
-                <a:latin typeface="Tahoma"/>
-                <a:cs typeface="Tahoma"/>
-              </a:rPr>
-              <a:t> </a:t>
-            </a:r>
-            <a:r>
-              <a:rPr dirty="0" sz="1300" spc="-70" b="1">
+              <a:rPr sz="1300" b="1" spc="-130" dirty="0">
+                <a:latin typeface="Tahoma"/>
+                <a:cs typeface="Tahoma"/>
+              </a:rPr>
+              <a:t> </a:t>
+            </a:r>
+            <a:r>
+              <a:rPr sz="1300" b="1" spc="-70" dirty="0">
                 <a:latin typeface="Tahoma"/>
                 <a:cs typeface="Tahoma"/>
               </a:rPr>
               <a:t>your</a:t>
             </a:r>
             <a:r>
-              <a:rPr dirty="0" sz="1300" spc="-135" b="1">
-                <a:latin typeface="Tahoma"/>
-                <a:cs typeface="Tahoma"/>
-              </a:rPr>
-              <a:t> </a:t>
-            </a:r>
-            <a:r>
-              <a:rPr dirty="0" sz="1300" spc="-65" b="1">
+              <a:rPr sz="1300" b="1" spc="-135" dirty="0">
+                <a:latin typeface="Tahoma"/>
+                <a:cs typeface="Tahoma"/>
+              </a:rPr>
+              <a:t> </a:t>
+            </a:r>
+            <a:r>
+              <a:rPr sz="1300" b="1" spc="-65" dirty="0">
                 <a:latin typeface="Tahoma"/>
                 <a:cs typeface="Tahoma"/>
               </a:rPr>
               <a:t>comfort</a:t>
             </a:r>
             <a:r>
-              <a:rPr dirty="0" sz="1300" spc="-130" b="1">
-                <a:latin typeface="Tahoma"/>
-                <a:cs typeface="Tahoma"/>
-              </a:rPr>
-              <a:t> </a:t>
-            </a:r>
-            <a:r>
-              <a:rPr dirty="0" sz="1300" spc="-55" b="1">
+              <a:rPr sz="1300" b="1" spc="-130" dirty="0">
+                <a:latin typeface="Tahoma"/>
+                <a:cs typeface="Tahoma"/>
+              </a:rPr>
+              <a:t> </a:t>
+            </a:r>
+            <a:r>
+              <a:rPr sz="1300" b="1" spc="-55" dirty="0">
                 <a:latin typeface="Tahoma"/>
                 <a:cs typeface="Tahoma"/>
               </a:rPr>
               <a:t>to</a:t>
             </a:r>
             <a:r>
-              <a:rPr dirty="0" sz="1300" spc="-125" b="1">
-                <a:latin typeface="Tahoma"/>
-                <a:cs typeface="Tahoma"/>
-              </a:rPr>
-              <a:t> </a:t>
-            </a:r>
-            <a:r>
-              <a:rPr dirty="0" sz="1300" spc="-85" b="1">
+              <a:rPr sz="1300" b="1" spc="-125" dirty="0">
+                <a:latin typeface="Tahoma"/>
+                <a:cs typeface="Tahoma"/>
+              </a:rPr>
+              <a:t> </a:t>
+            </a:r>
+            <a:r>
+              <a:rPr sz="1300" b="1" spc="-85" dirty="0">
                 <a:latin typeface="Tahoma"/>
                 <a:cs typeface="Tahoma"/>
               </a:rPr>
               <a:t>remind </a:t>
             </a:r>
             <a:r>
-              <a:rPr dirty="0" sz="1300" spc="-365" b="1">
-                <a:latin typeface="Tahoma"/>
-                <a:cs typeface="Tahoma"/>
-              </a:rPr>
-              <a:t> </a:t>
-            </a:r>
-            <a:r>
-              <a:rPr dirty="0" sz="1300" spc="-80" b="1">
+              <a:rPr sz="1300" b="1" spc="-365" dirty="0">
+                <a:latin typeface="Tahoma"/>
+                <a:cs typeface="Tahoma"/>
+              </a:rPr>
+              <a:t> </a:t>
+            </a:r>
+            <a:r>
+              <a:rPr sz="1300" b="1" spc="-80" dirty="0">
                 <a:latin typeface="Tahoma"/>
                 <a:cs typeface="Tahoma"/>
               </a:rPr>
               <a:t>y</a:t>
             </a:r>
             <a:r>
-              <a:rPr dirty="0" sz="1300" spc="-85" b="1">
+              <a:rPr sz="1300" b="1" spc="-85" dirty="0">
                 <a:latin typeface="Tahoma"/>
                 <a:cs typeface="Tahoma"/>
               </a:rPr>
               <a:t>o</a:t>
             </a:r>
             <a:r>
-              <a:rPr dirty="0" sz="1300" spc="-80" b="1">
+              <a:rPr sz="1300" b="1" spc="-80" dirty="0">
                 <a:latin typeface="Tahoma"/>
                 <a:cs typeface="Tahoma"/>
               </a:rPr>
               <a:t>u</a:t>
             </a:r>
             <a:r>
-              <a:rPr dirty="0" sz="1300" spc="-135" b="1">
-                <a:latin typeface="Tahoma"/>
-                <a:cs typeface="Tahoma"/>
-              </a:rPr>
-              <a:t> </a:t>
-            </a:r>
-            <a:r>
-              <a:rPr dirty="0" sz="1300" spc="-70" b="1">
+              <a:rPr sz="1300" b="1" spc="-135" dirty="0">
+                <a:latin typeface="Tahoma"/>
+                <a:cs typeface="Tahoma"/>
+              </a:rPr>
+              <a:t> </a:t>
+            </a:r>
+            <a:r>
+              <a:rPr sz="1300" b="1" spc="-70" dirty="0">
                 <a:latin typeface="Tahoma"/>
                 <a:cs typeface="Tahoma"/>
               </a:rPr>
               <a:t>o</a:t>
             </a:r>
             <a:r>
-              <a:rPr dirty="0" sz="1300" spc="-40" b="1">
+              <a:rPr sz="1300" b="1" spc="-40" dirty="0">
                 <a:latin typeface="Tahoma"/>
                 <a:cs typeface="Tahoma"/>
               </a:rPr>
               <a:t>f</a:t>
             </a:r>
             <a:r>
-              <a:rPr dirty="0" sz="1300" spc="-135" b="1">
-                <a:latin typeface="Tahoma"/>
-                <a:cs typeface="Tahoma"/>
-              </a:rPr>
-              <a:t> </a:t>
-            </a:r>
-            <a:r>
-              <a:rPr dirty="0" sz="1300" spc="-80" b="1">
-                <a:latin typeface="Tahoma"/>
-                <a:cs typeface="Tahoma"/>
-              </a:rPr>
-              <a:t>y</a:t>
-            </a:r>
-            <a:r>
-              <a:rPr dirty="0" sz="1300" spc="-80" b="1">
-                <a:latin typeface="Tahoma"/>
-                <a:cs typeface="Tahoma"/>
-              </a:rPr>
-              <a:t>ou</a:t>
-            </a:r>
-            <a:r>
-              <a:rPr dirty="0" sz="1300" spc="-50" b="1">
+              <a:rPr sz="1300" b="1" spc="-135" dirty="0">
+                <a:latin typeface="Tahoma"/>
+                <a:cs typeface="Tahoma"/>
+              </a:rPr>
+              <a:t> </a:t>
+            </a:r>
+            <a:r>
+              <a:rPr sz="1300" b="1" spc="-80" dirty="0">
+                <a:latin typeface="Tahoma"/>
+                <a:cs typeface="Tahoma"/>
+              </a:rPr>
+              <a:t>you</a:t>
+            </a:r>
+            <a:r>
+              <a:rPr sz="1300" b="1" spc="-50" dirty="0">
                 <a:latin typeface="Tahoma"/>
                 <a:cs typeface="Tahoma"/>
               </a:rPr>
               <a:t>r</a:t>
             </a:r>
             <a:r>
-              <a:rPr dirty="0" sz="1300" spc="-135" b="1">
-                <a:latin typeface="Tahoma"/>
-                <a:cs typeface="Tahoma"/>
-              </a:rPr>
-              <a:t> </a:t>
-            </a:r>
-            <a:r>
-              <a:rPr dirty="0" sz="1300" spc="-105" b="1">
+              <a:rPr sz="1300" b="1" spc="-135" dirty="0">
+                <a:latin typeface="Tahoma"/>
+                <a:cs typeface="Tahoma"/>
+              </a:rPr>
+              <a:t> </a:t>
+            </a:r>
+            <a:r>
+              <a:rPr sz="1300" b="1" spc="-105" dirty="0">
                 <a:latin typeface="Tahoma"/>
                 <a:cs typeface="Tahoma"/>
               </a:rPr>
@@ -10005,7 +10246,7 @@
             </a:endParaRPr>
           </a:p>
           <a:p>
-            <a:pPr algn="ctr" marL="12700" marR="20320">
+            <a:pPr marL="12700" marR="20320" algn="ctr">
               <a:lnSpc>
                 <a:spcPct val="100000"/>
               </a:lnSpc>
@@ -10014,238 +10255,231 @@
               </a:spcBef>
             </a:pPr>
             <a:r>
-              <a:rPr dirty="0" sz="1300" spc="30" b="1">
+              <a:rPr sz="1300" b="1" spc="30" dirty="0">
                 <a:latin typeface="Tahoma"/>
                 <a:cs typeface="Tahoma"/>
               </a:rPr>
               <a:t>A</a:t>
             </a:r>
             <a:r>
-              <a:rPr dirty="0" sz="1300" spc="-130" b="1">
-                <a:latin typeface="Tahoma"/>
-                <a:cs typeface="Tahoma"/>
-              </a:rPr>
-              <a:t> </a:t>
-            </a:r>
-            <a:r>
-              <a:rPr dirty="0" sz="1300" spc="-90" b="1">
+              <a:rPr sz="1300" b="1" spc="-130" dirty="0">
+                <a:latin typeface="Tahoma"/>
+                <a:cs typeface="Tahoma"/>
+              </a:rPr>
+              <a:t> </a:t>
+            </a:r>
+            <a:r>
+              <a:rPr sz="1300" b="1" spc="-90" dirty="0">
                 <a:latin typeface="Tahoma"/>
                 <a:cs typeface="Tahoma"/>
               </a:rPr>
               <a:t>ﬁve</a:t>
             </a:r>
             <a:r>
-              <a:rPr dirty="0" sz="1300" spc="-130" b="1">
-                <a:latin typeface="Tahoma"/>
-                <a:cs typeface="Tahoma"/>
-              </a:rPr>
-              <a:t> </a:t>
-            </a:r>
-            <a:r>
-              <a:rPr dirty="0" sz="1300" spc="-95" b="1">
+              <a:rPr sz="1300" b="1" spc="-130" dirty="0">
+                <a:latin typeface="Tahoma"/>
+                <a:cs typeface="Tahoma"/>
+              </a:rPr>
+              <a:t> </a:t>
+            </a:r>
+            <a:r>
+              <a:rPr sz="1300" b="1" spc="-95" dirty="0">
                 <a:latin typeface="Tahoma"/>
                 <a:cs typeface="Tahoma"/>
               </a:rPr>
               <a:t>min</a:t>
             </a:r>
             <a:r>
-              <a:rPr dirty="0" sz="1300" spc="-125" b="1">
-                <a:latin typeface="Tahoma"/>
-                <a:cs typeface="Tahoma"/>
-              </a:rPr>
-              <a:t> </a:t>
-            </a:r>
-            <a:r>
-              <a:rPr dirty="0" sz="1300" spc="-80" b="1">
+              <a:rPr sz="1300" b="1" spc="-125" dirty="0">
+                <a:latin typeface="Tahoma"/>
+                <a:cs typeface="Tahoma"/>
+              </a:rPr>
+              <a:t> </a:t>
+            </a:r>
+            <a:r>
+              <a:rPr sz="1300" b="1" spc="-80" dirty="0">
                 <a:latin typeface="Tahoma"/>
                 <a:cs typeface="Tahoma"/>
               </a:rPr>
               <a:t>delayed</a:t>
             </a:r>
             <a:r>
-              <a:rPr dirty="0" sz="1300" spc="-135" b="1">
-                <a:latin typeface="Tahoma"/>
-                <a:cs typeface="Tahoma"/>
-              </a:rPr>
-              <a:t> </a:t>
-            </a:r>
-            <a:r>
-              <a:rPr dirty="0" sz="1300" spc="-95" b="1">
+              <a:rPr sz="1300" b="1" spc="-135" dirty="0">
+                <a:latin typeface="Tahoma"/>
+                <a:cs typeface="Tahoma"/>
+              </a:rPr>
+              <a:t> </a:t>
+            </a:r>
+            <a:r>
+              <a:rPr sz="1300" b="1" spc="-95" dirty="0">
                 <a:latin typeface="Tahoma"/>
                 <a:cs typeface="Tahoma"/>
               </a:rPr>
               <a:t>whatsapp</a:t>
             </a:r>
             <a:r>
-              <a:rPr dirty="0" sz="1300" spc="-125" b="1">
-                <a:latin typeface="Tahoma"/>
-                <a:cs typeface="Tahoma"/>
-              </a:rPr>
-              <a:t> </a:t>
-            </a:r>
-            <a:r>
-              <a:rPr dirty="0" sz="1300" spc="-110" b="1">
+              <a:rPr sz="1300" b="1" spc="-125" dirty="0">
+                <a:latin typeface="Tahoma"/>
+                <a:cs typeface="Tahoma"/>
+              </a:rPr>
+              <a:t> </a:t>
+            </a:r>
+            <a:r>
+              <a:rPr sz="1300" b="1" spc="-110" dirty="0">
                 <a:latin typeface="Tahoma"/>
                 <a:cs typeface="Tahoma"/>
               </a:rPr>
               <a:t>message</a:t>
             </a:r>
             <a:r>
-              <a:rPr dirty="0" sz="1300" spc="-125" b="1">
-                <a:latin typeface="Tahoma"/>
-                <a:cs typeface="Tahoma"/>
-              </a:rPr>
-              <a:t> </a:t>
-            </a:r>
-            <a:r>
-              <a:rPr dirty="0" sz="1300" spc="-80" b="1">
+              <a:rPr sz="1300" b="1" spc="-125" dirty="0">
+                <a:latin typeface="Tahoma"/>
+                <a:cs typeface="Tahoma"/>
+              </a:rPr>
+              <a:t> </a:t>
+            </a:r>
+            <a:r>
+              <a:rPr sz="1300" b="1" spc="-80" dirty="0">
                 <a:latin typeface="Tahoma"/>
                 <a:cs typeface="Tahoma"/>
               </a:rPr>
               <a:t>reminder</a:t>
             </a:r>
             <a:r>
-              <a:rPr dirty="0" sz="1300" spc="-130" b="1">
-                <a:latin typeface="Tahoma"/>
-                <a:cs typeface="Tahoma"/>
-              </a:rPr>
-              <a:t> </a:t>
-            </a:r>
-            <a:r>
-              <a:rPr dirty="0" sz="1300" spc="-114" b="1">
+              <a:rPr sz="1300" b="1" spc="-130" dirty="0">
+                <a:latin typeface="Tahoma"/>
+                <a:cs typeface="Tahoma"/>
+              </a:rPr>
+              <a:t> </a:t>
+            </a:r>
+            <a:r>
+              <a:rPr sz="1300" b="1" spc="-114" dirty="0">
                 <a:latin typeface="Tahoma"/>
                 <a:cs typeface="Tahoma"/>
               </a:rPr>
               <a:t>,</a:t>
             </a:r>
             <a:r>
-              <a:rPr dirty="0" sz="1300" spc="-130" b="1">
-                <a:latin typeface="Tahoma"/>
-                <a:cs typeface="Tahoma"/>
-              </a:rPr>
-              <a:t> </a:t>
-            </a:r>
-            <a:r>
-              <a:rPr dirty="0" sz="1300" spc="-55" b="1">
+              <a:rPr sz="1300" b="1" spc="-130" dirty="0">
+                <a:latin typeface="Tahoma"/>
+                <a:cs typeface="Tahoma"/>
+              </a:rPr>
+              <a:t> </a:t>
+            </a:r>
+            <a:r>
+              <a:rPr sz="1300" b="1" spc="-55" dirty="0">
                 <a:latin typeface="Tahoma"/>
                 <a:cs typeface="Tahoma"/>
               </a:rPr>
               <a:t>to </a:t>
             </a:r>
             <a:r>
-              <a:rPr dirty="0" sz="1300" spc="-365" b="1">
-                <a:latin typeface="Tahoma"/>
-                <a:cs typeface="Tahoma"/>
-              </a:rPr>
-              <a:t> </a:t>
-            </a:r>
-            <a:r>
-              <a:rPr dirty="0" sz="1300" spc="-110" b="1">
+              <a:rPr sz="1300" b="1" spc="-365" dirty="0">
+                <a:latin typeface="Tahoma"/>
+                <a:cs typeface="Tahoma"/>
+              </a:rPr>
+              <a:t> </a:t>
+            </a:r>
+            <a:r>
+              <a:rPr sz="1300" b="1" spc="-110" dirty="0">
                 <a:latin typeface="Tahoma"/>
                 <a:cs typeface="Tahoma"/>
               </a:rPr>
               <a:t>k</a:t>
             </a:r>
             <a:r>
-              <a:rPr dirty="0" sz="1300" spc="-85" b="1">
-                <a:latin typeface="Tahoma"/>
-                <a:cs typeface="Tahoma"/>
-              </a:rPr>
-              <a:t>ee</a:t>
-            </a:r>
-            <a:r>
-              <a:rPr dirty="0" sz="1300" spc="-85" b="1">
-                <a:latin typeface="Tahoma"/>
-                <a:cs typeface="Tahoma"/>
-              </a:rPr>
-              <a:t>p</a:t>
-            </a:r>
-            <a:r>
-              <a:rPr dirty="0" sz="1300" spc="-135" b="1">
-                <a:latin typeface="Tahoma"/>
-                <a:cs typeface="Tahoma"/>
-              </a:rPr>
-              <a:t> </a:t>
-            </a:r>
-            <a:r>
-              <a:rPr dirty="0" sz="1300" spc="-100" b="1">
+              <a:rPr sz="1300" b="1" spc="-85" dirty="0">
+                <a:latin typeface="Tahoma"/>
+                <a:cs typeface="Tahoma"/>
+              </a:rPr>
+              <a:t>eep</a:t>
+            </a:r>
+            <a:r>
+              <a:rPr sz="1300" b="1" spc="-135" dirty="0">
+                <a:latin typeface="Tahoma"/>
+                <a:cs typeface="Tahoma"/>
+              </a:rPr>
+              <a:t> </a:t>
+            </a:r>
+            <a:r>
+              <a:rPr sz="1300" b="1" spc="-100" dirty="0">
                 <a:latin typeface="Tahoma"/>
                 <a:cs typeface="Tahoma"/>
               </a:rPr>
               <a:t>a</a:t>
             </a:r>
             <a:r>
-              <a:rPr dirty="0" sz="1300" spc="-135" b="1">
-                <a:latin typeface="Tahoma"/>
-                <a:cs typeface="Tahoma"/>
-              </a:rPr>
-              <a:t> </a:t>
-            </a:r>
-            <a:r>
-              <a:rPr dirty="0" sz="1300" spc="-75" b="1">
+              <a:rPr sz="1300" b="1" spc="-135" dirty="0">
+                <a:latin typeface="Tahoma"/>
+                <a:cs typeface="Tahoma"/>
+              </a:rPr>
+              <a:t> </a:t>
+            </a:r>
+            <a:r>
+              <a:rPr sz="1300" b="1" spc="-75" dirty="0">
                 <a:latin typeface="Tahoma"/>
                 <a:cs typeface="Tahoma"/>
               </a:rPr>
               <a:t>check</a:t>
             </a:r>
             <a:r>
-              <a:rPr dirty="0" sz="1300" spc="-130" b="1">
-                <a:latin typeface="Tahoma"/>
-                <a:cs typeface="Tahoma"/>
-              </a:rPr>
-              <a:t> </a:t>
-            </a:r>
-            <a:r>
-              <a:rPr dirty="0" sz="1300" spc="-85" b="1">
+              <a:rPr sz="1300" b="1" spc="-130" dirty="0">
+                <a:latin typeface="Tahoma"/>
+                <a:cs typeface="Tahoma"/>
+              </a:rPr>
+              <a:t> </a:t>
+            </a:r>
+            <a:r>
+              <a:rPr sz="1300" b="1" spc="-85" dirty="0">
                 <a:latin typeface="Tahoma"/>
                 <a:cs typeface="Tahoma"/>
               </a:rPr>
               <a:t>o</a:t>
             </a:r>
             <a:r>
-              <a:rPr dirty="0" sz="1300" spc="-80" b="1">
+              <a:rPr sz="1300" b="1" spc="-80" dirty="0">
                 <a:latin typeface="Tahoma"/>
                 <a:cs typeface="Tahoma"/>
               </a:rPr>
               <a:t>n</a:t>
             </a:r>
             <a:r>
-              <a:rPr dirty="0" sz="1300" spc="-135" b="1">
-                <a:latin typeface="Tahoma"/>
-                <a:cs typeface="Tahoma"/>
-              </a:rPr>
-              <a:t> </a:t>
-            </a:r>
-            <a:r>
-              <a:rPr dirty="0" sz="1300" spc="-70" b="1">
+              <a:rPr sz="1300" b="1" spc="-135" dirty="0">
+                <a:latin typeface="Tahoma"/>
+                <a:cs typeface="Tahoma"/>
+              </a:rPr>
+              <a:t> </a:t>
+            </a:r>
+            <a:r>
+              <a:rPr sz="1300" b="1" spc="-70" dirty="0">
                 <a:latin typeface="Tahoma"/>
                 <a:cs typeface="Tahoma"/>
               </a:rPr>
               <a:t>the</a:t>
             </a:r>
             <a:r>
-              <a:rPr dirty="0" sz="1300" spc="-130" b="1">
-                <a:latin typeface="Tahoma"/>
-                <a:cs typeface="Tahoma"/>
-              </a:rPr>
-              <a:t> </a:t>
-            </a:r>
-            <a:r>
-              <a:rPr dirty="0" sz="1300" spc="-60" b="1">
+              <a:rPr sz="1300" b="1" spc="-130" dirty="0">
+                <a:latin typeface="Tahoma"/>
+                <a:cs typeface="Tahoma"/>
+              </a:rPr>
+              <a:t> </a:t>
+            </a:r>
+            <a:r>
+              <a:rPr sz="1300" b="1" spc="-60" dirty="0">
                 <a:latin typeface="Tahoma"/>
                 <a:cs typeface="Tahoma"/>
               </a:rPr>
               <a:t>initial</a:t>
             </a:r>
             <a:r>
-              <a:rPr dirty="0" sz="1300" spc="-130" b="1">
-                <a:latin typeface="Tahoma"/>
-                <a:cs typeface="Tahoma"/>
-              </a:rPr>
-              <a:t> </a:t>
-            </a:r>
-            <a:r>
-              <a:rPr dirty="0" sz="1300" spc="-65" b="1">
+              <a:rPr sz="1300" b="1" spc="-130" dirty="0">
+                <a:latin typeface="Tahoma"/>
+                <a:cs typeface="Tahoma"/>
+              </a:rPr>
+              <a:t> </a:t>
+            </a:r>
+            <a:r>
+              <a:rPr sz="1300" b="1" spc="-65" dirty="0">
                 <a:latin typeface="Tahoma"/>
                 <a:cs typeface="Tahoma"/>
               </a:rPr>
@@ -10277,133 +10511,126 @@
               </a:lnSpc>
             </a:pPr>
             <a:r>
-              <a:rPr dirty="0" sz="1300" spc="-80" b="1">
-                <a:latin typeface="Tahoma"/>
-                <a:cs typeface="Tahoma"/>
-              </a:rPr>
-              <a:t>Bookin</a:t>
-            </a:r>
-            <a:r>
-              <a:rPr dirty="0" sz="1300" spc="-80" b="1">
-                <a:latin typeface="Tahoma"/>
-                <a:cs typeface="Tahoma"/>
-              </a:rPr>
-              <a:t>g</a:t>
-            </a:r>
-            <a:r>
-              <a:rPr dirty="0" sz="1300" spc="-135" b="1">
-                <a:latin typeface="Tahoma"/>
-                <a:cs typeface="Tahoma"/>
-              </a:rPr>
-              <a:t> </a:t>
-            </a:r>
-            <a:r>
-              <a:rPr dirty="0" sz="1300" spc="-85" b="1">
+              <a:rPr sz="1300" b="1" spc="-80" dirty="0">
+                <a:latin typeface="Tahoma"/>
+                <a:cs typeface="Tahoma"/>
+              </a:rPr>
+              <a:t>Booking</a:t>
+            </a:r>
+            <a:r>
+              <a:rPr sz="1300" b="1" spc="-135" dirty="0">
+                <a:latin typeface="Tahoma"/>
+                <a:cs typeface="Tahoma"/>
+              </a:rPr>
+              <a:t> </a:t>
+            </a:r>
+            <a:r>
+              <a:rPr sz="1300" b="1" spc="-85" dirty="0">
                 <a:latin typeface="Tahoma"/>
                 <a:cs typeface="Tahoma"/>
               </a:rPr>
               <a:t>appointment</a:t>
             </a:r>
             <a:r>
-              <a:rPr dirty="0" sz="1300" spc="-75" b="1">
+              <a:rPr sz="1300" b="1" spc="-75" dirty="0">
                 <a:latin typeface="Tahoma"/>
                 <a:cs typeface="Tahoma"/>
               </a:rPr>
               <a:t>s</a:t>
             </a:r>
             <a:r>
-              <a:rPr dirty="0" sz="1300" spc="-135" b="1">
-                <a:latin typeface="Tahoma"/>
-                <a:cs typeface="Tahoma"/>
-              </a:rPr>
-              <a:t> </a:t>
-            </a:r>
-            <a:r>
-              <a:rPr dirty="0" sz="1300" spc="-65" b="1">
+              <a:rPr sz="1300" b="1" spc="-135" dirty="0">
+                <a:latin typeface="Tahoma"/>
+                <a:cs typeface="Tahoma"/>
+              </a:rPr>
+              <a:t> </a:t>
+            </a:r>
+            <a:r>
+              <a:rPr sz="1300" b="1" spc="-65" dirty="0">
                 <a:latin typeface="Tahoma"/>
                 <a:cs typeface="Tahoma"/>
               </a:rPr>
               <a:t>fro</a:t>
             </a:r>
             <a:r>
-              <a:rPr dirty="0" sz="1300" spc="-114" b="1">
+              <a:rPr sz="1300" b="1" spc="-114" dirty="0">
                 <a:latin typeface="Tahoma"/>
                 <a:cs typeface="Tahoma"/>
               </a:rPr>
               <a:t>m</a:t>
             </a:r>
             <a:r>
-              <a:rPr dirty="0" sz="1300" spc="-135" b="1">
-                <a:latin typeface="Tahoma"/>
-                <a:cs typeface="Tahoma"/>
-              </a:rPr>
-              <a:t> </a:t>
-            </a:r>
-            <a:r>
-              <a:rPr dirty="0" sz="1300" spc="-70" b="1">
+              <a:rPr sz="1300" b="1" spc="-135" dirty="0">
+                <a:latin typeface="Tahoma"/>
+                <a:cs typeface="Tahoma"/>
+              </a:rPr>
+              <a:t> </a:t>
+            </a:r>
+            <a:r>
+              <a:rPr sz="1300" b="1" spc="-70" dirty="0">
                 <a:latin typeface="Tahoma"/>
                 <a:cs typeface="Tahoma"/>
               </a:rPr>
               <a:t>the</a:t>
             </a:r>
             <a:r>
-              <a:rPr dirty="0" sz="1300" spc="-130" b="1">
-                <a:latin typeface="Tahoma"/>
-                <a:cs typeface="Tahoma"/>
-              </a:rPr>
-              <a:t> </a:t>
-            </a:r>
-            <a:r>
-              <a:rPr dirty="0" sz="1300" spc="-65" b="1">
+              <a:rPr sz="1300" b="1" spc="-130" dirty="0">
+                <a:latin typeface="Tahoma"/>
+                <a:cs typeface="Tahoma"/>
+              </a:rPr>
+              <a:t> </a:t>
+            </a:r>
+            <a:r>
+              <a:rPr sz="1300" b="1" spc="-65" dirty="0">
                 <a:latin typeface="Tahoma"/>
                 <a:cs typeface="Tahoma"/>
               </a:rPr>
               <a:t>comfort</a:t>
             </a:r>
             <a:r>
-              <a:rPr dirty="0" sz="1300" spc="-130" b="1">
-                <a:latin typeface="Tahoma"/>
-                <a:cs typeface="Tahoma"/>
-              </a:rPr>
-              <a:t> </a:t>
-            </a:r>
-            <a:r>
-              <a:rPr dirty="0" sz="1300" spc="-70" b="1">
+              <a:rPr sz="1300" b="1" spc="-130" dirty="0">
+                <a:latin typeface="Tahoma"/>
+                <a:cs typeface="Tahoma"/>
+              </a:rPr>
+              <a:t> </a:t>
+            </a:r>
+            <a:r>
+              <a:rPr sz="1300" b="1" spc="-70" dirty="0">
                 <a:latin typeface="Tahoma"/>
                 <a:cs typeface="Tahoma"/>
               </a:rPr>
               <a:t>o</a:t>
             </a:r>
             <a:r>
-              <a:rPr dirty="0" sz="1300" spc="-40" b="1">
+              <a:rPr sz="1300" b="1" spc="-40" dirty="0">
                 <a:latin typeface="Tahoma"/>
                 <a:cs typeface="Tahoma"/>
               </a:rPr>
               <a:t>f</a:t>
             </a:r>
             <a:r>
-              <a:rPr dirty="0" sz="1300" spc="-135" b="1">
-                <a:latin typeface="Tahoma"/>
-                <a:cs typeface="Tahoma"/>
-              </a:rPr>
-              <a:t> </a:t>
-            </a:r>
-            <a:r>
-              <a:rPr dirty="0" sz="1300" spc="-80" b="1">
+              <a:rPr sz="1300" b="1" spc="-135" dirty="0">
+                <a:latin typeface="Tahoma"/>
+                <a:cs typeface="Tahoma"/>
+              </a:rPr>
+              <a:t> </a:t>
+            </a:r>
+            <a:r>
+              <a:rPr sz="1300" b="1" spc="-80" dirty="0">
                 <a:latin typeface="Tahoma"/>
                 <a:cs typeface="Tahoma"/>
               </a:rPr>
               <a:t>y</a:t>
             </a:r>
             <a:r>
-              <a:rPr dirty="0" sz="1300" spc="-60" b="1">
+              <a:rPr sz="1300" b="1" spc="-60" dirty="0">
                 <a:latin typeface="Tahoma"/>
                 <a:cs typeface="Tahoma"/>
               </a:rPr>
               <a:t>our  </a:t>
             </a:r>
             <a:r>
-              <a:rPr dirty="0" sz="1300" spc="-85" b="1">
+              <a:rPr sz="1300" b="1" spc="-85" dirty="0">
                 <a:latin typeface="Tahoma"/>
                 <a:cs typeface="Tahoma"/>
               </a:rPr>
@@ -10486,7 +10713,9 @@
         <p:txBody>
           <a:bodyPr wrap="square" lIns="0" tIns="0" rIns="0" bIns="0" rtlCol="0"/>
           <a:lstStyle/>
-          <a:p/>
+          <a:p>
+            <a:endParaRPr/>
+          </a:p>
         </p:txBody>
       </p:sp>
       <p:grpSp>
@@ -10740,7 +10969,9 @@
           <p:txBody>
             <a:bodyPr wrap="square" lIns="0" tIns="0" rIns="0" bIns="0" rtlCol="0"/>
             <a:lstStyle/>
-            <a:p/>
+            <a:p>
+              <a:endParaRPr/>
+            </a:p>
           </p:txBody>
         </p:sp>
         <p:pic>
@@ -10810,7 +11041,9 @@
           <p:txBody>
             <a:bodyPr wrap="square" lIns="0" tIns="0" rIns="0" bIns="0" rtlCol="0"/>
             <a:lstStyle/>
-            <a:p/>
+            <a:p>
+              <a:endParaRPr/>
+            </a:p>
           </p:txBody>
         </p:sp>
         <p:sp>
@@ -11053,7 +11286,9 @@
           <p:txBody>
             <a:bodyPr wrap="square" lIns="0" tIns="0" rIns="0" bIns="0" rtlCol="0"/>
             <a:lstStyle/>
-            <a:p/>
+            <a:p>
+              <a:endParaRPr/>
+            </a:p>
           </p:txBody>
         </p:sp>
       </p:grpSp>
@@ -11073,7 +11308,7 @@
           </a:prstGeom>
         </p:spPr>
         <p:txBody>
-          <a:bodyPr wrap="square" lIns="0" tIns="2540" rIns="0" bIns="0" rtlCol="0" vert="vert">
+          <a:bodyPr vert="vert" wrap="square" lIns="0" tIns="2540" rIns="0" bIns="0" rtlCol="0">
             <a:spAutoFit/>
           </a:bodyPr>
           <a:lstStyle/>
@@ -11087,7 +11322,7 @@
               </a:spcBef>
             </a:pPr>
             <a:r>
-              <a:rPr dirty="0" sz="1400" spc="-5" b="1">
+              <a:rPr sz="1400" b="1" spc="-5" dirty="0">
                 <a:solidFill>
                   <a:srgbClr val="FFFFFF"/>
                 </a:solidFill>
@@ -11097,7 +11332,7 @@
               <a:t>PROBLEM </a:t>
             </a:r>
             <a:r>
-              <a:rPr dirty="0" sz="1400" b="1">
+              <a:rPr sz="1400" b="1" dirty="0">
                 <a:solidFill>
                   <a:srgbClr val="FFFFFF"/>
                 </a:solidFill>
@@ -11107,7 +11342,7 @@
               <a:t> </a:t>
             </a:r>
             <a:r>
-              <a:rPr dirty="0" sz="1400" spc="-5" b="1">
+              <a:rPr sz="1400" b="1" spc="-5" dirty="0">
                 <a:solidFill>
                   <a:srgbClr val="FFFFFF"/>
                 </a:solidFill>
@@ -11117,7 +11352,7 @@
               <a:t>S</a:t>
             </a:r>
             <a:r>
-              <a:rPr dirty="0" sz="1400" spc="-105" b="1">
+              <a:rPr sz="1400" b="1" spc="-105" dirty="0">
                 <a:solidFill>
                   <a:srgbClr val="FFFFFF"/>
                 </a:solidFill>
@@ -11127,7 +11362,7 @@
               <a:t>TA</a:t>
             </a:r>
             <a:r>
-              <a:rPr dirty="0" sz="1400" spc="-5" b="1">
+              <a:rPr sz="1400" b="1" spc="-5" dirty="0">
                 <a:solidFill>
                   <a:srgbClr val="FFFFFF"/>
                 </a:solidFill>
@@ -11151,7 +11386,7 @@
               </a:spcBef>
             </a:pPr>
             <a:r>
-              <a:rPr dirty="0" sz="1400" spc="-5" b="1">
+              <a:rPr sz="1400" b="1" spc="-5" dirty="0">
                 <a:solidFill>
                   <a:srgbClr val="FFFFFF"/>
                 </a:solidFill>
@@ -11248,7 +11483,9 @@
           <p:txBody>
             <a:bodyPr wrap="square" lIns="0" tIns="0" rIns="0" bIns="0" rtlCol="0"/>
             <a:lstStyle/>
-            <a:p/>
+            <a:p>
+              <a:endParaRPr/>
+            </a:p>
           </p:txBody>
         </p:sp>
         <p:sp>
@@ -11491,7 +11728,9 @@
           <p:txBody>
             <a:bodyPr wrap="square" lIns="0" tIns="0" rIns="0" bIns="0" rtlCol="0"/>
             <a:lstStyle/>
-            <a:p/>
+            <a:p>
+              <a:endParaRPr/>
+            </a:p>
           </p:txBody>
         </p:sp>
       </p:grpSp>
@@ -11511,7 +11750,7 @@
           </a:prstGeom>
         </p:spPr>
         <p:txBody>
-          <a:bodyPr wrap="square" lIns="0" tIns="0" rIns="0" bIns="0" rtlCol="0" vert="vert">
+          <a:bodyPr vert="vert" wrap="square" lIns="0" tIns="0" rIns="0" bIns="0" rtlCol="0">
             <a:spAutoFit/>
           </a:bodyPr>
           <a:lstStyle/>
@@ -11522,7 +11761,7 @@
               </a:lnSpc>
             </a:pPr>
             <a:r>
-              <a:rPr dirty="0" sz="1400" spc="-5" b="1">
+              <a:rPr sz="1400" b="1" spc="-5" dirty="0">
                 <a:solidFill>
                   <a:srgbClr val="FFFFFF"/>
                 </a:solidFill>
@@ -11532,7 +11771,7 @@
               <a:t>USE</a:t>
             </a:r>
             <a:r>
-              <a:rPr dirty="0" sz="1400" spc="-75" b="1">
+              <a:rPr sz="1400" b="1" spc="-75" dirty="0">
                 <a:solidFill>
                   <a:srgbClr val="FFFFFF"/>
                 </a:solidFill>
@@ -11542,7 +11781,7 @@
               <a:t> </a:t>
             </a:r>
             <a:r>
-              <a:rPr dirty="0" sz="1400" spc="-5" b="1">
+              <a:rPr sz="1400" b="1" spc="-5" dirty="0">
                 <a:solidFill>
                   <a:srgbClr val="FFFFFF"/>
                 </a:solidFill>
@@ -11639,7 +11878,9 @@
           <p:txBody>
             <a:bodyPr wrap="square" lIns="0" tIns="0" rIns="0" bIns="0" rtlCol="0"/>
             <a:lstStyle/>
-            <a:p/>
+            <a:p>
+              <a:endParaRPr/>
+            </a:p>
           </p:txBody>
         </p:sp>
         <p:sp>
@@ -11882,7 +12123,9 @@
           <p:txBody>
             <a:bodyPr wrap="square" lIns="0" tIns="0" rIns="0" bIns="0" rtlCol="0"/>
             <a:lstStyle/>
-            <a:p/>
+            <a:p>
+              <a:endParaRPr/>
+            </a:p>
           </p:txBody>
         </p:sp>
       </p:grpSp>
@@ -11902,7 +12145,7 @@
           </a:prstGeom>
         </p:spPr>
         <p:txBody>
-          <a:bodyPr wrap="square" lIns="0" tIns="0" rIns="0" bIns="0" rtlCol="0" vert="vert">
+          <a:bodyPr vert="vert" wrap="square" lIns="0" tIns="0" rIns="0" bIns="0" rtlCol="0">
             <a:spAutoFit/>
           </a:bodyPr>
           <a:lstStyle/>
@@ -11913,7 +12156,7 @@
               </a:lnSpc>
             </a:pPr>
             <a:r>
-              <a:rPr dirty="0" sz="1400" spc="-25" b="1">
+              <a:rPr sz="1400" b="1" spc="-25" dirty="0">
                 <a:solidFill>
                   <a:srgbClr val="FFFFFF"/>
                 </a:solidFill>
@@ -12435,7 +12678,9 @@
           <p:txBody>
             <a:bodyPr wrap="square" lIns="0" tIns="0" rIns="0" bIns="0" rtlCol="0"/>
             <a:lstStyle/>
-            <a:p/>
+            <a:p>
+              <a:endParaRPr/>
+            </a:p>
           </p:txBody>
         </p:sp>
         <p:sp>
@@ -12930,7 +13175,9 @@
           <p:txBody>
             <a:bodyPr wrap="square" lIns="0" tIns="0" rIns="0" bIns="0" rtlCol="0"/>
             <a:lstStyle/>
-            <a:p/>
+            <a:p>
+              <a:endParaRPr/>
+            </a:p>
           </p:txBody>
         </p:sp>
         <p:pic>
@@ -13117,7 +13364,9 @@
           <p:txBody>
             <a:bodyPr wrap="square" lIns="0" tIns="0" rIns="0" bIns="0" rtlCol="0"/>
             <a:lstStyle/>
-            <a:p/>
+            <a:p>
+              <a:endParaRPr/>
+            </a:p>
           </p:txBody>
         </p:sp>
         <p:sp>
@@ -13284,7 +13533,9 @@
           <p:txBody>
             <a:bodyPr wrap="square" lIns="0" tIns="0" rIns="0" bIns="0" rtlCol="0"/>
             <a:lstStyle/>
-            <a:p/>
+            <a:p>
+              <a:endParaRPr/>
+            </a:p>
           </p:txBody>
         </p:sp>
       </p:grpSp>
@@ -13304,7 +13555,7 @@
           </a:prstGeom>
         </p:spPr>
         <p:txBody>
-          <a:bodyPr wrap="square" lIns="0" tIns="12700" rIns="0" bIns="0" rtlCol="0" vert="horz">
+          <a:bodyPr vert="horz" wrap="square" lIns="0" tIns="12700" rIns="0" bIns="0" rtlCol="0">
             <a:spAutoFit/>
           </a:bodyPr>
           <a:lstStyle/>
@@ -13318,28 +13569,28 @@
               </a:spcBef>
             </a:pPr>
             <a:r>
-              <a:rPr dirty="0" sz="1400" spc="-5" b="1">
+              <a:rPr sz="1400" b="1" spc="-5" dirty="0">
                 <a:latin typeface="Arial"/>
                 <a:cs typeface="Arial"/>
               </a:rPr>
               <a:t>D</a:t>
             </a:r>
             <a:r>
-              <a:rPr dirty="0" sz="1400" spc="-80" b="1">
+              <a:rPr sz="1400" b="1" spc="-80" dirty="0">
                 <a:latin typeface="Arial"/>
                 <a:cs typeface="Arial"/>
               </a:rPr>
               <a:t>r</a:t>
             </a:r>
             <a:r>
-              <a:rPr dirty="0" sz="1400" b="1">
+              <a:rPr sz="1400" b="1" dirty="0">
                 <a:latin typeface="Arial"/>
                 <a:cs typeface="Arial"/>
               </a:rPr>
               <a:t>.</a:t>
             </a:r>
             <a:r>
-              <a:rPr dirty="0" sz="1400" spc="-5" b="1">
+              <a:rPr sz="1400" b="1" spc="-5" dirty="0">
                 <a:latin typeface="Arial"/>
                 <a:cs typeface="Arial"/>
               </a:rPr>
@@ -13368,7 +13619,7 @@
           </a:prstGeom>
         </p:spPr>
         <p:txBody>
-          <a:bodyPr wrap="square" lIns="0" tIns="12700" rIns="0" bIns="0" rtlCol="0" vert="horz">
+          <a:bodyPr vert="horz" wrap="square" lIns="0" tIns="12700" rIns="0" bIns="0" rtlCol="0">
             <a:spAutoFit/>
           </a:bodyPr>
           <a:lstStyle/>
@@ -13387,91 +13638,91 @@
               </a:tabLst>
             </a:pPr>
             <a:r>
-              <a:rPr dirty="0" sz="1100" spc="-5" b="1">
+              <a:rPr sz="1100" b="1" spc="-5" dirty="0">
                 <a:latin typeface="Arial"/>
                 <a:cs typeface="Arial"/>
               </a:rPr>
               <a:t>Head</a:t>
             </a:r>
             <a:r>
-              <a:rPr dirty="0" sz="1100" spc="-35" b="1">
-                <a:latin typeface="Arial"/>
-                <a:cs typeface="Arial"/>
-              </a:rPr>
-              <a:t> </a:t>
-            </a:r>
-            <a:r>
-              <a:rPr dirty="0" sz="1100" b="1">
+              <a:rPr sz="1100" b="1" spc="-35" dirty="0">
+                <a:latin typeface="Arial"/>
+                <a:cs typeface="Arial"/>
+              </a:rPr>
+              <a:t> </a:t>
+            </a:r>
+            <a:r>
+              <a:rPr sz="1100" b="1" dirty="0">
                 <a:latin typeface="Arial"/>
                 <a:cs typeface="Arial"/>
               </a:rPr>
               <a:t>Medical</a:t>
             </a:r>
             <a:r>
-              <a:rPr dirty="0" sz="1100" spc="-30" b="1">
-                <a:latin typeface="Arial"/>
-                <a:cs typeface="Arial"/>
-              </a:rPr>
-              <a:t> </a:t>
-            </a:r>
-            <a:r>
-              <a:rPr dirty="0" sz="1100" spc="-5" b="1">
+              <a:rPr sz="1100" b="1" spc="-30" dirty="0">
+                <a:latin typeface="Arial"/>
+                <a:cs typeface="Arial"/>
+              </a:rPr>
+              <a:t> </a:t>
+            </a:r>
+            <a:r>
+              <a:rPr sz="1100" b="1" spc="-5" dirty="0">
                 <a:latin typeface="Arial"/>
                 <a:cs typeface="Arial"/>
               </a:rPr>
               <a:t>practitioner</a:t>
             </a:r>
             <a:r>
-              <a:rPr dirty="0" sz="1100" spc="-35" b="1">
-                <a:latin typeface="Arial"/>
-                <a:cs typeface="Arial"/>
-              </a:rPr>
-              <a:t> </a:t>
-            </a:r>
-            <a:r>
-              <a:rPr dirty="0" sz="1100" spc="-5" b="1">
+              <a:rPr sz="1100" b="1" spc="-35" dirty="0">
+                <a:latin typeface="Arial"/>
+                <a:cs typeface="Arial"/>
+              </a:rPr>
+              <a:t> </a:t>
+            </a:r>
+            <a:r>
+              <a:rPr sz="1100" b="1" spc="-5" dirty="0">
                 <a:latin typeface="Arial"/>
                 <a:cs typeface="Arial"/>
               </a:rPr>
               <a:t>at </a:t>
             </a:r>
             <a:r>
-              <a:rPr dirty="0" sz="1100" spc="-290" b="1">
-                <a:latin typeface="Arial"/>
-                <a:cs typeface="Arial"/>
-              </a:rPr>
-              <a:t> </a:t>
-            </a:r>
-            <a:r>
-              <a:rPr dirty="0" sz="1100" b="1">
+              <a:rPr sz="1100" b="1" spc="-290" dirty="0">
+                <a:latin typeface="Arial"/>
+                <a:cs typeface="Arial"/>
+              </a:rPr>
+              <a:t> </a:t>
+            </a:r>
+            <a:r>
+              <a:rPr sz="1100" b="1" dirty="0">
                 <a:latin typeface="Arial"/>
                 <a:cs typeface="Arial"/>
               </a:rPr>
               <a:t>a</a:t>
             </a:r>
             <a:r>
-              <a:rPr dirty="0" sz="1100" spc="-25" b="1">
-                <a:latin typeface="Arial"/>
-                <a:cs typeface="Arial"/>
-              </a:rPr>
-              <a:t> </a:t>
-            </a:r>
-            <a:r>
-              <a:rPr dirty="0" sz="1100" spc="-5" b="1">
+              <a:rPr sz="1100" b="1" spc="-25" dirty="0">
+                <a:latin typeface="Arial"/>
+                <a:cs typeface="Arial"/>
+              </a:rPr>
+              <a:t> </a:t>
+            </a:r>
+            <a:r>
+              <a:rPr sz="1100" b="1" spc="-5" dirty="0">
                 <a:latin typeface="Arial"/>
                 <a:cs typeface="Arial"/>
               </a:rPr>
               <a:t>multi-speciality</a:t>
             </a:r>
             <a:r>
-              <a:rPr dirty="0" sz="1100" spc="-20" b="1">
-                <a:latin typeface="Arial"/>
-                <a:cs typeface="Arial"/>
-              </a:rPr>
-              <a:t> </a:t>
-            </a:r>
-            <a:r>
-              <a:rPr dirty="0" sz="1100" spc="-5" b="1">
+              <a:rPr sz="1100" b="1" spc="-20" dirty="0">
+                <a:latin typeface="Arial"/>
+                <a:cs typeface="Arial"/>
+              </a:rPr>
+              <a:t> </a:t>
+            </a:r>
+            <a:r>
+              <a:rPr sz="1100" b="1" spc="-5" dirty="0">
                 <a:latin typeface="Arial"/>
                 <a:cs typeface="Arial"/>
               </a:rPr>
@@ -13500,7 +13751,7 @@
           </a:prstGeom>
         </p:spPr>
         <p:txBody>
-          <a:bodyPr wrap="square" lIns="0" tIns="12700" rIns="0" bIns="0" rtlCol="0" vert="horz">
+          <a:bodyPr vert="horz" wrap="square" lIns="0" tIns="12700" rIns="0" bIns="0" rtlCol="0">
             <a:spAutoFit/>
           </a:bodyPr>
           <a:lstStyle/>
@@ -13519,84 +13770,84 @@
               </a:tabLst>
             </a:pPr>
             <a:r>
-              <a:rPr dirty="0" sz="1100" b="1">
+              <a:rPr sz="1100" b="1" dirty="0">
                 <a:latin typeface="Arial"/>
                 <a:cs typeface="Arial"/>
               </a:rPr>
               <a:t>Measures the </a:t>
             </a:r>
             <a:r>
-              <a:rPr dirty="0" sz="1100" spc="-5" b="1">
+              <a:rPr sz="1100" b="1" spc="-5" dirty="0">
                 <a:latin typeface="Arial"/>
                 <a:cs typeface="Arial"/>
               </a:rPr>
               <a:t>probability of </a:t>
             </a:r>
             <a:r>
-              <a:rPr dirty="0" sz="1100" b="1">
-                <a:latin typeface="Arial"/>
-                <a:cs typeface="Arial"/>
-              </a:rPr>
-              <a:t> </a:t>
-            </a:r>
-            <a:r>
-              <a:rPr dirty="0" sz="1100" spc="-5" b="1">
+              <a:rPr sz="1100" b="1" dirty="0">
+                <a:latin typeface="Arial"/>
+                <a:cs typeface="Arial"/>
+              </a:rPr>
+              <a:t> </a:t>
+            </a:r>
+            <a:r>
+              <a:rPr sz="1100" b="1" spc="-5" dirty="0">
                 <a:latin typeface="Arial"/>
                 <a:cs typeface="Arial"/>
               </a:rPr>
               <a:t>patient being non-adherent </a:t>
             </a:r>
             <a:r>
-              <a:rPr dirty="0" sz="1100" b="1">
+              <a:rPr sz="1100" b="1" dirty="0">
                 <a:latin typeface="Arial"/>
                 <a:cs typeface="Arial"/>
               </a:rPr>
               <a:t> to </a:t>
             </a:r>
             <a:r>
-              <a:rPr dirty="0" sz="1100" spc="-5" b="1">
+              <a:rPr sz="1100" b="1" spc="-5" dirty="0">
                 <a:latin typeface="Arial"/>
                 <a:cs typeface="Arial"/>
               </a:rPr>
               <a:t>medication and listing out </a:t>
             </a:r>
             <a:r>
-              <a:rPr dirty="0" sz="1100" spc="-295" b="1">
-                <a:latin typeface="Arial"/>
-                <a:cs typeface="Arial"/>
-              </a:rPr>
-              <a:t> </a:t>
-            </a:r>
-            <a:r>
-              <a:rPr dirty="0" sz="1100" spc="-5" b="1">
+              <a:rPr sz="1100" b="1" spc="-295" dirty="0">
+                <a:latin typeface="Arial"/>
+                <a:cs typeface="Arial"/>
+              </a:rPr>
+              <a:t> </a:t>
+            </a:r>
+            <a:r>
+              <a:rPr sz="1100" b="1" spc="-5" dirty="0">
                 <a:latin typeface="Arial"/>
                 <a:cs typeface="Arial"/>
               </a:rPr>
               <a:t>reasons</a:t>
             </a:r>
             <a:r>
-              <a:rPr dirty="0" sz="1100" spc="-10" b="1">
-                <a:latin typeface="Arial"/>
-                <a:cs typeface="Arial"/>
-              </a:rPr>
-              <a:t> </a:t>
-            </a:r>
-            <a:r>
-              <a:rPr dirty="0" sz="1100" b="1">
+              <a:rPr sz="1100" b="1" spc="-10" dirty="0">
+                <a:latin typeface="Arial"/>
+                <a:cs typeface="Arial"/>
+              </a:rPr>
+              <a:t> </a:t>
+            </a:r>
+            <a:r>
+              <a:rPr sz="1100" b="1" dirty="0">
                 <a:latin typeface="Arial"/>
                 <a:cs typeface="Arial"/>
               </a:rPr>
               <a:t>for</a:t>
             </a:r>
             <a:r>
-              <a:rPr dirty="0" sz="1100" spc="-10" b="1">
-                <a:latin typeface="Arial"/>
-                <a:cs typeface="Arial"/>
-              </a:rPr>
-              <a:t> </a:t>
-            </a:r>
-            <a:r>
-              <a:rPr dirty="0" sz="1100" spc="-5" b="1">
+              <a:rPr sz="1100" b="1" spc="-10" dirty="0">
+                <a:latin typeface="Arial"/>
+                <a:cs typeface="Arial"/>
+              </a:rPr>
+              <a:t> </a:t>
+            </a:r>
+            <a:r>
+              <a:rPr sz="1100" b="1" spc="-5" dirty="0">
                 <a:latin typeface="Arial"/>
                 <a:cs typeface="Arial"/>
               </a:rPr>
@@ -13625,7 +13876,7 @@
           </a:prstGeom>
         </p:spPr>
         <p:txBody>
-          <a:bodyPr wrap="square" lIns="0" tIns="12700" rIns="0" bIns="0" rtlCol="0" vert="horz">
+          <a:bodyPr vert="horz" wrap="square" lIns="0" tIns="12700" rIns="0" bIns="0" rtlCol="0">
             <a:spAutoFit/>
           </a:bodyPr>
           <a:lstStyle/>
@@ -13639,7 +13890,7 @@
               </a:spcBef>
             </a:pPr>
             <a:r>
-              <a:rPr dirty="0" sz="1400" spc="-5" b="1">
+              <a:rPr sz="1400" b="1" spc="-5" dirty="0">
                 <a:latin typeface="Arial"/>
                 <a:cs typeface="Arial"/>
               </a:rPr>
@@ -13668,7 +13919,7 @@
           </a:prstGeom>
         </p:spPr>
         <p:txBody>
-          <a:bodyPr wrap="square" lIns="0" tIns="12700" rIns="0" bIns="0" rtlCol="0" vert="horz">
+          <a:bodyPr vert="horz" wrap="square" lIns="0" tIns="12700" rIns="0" bIns="0" rtlCol="0">
             <a:spAutoFit/>
           </a:bodyPr>
           <a:lstStyle/>
@@ -13687,91 +13938,91 @@
               </a:tabLst>
             </a:pPr>
             <a:r>
-              <a:rPr dirty="0" sz="1100" spc="-5" b="1">
+              <a:rPr sz="1100" b="1" spc="-5" dirty="0">
                 <a:latin typeface="Arial"/>
                 <a:cs typeface="Arial"/>
               </a:rPr>
               <a:t>Lisa</a:t>
             </a:r>
             <a:r>
-              <a:rPr dirty="0" sz="1100" spc="-25" b="1">
-                <a:latin typeface="Arial"/>
-                <a:cs typeface="Arial"/>
-              </a:rPr>
-              <a:t> </a:t>
-            </a:r>
-            <a:r>
-              <a:rPr dirty="0" sz="1100" spc="-5" b="1">
+              <a:rPr sz="1100" b="1" spc="-25" dirty="0">
+                <a:latin typeface="Arial"/>
+                <a:cs typeface="Arial"/>
+              </a:rPr>
+              <a:t> </a:t>
+            </a:r>
+            <a:r>
+              <a:rPr sz="1100" b="1" spc="-5" dirty="0">
                 <a:latin typeface="Arial"/>
                 <a:cs typeface="Arial"/>
               </a:rPr>
               <a:t>is</a:t>
             </a:r>
             <a:r>
-              <a:rPr dirty="0" sz="1100" spc="-20" b="1">
-                <a:latin typeface="Arial"/>
-                <a:cs typeface="Arial"/>
-              </a:rPr>
-              <a:t> </a:t>
-            </a:r>
-            <a:r>
-              <a:rPr dirty="0" sz="1100" b="1">
+              <a:rPr sz="1100" b="1" spc="-20" dirty="0">
+                <a:latin typeface="Arial"/>
+                <a:cs typeface="Arial"/>
+              </a:rPr>
+              <a:t> </a:t>
+            </a:r>
+            <a:r>
+              <a:rPr sz="1100" b="1" dirty="0">
                 <a:latin typeface="Arial"/>
                 <a:cs typeface="Arial"/>
               </a:rPr>
               <a:t>a</a:t>
             </a:r>
             <a:r>
-              <a:rPr dirty="0" sz="1100" spc="-20" b="1">
-                <a:latin typeface="Arial"/>
-                <a:cs typeface="Arial"/>
-              </a:rPr>
-              <a:t> </a:t>
-            </a:r>
-            <a:r>
-              <a:rPr dirty="0" sz="1100" spc="-5" b="1">
+              <a:rPr sz="1100" b="1" spc="-20" dirty="0">
+                <a:latin typeface="Arial"/>
+                <a:cs typeface="Arial"/>
+              </a:rPr>
+              <a:t> </a:t>
+            </a:r>
+            <a:r>
+              <a:rPr sz="1100" b="1" spc="-5" dirty="0">
                 <a:latin typeface="Arial"/>
                 <a:cs typeface="Arial"/>
               </a:rPr>
               <a:t>70</a:t>
             </a:r>
             <a:r>
-              <a:rPr dirty="0" sz="1100" spc="-20" b="1">
-                <a:latin typeface="Arial"/>
-                <a:cs typeface="Arial"/>
-              </a:rPr>
-              <a:t> </a:t>
-            </a:r>
-            <a:r>
-              <a:rPr dirty="0" sz="1100" spc="-5" b="1">
+              <a:rPr sz="1100" b="1" spc="-20" dirty="0">
+                <a:latin typeface="Arial"/>
+                <a:cs typeface="Arial"/>
+              </a:rPr>
+              <a:t> </a:t>
+            </a:r>
+            <a:r>
+              <a:rPr sz="1100" b="1" spc="-5" dirty="0">
                 <a:latin typeface="Arial"/>
                 <a:cs typeface="Arial"/>
               </a:rPr>
               <a:t>year</a:t>
             </a:r>
             <a:r>
-              <a:rPr dirty="0" sz="1100" spc="-20" b="1">
-                <a:latin typeface="Arial"/>
-                <a:cs typeface="Arial"/>
-              </a:rPr>
-              <a:t> </a:t>
-            </a:r>
-            <a:r>
-              <a:rPr dirty="0" sz="1100" spc="-5" b="1">
+              <a:rPr sz="1100" b="1" spc="-20" dirty="0">
+                <a:latin typeface="Arial"/>
+                <a:cs typeface="Arial"/>
+              </a:rPr>
+              <a:t> </a:t>
+            </a:r>
+            <a:r>
+              <a:rPr sz="1100" b="1" spc="-5" dirty="0">
                 <a:latin typeface="Arial"/>
                 <a:cs typeface="Arial"/>
               </a:rPr>
               <a:t>old </a:t>
             </a:r>
             <a:r>
-              <a:rPr dirty="0" sz="1100" spc="-290" b="1">
-                <a:latin typeface="Arial"/>
-                <a:cs typeface="Arial"/>
-              </a:rPr>
-              <a:t> </a:t>
-            </a:r>
-            <a:r>
-              <a:rPr dirty="0" sz="1100" spc="-5" b="1">
+              <a:rPr sz="1100" b="1" spc="-290" dirty="0">
+                <a:latin typeface="Arial"/>
+                <a:cs typeface="Arial"/>
+              </a:rPr>
+              <a:t> </a:t>
+            </a:r>
+            <a:r>
+              <a:rPr sz="1100" b="1" spc="-5" dirty="0">
                 <a:latin typeface="Arial"/>
                 <a:cs typeface="Arial"/>
               </a:rPr>
@@ -13800,7 +14051,7 @@
           </a:prstGeom>
         </p:spPr>
         <p:txBody>
-          <a:bodyPr wrap="square" lIns="0" tIns="12700" rIns="0" bIns="0" rtlCol="0" vert="horz">
+          <a:bodyPr vert="horz" wrap="square" lIns="0" tIns="12700" rIns="0" bIns="0" rtlCol="0">
             <a:spAutoFit/>
           </a:bodyPr>
           <a:lstStyle/>
@@ -13821,105 +14072,105 @@
               </a:tabLst>
             </a:pPr>
             <a:r>
-              <a:rPr dirty="0" sz="1300" spc="-5" b="1">
+              <a:rPr sz="1300" b="1" spc="-5" dirty="0">
                 <a:latin typeface="Calibri"/>
                 <a:cs typeface="Calibri"/>
               </a:rPr>
               <a:t>Lisa can </a:t>
             </a:r>
             <a:r>
-              <a:rPr dirty="0" sz="1300" spc="-15" b="1">
+              <a:rPr sz="1300" b="1" spc="-15" dirty="0">
                 <a:latin typeface="Calibri"/>
                 <a:cs typeface="Calibri"/>
               </a:rPr>
               <a:t>take </a:t>
             </a:r>
             <a:r>
-              <a:rPr dirty="0" sz="1300" spc="-10" b="1">
+              <a:rPr sz="1300" b="1" spc="-10" dirty="0">
                 <a:latin typeface="Calibri"/>
                 <a:cs typeface="Calibri"/>
               </a:rPr>
               <a:t>self-care </a:t>
             </a:r>
             <a:r>
-              <a:rPr dirty="0" sz="1300" spc="-5" b="1">
+              <a:rPr sz="1300" b="1" spc="-5" dirty="0">
                 <a:latin typeface="Calibri"/>
                 <a:cs typeface="Calibri"/>
               </a:rPr>
               <a:t> by </a:t>
             </a:r>
             <a:r>
-              <a:rPr dirty="0" sz="1300" spc="-10" b="1">
+              <a:rPr sz="1300" b="1" spc="-10" dirty="0">
                 <a:latin typeface="Calibri"/>
                 <a:cs typeface="Calibri"/>
               </a:rPr>
               <a:t>setting reminder for </a:t>
             </a:r>
             <a:r>
-              <a:rPr dirty="0" sz="1300" spc="-280" b="1">
+              <a:rPr sz="1300" b="1" spc="-280" dirty="0">
                 <a:latin typeface="Calibri"/>
                 <a:cs typeface="Calibri"/>
               </a:rPr>
               <a:t> </a:t>
             </a:r>
             <a:r>
-              <a:rPr dirty="0" sz="1300" spc="-10" b="1">
+              <a:rPr sz="1300" b="1" spc="-10" dirty="0">
                 <a:latin typeface="Calibri"/>
                 <a:cs typeface="Calibri"/>
               </a:rPr>
               <a:t>hers </a:t>
             </a:r>
             <a:r>
-              <a:rPr dirty="0" sz="1300" spc="-5" b="1">
+              <a:rPr sz="1300" b="1" spc="-5" dirty="0">
                 <a:latin typeface="Calibri"/>
                 <a:cs typeface="Calibri"/>
               </a:rPr>
               <a:t>meds and its </a:t>
             </a:r>
             <a:r>
-              <a:rPr dirty="0" sz="1300" b="1">
+              <a:rPr sz="1300" b="1" dirty="0">
                 <a:latin typeface="Calibri"/>
                 <a:cs typeface="Calibri"/>
               </a:rPr>
               <a:t> </a:t>
             </a:r>
             <a:r>
-              <a:rPr dirty="0" sz="1300" spc="-10" b="1">
+              <a:rPr sz="1300" b="1" spc="-10" dirty="0">
                 <a:latin typeface="Calibri"/>
                 <a:cs typeface="Calibri"/>
               </a:rPr>
               <a:t>renewal</a:t>
             </a:r>
             <a:r>
-              <a:rPr dirty="0" sz="1300" spc="-15" b="1">
+              <a:rPr sz="1300" b="1" spc="-15" dirty="0">
                 <a:latin typeface="Calibri"/>
                 <a:cs typeface="Calibri"/>
               </a:rPr>
               <a:t> </a:t>
             </a:r>
             <a:r>
-              <a:rPr dirty="0" sz="1300" spc="-5" b="1">
+              <a:rPr sz="1300" b="1" spc="-5" dirty="0">
                 <a:latin typeface="Calibri"/>
                 <a:cs typeface="Calibri"/>
               </a:rPr>
               <a:t>in</a:t>
             </a:r>
             <a:r>
-              <a:rPr dirty="0" sz="1300" spc="-10" b="1">
+              <a:rPr sz="1300" b="1" spc="-10" dirty="0">
                 <a:latin typeface="Calibri"/>
                 <a:cs typeface="Calibri"/>
               </a:rPr>
               <a:t> real </a:t>
             </a:r>
             <a:r>
-              <a:rPr dirty="0" sz="1300" spc="-5" b="1">
+              <a:rPr sz="1300" b="1" spc="-5" dirty="0">
                 <a:latin typeface="Calibri"/>
                 <a:cs typeface="Calibri"/>
               </a:rPr>
               <a:t>time</a:t>
             </a:r>
             <a:r>
-              <a:rPr dirty="0" sz="1100" spc="-5" b="1">
+              <a:rPr sz="1100" b="1" spc="-5" dirty="0">
                 <a:latin typeface="Calibri"/>
                 <a:cs typeface="Calibri"/>
               </a:rPr>
@@ -13948,7 +14199,7 @@
           </a:prstGeom>
         </p:spPr>
         <p:txBody>
-          <a:bodyPr wrap="square" lIns="0" tIns="12700" rIns="0" bIns="0" rtlCol="0" vert="horz">
+          <a:bodyPr vert="horz" wrap="square" lIns="0" tIns="12700" rIns="0" bIns="0" rtlCol="0">
             <a:spAutoFit/>
           </a:bodyPr>
           <a:lstStyle/>
@@ -13962,7 +14213,7 @@
               </a:spcBef>
             </a:pPr>
             <a:r>
-              <a:rPr dirty="0" sz="3300" b="1">
+              <a:rPr sz="3300" b="1" dirty="0">
                 <a:solidFill>
                   <a:srgbClr val="FFFFFF"/>
                 </a:solidFill>
@@ -14176,7 +14427,9 @@
           <p:txBody>
             <a:bodyPr wrap="square" lIns="0" tIns="0" rIns="0" bIns="0" rtlCol="0"/>
             <a:lstStyle/>
-            <a:p/>
+            <a:p>
+              <a:endParaRPr/>
+            </a:p>
           </p:txBody>
         </p:sp>
         <p:sp>
@@ -14343,7 +14596,9 @@
           <p:txBody>
             <a:bodyPr wrap="square" lIns="0" tIns="0" rIns="0" bIns="0" rtlCol="0"/>
             <a:lstStyle/>
-            <a:p/>
+            <a:p>
+              <a:endParaRPr/>
+            </a:p>
           </p:txBody>
         </p:sp>
       </p:grpSp>
@@ -14363,7 +14618,7 @@
           </a:prstGeom>
         </p:spPr>
         <p:txBody>
-          <a:bodyPr wrap="square" lIns="0" tIns="12700" rIns="0" bIns="0" rtlCol="0" vert="horz">
+          <a:bodyPr vert="horz" wrap="square" lIns="0" tIns="12700" rIns="0" bIns="0" rtlCol="0">
             <a:spAutoFit/>
           </a:bodyPr>
           <a:lstStyle/>
@@ -14377,7 +14632,7 @@
               </a:spcBef>
             </a:pPr>
             <a:r>
-              <a:rPr dirty="0" sz="3300" b="1">
+              <a:rPr sz="3300" b="1" dirty="0">
                 <a:solidFill>
                   <a:srgbClr val="FFFFFF"/>
                 </a:solidFill>
@@ -14515,7 +14770,7 @@
           </a:prstGeom>
         </p:spPr>
         <p:txBody>
-          <a:bodyPr wrap="square" lIns="0" tIns="2540" rIns="0" bIns="0" rtlCol="0" vert="vert">
+          <a:bodyPr vert="vert" wrap="square" lIns="0" tIns="2540" rIns="0" bIns="0" rtlCol="0">
             <a:spAutoFit/>
           </a:bodyPr>
           <a:lstStyle/>
@@ -14529,7 +14784,7 @@
               </a:spcBef>
             </a:pPr>
             <a:r>
-              <a:rPr dirty="0" sz="1400" spc="-5" b="1">
+              <a:rPr sz="1400" b="1" spc="-5" dirty="0">
                 <a:solidFill>
                   <a:srgbClr val="FFFFFF"/>
                 </a:solidFill>
@@ -14539,7 +14794,7 @@
               <a:t>PROBLEM </a:t>
             </a:r>
             <a:r>
-              <a:rPr dirty="0" sz="1400" b="1">
+              <a:rPr sz="1400" b="1" dirty="0">
                 <a:solidFill>
                   <a:srgbClr val="FFFFFF"/>
                 </a:solidFill>
@@ -14549,7 +14804,7 @@
               <a:t> </a:t>
             </a:r>
             <a:r>
-              <a:rPr dirty="0" sz="1400" spc="-5" b="1">
+              <a:rPr sz="1400" b="1" spc="-5" dirty="0">
                 <a:solidFill>
                   <a:srgbClr val="FFFFFF"/>
                 </a:solidFill>
@@ -14559,7 +14814,7 @@
               <a:t>S</a:t>
             </a:r>
             <a:r>
-              <a:rPr dirty="0" sz="1400" spc="-105" b="1">
+              <a:rPr sz="1400" b="1" spc="-105" dirty="0">
                 <a:solidFill>
                   <a:srgbClr val="FFFFFF"/>
                 </a:solidFill>
@@ -14569,7 +14824,7 @@
               <a:t>TA</a:t>
             </a:r>
             <a:r>
-              <a:rPr dirty="0" sz="1400" spc="-5" b="1">
+              <a:rPr sz="1400" b="1" spc="-5" dirty="0">
                 <a:solidFill>
                   <a:srgbClr val="FFFFFF"/>
                 </a:solidFill>
@@ -14593,7 +14848,7 @@
               </a:spcBef>
             </a:pPr>
             <a:r>
-              <a:rPr dirty="0" sz="1400" spc="-5" b="1">
+              <a:rPr sz="1400" b="1" spc="-5" dirty="0">
                 <a:solidFill>
                   <a:srgbClr val="FFFFFF"/>
                 </a:solidFill>
@@ -14690,7 +14945,9 @@
           <p:txBody>
             <a:bodyPr wrap="square" lIns="0" tIns="0" rIns="0" bIns="0" rtlCol="0"/>
             <a:lstStyle/>
-            <a:p/>
+            <a:p>
+              <a:endParaRPr/>
+            </a:p>
           </p:txBody>
         </p:sp>
         <p:sp>
@@ -14933,7 +15190,9 @@
           <p:txBody>
             <a:bodyPr wrap="square" lIns="0" tIns="0" rIns="0" bIns="0" rtlCol="0"/>
             <a:lstStyle/>
-            <a:p/>
+            <a:p>
+              <a:endParaRPr/>
+            </a:p>
           </p:txBody>
         </p:sp>
       </p:grpSp>
@@ -14953,7 +15212,7 @@
           </a:prstGeom>
         </p:spPr>
         <p:txBody>
-          <a:bodyPr wrap="square" lIns="0" tIns="0" rIns="0" bIns="0" rtlCol="0" vert="vert">
+          <a:bodyPr vert="vert" wrap="square" lIns="0" tIns="0" rIns="0" bIns="0" rtlCol="0">
             <a:spAutoFit/>
           </a:bodyPr>
           <a:lstStyle/>
@@ -14964,7 +15223,7 @@
               </a:lnSpc>
             </a:pPr>
             <a:r>
-              <a:rPr dirty="0" sz="1400" spc="-5" b="1">
+              <a:rPr sz="1400" b="1" spc="-5" dirty="0">
                 <a:solidFill>
                   <a:srgbClr val="FFFFFF"/>
                 </a:solidFill>
@@ -14974,7 +15233,7 @@
               <a:t>USE</a:t>
             </a:r>
             <a:r>
-              <a:rPr dirty="0" sz="1400" spc="-75" b="1">
+              <a:rPr sz="1400" b="1" spc="-75" dirty="0">
                 <a:solidFill>
                   <a:srgbClr val="FFFFFF"/>
                 </a:solidFill>
@@ -14984,7 +15243,7 @@
               <a:t> </a:t>
             </a:r>
             <a:r>
-              <a:rPr dirty="0" sz="1400" spc="-5" b="1">
+              <a:rPr sz="1400" b="1" spc="-5" dirty="0">
                 <a:solidFill>
                   <a:srgbClr val="FFFFFF"/>
                 </a:solidFill>
@@ -15081,7 +15340,9 @@
           <p:txBody>
             <a:bodyPr wrap="square" lIns="0" tIns="0" rIns="0" bIns="0" rtlCol="0"/>
             <a:lstStyle/>
-            <a:p/>
+            <a:p>
+              <a:endParaRPr/>
+            </a:p>
           </p:txBody>
         </p:sp>
         <p:sp>
@@ -15324,7 +15585,9 @@
           <p:txBody>
             <a:bodyPr wrap="square" lIns="0" tIns="0" rIns="0" bIns="0" rtlCol="0"/>
             <a:lstStyle/>
-            <a:p/>
+            <a:p>
+              <a:endParaRPr/>
+            </a:p>
           </p:txBody>
         </p:sp>
       </p:grpSp>
@@ -15344,7 +15607,7 @@
           </a:prstGeom>
         </p:spPr>
         <p:txBody>
-          <a:bodyPr wrap="square" lIns="0" tIns="0" rIns="0" bIns="0" rtlCol="0" vert="vert">
+          <a:bodyPr vert="vert" wrap="square" lIns="0" tIns="0" rIns="0" bIns="0" rtlCol="0">
             <a:spAutoFit/>
           </a:bodyPr>
           <a:lstStyle/>
@@ -15355,7 +15618,7 @@
               </a:lnSpc>
             </a:pPr>
             <a:r>
-              <a:rPr dirty="0" sz="1400" spc="-25" b="1">
+              <a:rPr sz="1400" b="1" spc="-25" dirty="0">
                 <a:solidFill>
                   <a:srgbClr val="FFFFFF"/>
                 </a:solidFill>
@@ -15877,7 +16140,9 @@
           <p:txBody>
             <a:bodyPr wrap="square" lIns="0" tIns="0" rIns="0" bIns="0" rtlCol="0"/>
             <a:lstStyle/>
-            <a:p/>
+            <a:p>
+              <a:endParaRPr/>
+            </a:p>
           </p:txBody>
         </p:sp>
         <p:pic>
@@ -16064,7 +16329,9 @@
           <p:txBody>
             <a:bodyPr wrap="square" lIns="0" tIns="0" rIns="0" bIns="0" rtlCol="0"/>
             <a:lstStyle/>
-            <a:p/>
+            <a:p>
+              <a:endParaRPr/>
+            </a:p>
           </p:txBody>
         </p:sp>
         <p:sp>
@@ -16231,7 +16498,9 @@
           <p:txBody>
             <a:bodyPr wrap="square" lIns="0" tIns="0" rIns="0" bIns="0" rtlCol="0"/>
             <a:lstStyle/>
-            <a:p/>
+            <a:p>
+              <a:endParaRPr/>
+            </a:p>
           </p:txBody>
         </p:sp>
       </p:grpSp>
@@ -16251,7 +16520,7 @@
           </a:prstGeom>
         </p:spPr>
         <p:txBody>
-          <a:bodyPr wrap="square" lIns="0" tIns="12700" rIns="0" bIns="0" rtlCol="0" vert="horz">
+          <a:bodyPr vert="horz" wrap="square" lIns="0" tIns="12700" rIns="0" bIns="0" rtlCol="0">
             <a:spAutoFit/>
           </a:bodyPr>
           <a:lstStyle/>
@@ -16270,280 +16539,280 @@
               </a:tabLst>
             </a:pPr>
             <a:r>
-              <a:rPr dirty="0" sz="1300" spc="-30" b="1">
+              <a:rPr sz="1300" b="1" spc="-30" dirty="0">
                 <a:latin typeface="Arial"/>
                 <a:cs typeface="Arial"/>
               </a:rPr>
               <a:t>Dr. </a:t>
             </a:r>
             <a:r>
-              <a:rPr dirty="0" sz="1300" spc="-5" b="1">
+              <a:rPr sz="1300" b="1" spc="-5" dirty="0">
                 <a:latin typeface="Arial"/>
                 <a:cs typeface="Arial"/>
               </a:rPr>
               <a:t>Smith along with bytecoders have devised </a:t>
             </a:r>
             <a:r>
-              <a:rPr dirty="0" sz="1300" b="1">
+              <a:rPr sz="1300" b="1" dirty="0">
                 <a:latin typeface="Arial"/>
                 <a:cs typeface="Arial"/>
               </a:rPr>
               <a:t>a </a:t>
             </a:r>
             <a:r>
-              <a:rPr dirty="0" sz="1300" spc="5" b="1">
-                <a:latin typeface="Arial"/>
-                <a:cs typeface="Arial"/>
-              </a:rPr>
-              <a:t> </a:t>
-            </a:r>
-            <a:r>
-              <a:rPr dirty="0" sz="1300" spc="-5" b="1">
+              <a:rPr sz="1300" b="1" spc="5" dirty="0">
+                <a:latin typeface="Arial"/>
+                <a:cs typeface="Arial"/>
+              </a:rPr>
+              <a:t> </a:t>
+            </a:r>
+            <a:r>
+              <a:rPr sz="1300" b="1" spc="-5" dirty="0">
                 <a:latin typeface="Arial"/>
                 <a:cs typeface="Arial"/>
               </a:rPr>
               <a:t>python machine learning model which on providing </a:t>
             </a:r>
             <a:r>
-              <a:rPr dirty="0" sz="1300" b="1">
-                <a:latin typeface="Arial"/>
-                <a:cs typeface="Arial"/>
-              </a:rPr>
-              <a:t> </a:t>
-            </a:r>
-            <a:r>
-              <a:rPr dirty="0" sz="1300" spc="-5" b="1">
+              <a:rPr sz="1300" b="1" dirty="0">
+                <a:latin typeface="Arial"/>
+                <a:cs typeface="Arial"/>
+              </a:rPr>
+              <a:t> </a:t>
+            </a:r>
+            <a:r>
+              <a:rPr sz="1300" b="1" spc="-5" dirty="0">
                 <a:latin typeface="Arial"/>
                 <a:cs typeface="Arial"/>
               </a:rPr>
               <a:t>relevant</a:t>
             </a:r>
             <a:r>
-              <a:rPr dirty="0" sz="1300" spc="335" b="1">
-                <a:latin typeface="Arial"/>
-                <a:cs typeface="Arial"/>
-              </a:rPr>
-              <a:t> </a:t>
-            </a:r>
-            <a:r>
-              <a:rPr dirty="0" sz="1300" spc="-5" b="1">
+              <a:rPr sz="1300" b="1" spc="335" dirty="0">
+                <a:latin typeface="Arial"/>
+                <a:cs typeface="Arial"/>
+              </a:rPr>
+              <a:t> </a:t>
+            </a:r>
+            <a:r>
+              <a:rPr sz="1300" b="1" spc="-5" dirty="0">
                 <a:latin typeface="Arial"/>
                 <a:cs typeface="Arial"/>
               </a:rPr>
               <a:t>patient</a:t>
             </a:r>
             <a:r>
-              <a:rPr dirty="0" sz="1300" spc="-20" b="1">
-                <a:latin typeface="Arial"/>
-                <a:cs typeface="Arial"/>
-              </a:rPr>
-              <a:t> </a:t>
-            </a:r>
-            <a:r>
-              <a:rPr dirty="0" sz="1300" spc="-5" b="1">
+              <a:rPr sz="1300" b="1" spc="-20" dirty="0">
+                <a:latin typeface="Arial"/>
+                <a:cs typeface="Arial"/>
+              </a:rPr>
+              <a:t> </a:t>
+            </a:r>
+            <a:r>
+              <a:rPr sz="1300" b="1" spc="-5" dirty="0">
                 <a:latin typeface="Arial"/>
                 <a:cs typeface="Arial"/>
               </a:rPr>
               <a:t>information</a:t>
             </a:r>
             <a:r>
-              <a:rPr dirty="0" sz="1300" spc="-15" b="1">
-                <a:latin typeface="Arial"/>
-                <a:cs typeface="Arial"/>
-              </a:rPr>
-              <a:t> </a:t>
-            </a:r>
-            <a:r>
-              <a:rPr dirty="0" sz="1300" spc="-5" b="1">
+              <a:rPr sz="1300" b="1" spc="-15" dirty="0">
+                <a:latin typeface="Arial"/>
+                <a:cs typeface="Arial"/>
+              </a:rPr>
+              <a:t> </a:t>
+            </a:r>
+            <a:r>
+              <a:rPr sz="1300" b="1" spc="-5" dirty="0">
                 <a:latin typeface="Arial"/>
                 <a:cs typeface="Arial"/>
               </a:rPr>
               <a:t>like</a:t>
             </a:r>
             <a:r>
-              <a:rPr dirty="0" sz="1300" spc="-15" b="1">
-                <a:latin typeface="Arial"/>
-                <a:cs typeface="Arial"/>
-              </a:rPr>
-              <a:t> </a:t>
-            </a:r>
-            <a:r>
-              <a:rPr dirty="0" sz="1300" spc="-10" b="1">
+              <a:rPr sz="1300" b="1" spc="-15" dirty="0">
+                <a:latin typeface="Arial"/>
+                <a:cs typeface="Arial"/>
+              </a:rPr>
+              <a:t> </a:t>
+            </a:r>
+            <a:r>
+              <a:rPr sz="1300" b="1" spc="-10" dirty="0">
                 <a:latin typeface="Arial"/>
                 <a:cs typeface="Arial"/>
               </a:rPr>
               <a:t>race,gender,age</a:t>
             </a:r>
             <a:r>
-              <a:rPr dirty="0" sz="1300" spc="45" b="1">
-                <a:latin typeface="Arial"/>
-                <a:cs typeface="Arial"/>
-              </a:rPr>
-              <a:t> </a:t>
-            </a:r>
-            <a:r>
-              <a:rPr dirty="0" sz="1300" spc="-5" b="1">
+              <a:rPr sz="1300" b="1" spc="45" dirty="0">
+                <a:latin typeface="Arial"/>
+                <a:cs typeface="Arial"/>
+              </a:rPr>
+              <a:t> </a:t>
+            </a:r>
+            <a:r>
+              <a:rPr sz="1300" b="1" spc="-5" dirty="0">
                 <a:latin typeface="Arial"/>
                 <a:cs typeface="Arial"/>
               </a:rPr>
               <a:t>etc </a:t>
             </a:r>
             <a:r>
-              <a:rPr dirty="0" sz="1300" spc="-345" b="1">
-                <a:latin typeface="Arial"/>
-                <a:cs typeface="Arial"/>
-              </a:rPr>
-              <a:t> </a:t>
-            </a:r>
-            <a:r>
-              <a:rPr dirty="0" sz="1300" spc="-5" b="1">
+              <a:rPr sz="1300" b="1" spc="-345" dirty="0">
+                <a:latin typeface="Arial"/>
+                <a:cs typeface="Arial"/>
+              </a:rPr>
+              <a:t> </a:t>
+            </a:r>
+            <a:r>
+              <a:rPr sz="1300" b="1" spc="-5" dirty="0">
                 <a:latin typeface="Arial"/>
                 <a:cs typeface="Arial"/>
               </a:rPr>
               <a:t>can</a:t>
             </a:r>
             <a:r>
-              <a:rPr dirty="0" sz="1300" spc="60" b="1">
-                <a:latin typeface="Arial"/>
-                <a:cs typeface="Arial"/>
-              </a:rPr>
-              <a:t> </a:t>
-            </a:r>
-            <a:r>
-              <a:rPr dirty="0" sz="1300" spc="-5" b="1">
+              <a:rPr sz="1300" b="1" spc="60" dirty="0">
+                <a:latin typeface="Arial"/>
+                <a:cs typeface="Arial"/>
+              </a:rPr>
+              <a:t> </a:t>
+            </a:r>
+            <a:r>
+              <a:rPr sz="1300" b="1" spc="-5" dirty="0">
                 <a:latin typeface="Arial"/>
                 <a:cs typeface="Arial"/>
               </a:rPr>
               <a:t>predict</a:t>
             </a:r>
             <a:r>
-              <a:rPr dirty="0" sz="1300" spc="65" b="1">
-                <a:latin typeface="Arial"/>
-                <a:cs typeface="Arial"/>
-              </a:rPr>
-              <a:t> </a:t>
-            </a:r>
-            <a:r>
-              <a:rPr dirty="0" sz="1300" spc="-5" b="1">
+              <a:rPr sz="1300" b="1" spc="65" dirty="0">
+                <a:latin typeface="Arial"/>
+                <a:cs typeface="Arial"/>
+              </a:rPr>
+              <a:t> </a:t>
+            </a:r>
+            <a:r>
+              <a:rPr sz="1300" b="1" spc="-5" dirty="0">
                 <a:latin typeface="Arial"/>
                 <a:cs typeface="Arial"/>
               </a:rPr>
               <a:t>whether</a:t>
             </a:r>
             <a:r>
-              <a:rPr dirty="0" sz="1300" spc="65" b="1">
-                <a:latin typeface="Arial"/>
-                <a:cs typeface="Arial"/>
-              </a:rPr>
-              <a:t> </a:t>
-            </a:r>
-            <a:r>
-              <a:rPr dirty="0" sz="1300" b="1">
+              <a:rPr sz="1300" b="1" spc="65" dirty="0">
+                <a:latin typeface="Arial"/>
+                <a:cs typeface="Arial"/>
+              </a:rPr>
+              <a:t> </a:t>
+            </a:r>
+            <a:r>
+              <a:rPr sz="1300" b="1" dirty="0">
                 <a:latin typeface="Arial"/>
                 <a:cs typeface="Arial"/>
               </a:rPr>
               <a:t>a</a:t>
             </a:r>
             <a:r>
-              <a:rPr dirty="0" sz="1300" spc="65" b="1">
-                <a:latin typeface="Arial"/>
-                <a:cs typeface="Arial"/>
-              </a:rPr>
-              <a:t> </a:t>
-            </a:r>
-            <a:r>
-              <a:rPr dirty="0" sz="1300" spc="-5" b="1">
+              <a:rPr sz="1300" b="1" spc="65" dirty="0">
+                <a:latin typeface="Arial"/>
+                <a:cs typeface="Arial"/>
+              </a:rPr>
+              <a:t> </a:t>
+            </a:r>
+            <a:r>
+              <a:rPr sz="1300" b="1" spc="-5" dirty="0">
                 <a:latin typeface="Arial"/>
                 <a:cs typeface="Arial"/>
               </a:rPr>
               <a:t>patient</a:t>
             </a:r>
             <a:r>
-              <a:rPr dirty="0" sz="1300" spc="65" b="1">
-                <a:latin typeface="Arial"/>
-                <a:cs typeface="Arial"/>
-              </a:rPr>
-              <a:t> </a:t>
-            </a:r>
-            <a:r>
-              <a:rPr dirty="0" sz="1300" spc="-5" b="1">
+              <a:rPr sz="1300" b="1" spc="65" dirty="0">
+                <a:latin typeface="Arial"/>
+                <a:cs typeface="Arial"/>
+              </a:rPr>
+              <a:t> </a:t>
+            </a:r>
+            <a:r>
+              <a:rPr sz="1300" b="1" spc="-5" dirty="0">
                 <a:latin typeface="Arial"/>
                 <a:cs typeface="Arial"/>
               </a:rPr>
               <a:t>can</a:t>
             </a:r>
             <a:r>
-              <a:rPr dirty="0" sz="1300" spc="60" b="1">
-                <a:latin typeface="Arial"/>
-                <a:cs typeface="Arial"/>
-              </a:rPr>
-              <a:t> </a:t>
-            </a:r>
-            <a:r>
-              <a:rPr dirty="0" sz="1300" spc="-5" b="1">
+              <a:rPr sz="1300" b="1" spc="60" dirty="0">
+                <a:latin typeface="Arial"/>
+                <a:cs typeface="Arial"/>
+              </a:rPr>
+              <a:t> </a:t>
+            </a:r>
+            <a:r>
+              <a:rPr sz="1300" b="1" spc="-5" dirty="0">
                 <a:latin typeface="Arial"/>
                 <a:cs typeface="Arial"/>
               </a:rPr>
               <a:t>be</a:t>
             </a:r>
             <a:r>
-              <a:rPr dirty="0" sz="1300" spc="65" b="1">
-                <a:latin typeface="Arial"/>
-                <a:cs typeface="Arial"/>
-              </a:rPr>
-              <a:t> </a:t>
-            </a:r>
-            <a:r>
-              <a:rPr dirty="0" sz="1300" spc="-5" b="1">
+              <a:rPr sz="1300" b="1" spc="65" dirty="0">
+                <a:latin typeface="Arial"/>
+                <a:cs typeface="Arial"/>
+              </a:rPr>
+              <a:t> </a:t>
+            </a:r>
+            <a:r>
+              <a:rPr sz="1300" b="1" spc="-5" dirty="0">
                 <a:latin typeface="Arial"/>
                 <a:cs typeface="Arial"/>
               </a:rPr>
               <a:t>non</a:t>
             </a:r>
             <a:r>
-              <a:rPr dirty="0" sz="1300" spc="65" b="1">
-                <a:latin typeface="Arial"/>
-                <a:cs typeface="Arial"/>
-              </a:rPr>
-              <a:t> </a:t>
-            </a:r>
-            <a:r>
-              <a:rPr dirty="0" sz="1300" spc="-5" b="1">
+              <a:rPr sz="1300" b="1" spc="65" dirty="0">
+                <a:latin typeface="Arial"/>
+                <a:cs typeface="Arial"/>
+              </a:rPr>
+              <a:t> </a:t>
+            </a:r>
+            <a:r>
+              <a:rPr sz="1300" b="1" spc="-5" dirty="0">
                 <a:latin typeface="Arial"/>
                 <a:cs typeface="Arial"/>
               </a:rPr>
               <a:t>adherent </a:t>
             </a:r>
             <a:r>
-              <a:rPr dirty="0" sz="1300" b="1">
-                <a:latin typeface="Arial"/>
-                <a:cs typeface="Arial"/>
-              </a:rPr>
-              <a:t> </a:t>
-            </a:r>
-            <a:r>
-              <a:rPr dirty="0" sz="1300" spc="-5" b="1">
+              <a:rPr sz="1300" b="1" dirty="0">
+                <a:latin typeface="Arial"/>
+                <a:cs typeface="Arial"/>
+              </a:rPr>
+              <a:t> </a:t>
+            </a:r>
+            <a:r>
+              <a:rPr sz="1300" b="1" spc="-5" dirty="0">
                 <a:latin typeface="Arial"/>
                 <a:cs typeface="Arial"/>
               </a:rPr>
               <a:t>in</a:t>
             </a:r>
             <a:r>
-              <a:rPr dirty="0" sz="1300" spc="-10" b="1">
-                <a:latin typeface="Arial"/>
-                <a:cs typeface="Arial"/>
-              </a:rPr>
-              <a:t> </a:t>
-            </a:r>
-            <a:r>
-              <a:rPr dirty="0" sz="1300" spc="-5" b="1">
+              <a:rPr sz="1300" b="1" spc="-10" dirty="0">
+                <a:latin typeface="Arial"/>
+                <a:cs typeface="Arial"/>
+              </a:rPr>
+              <a:t> </a:t>
+            </a:r>
+            <a:r>
+              <a:rPr sz="1300" b="1" spc="-5" dirty="0">
                 <a:latin typeface="Arial"/>
                 <a:cs typeface="Arial"/>
               </a:rPr>
               <a:t>coming </a:t>
             </a:r>
             <a:r>
-              <a:rPr dirty="0" sz="1300" b="1">
+              <a:rPr sz="1300" b="1" dirty="0">
                 <a:latin typeface="Arial"/>
                 <a:cs typeface="Arial"/>
               </a:rPr>
@@ -16582,133 +16851,133 @@
               </a:tabLst>
             </a:pPr>
             <a:r>
-              <a:rPr dirty="0" sz="1300" spc="-5" b="1">
+              <a:rPr sz="1300" b="1" spc="-5" dirty="0">
                 <a:latin typeface="Arial"/>
                 <a:cs typeface="Arial"/>
               </a:rPr>
               <a:t>Along with </a:t>
             </a:r>
             <a:r>
-              <a:rPr dirty="0" sz="1300" b="1">
+              <a:rPr sz="1300" b="1" dirty="0">
                 <a:latin typeface="Arial"/>
                 <a:cs typeface="Arial"/>
               </a:rPr>
               <a:t>this a </a:t>
             </a:r>
             <a:r>
-              <a:rPr dirty="0" sz="1300" spc="-5" b="1">
+              <a:rPr sz="1300" b="1" spc="-5" dirty="0">
                 <a:latin typeface="Arial"/>
                 <a:cs typeface="Arial"/>
               </a:rPr>
               <a:t>detailed analysis of </a:t>
             </a:r>
             <a:r>
-              <a:rPr dirty="0" sz="1300" b="1">
+              <a:rPr sz="1300" b="1" dirty="0">
                 <a:latin typeface="Arial"/>
                 <a:cs typeface="Arial"/>
               </a:rPr>
               <a:t>the </a:t>
             </a:r>
             <a:r>
-              <a:rPr dirty="0" sz="1300" spc="-5" b="1">
+              <a:rPr sz="1300" b="1" spc="-5" dirty="0">
                 <a:latin typeface="Arial"/>
                 <a:cs typeface="Arial"/>
               </a:rPr>
               <a:t>patient </a:t>
             </a:r>
             <a:r>
-              <a:rPr dirty="0" sz="1300" b="1">
-                <a:latin typeface="Arial"/>
-                <a:cs typeface="Arial"/>
-              </a:rPr>
-              <a:t> </a:t>
-            </a:r>
-            <a:r>
-              <a:rPr dirty="0" sz="1300" spc="-5" b="1">
+              <a:rPr sz="1300" b="1" dirty="0">
+                <a:latin typeface="Arial"/>
+                <a:cs typeface="Arial"/>
+              </a:rPr>
+              <a:t> </a:t>
+            </a:r>
+            <a:r>
+              <a:rPr sz="1300" b="1" spc="-5" dirty="0">
                 <a:latin typeface="Arial"/>
                 <a:cs typeface="Arial"/>
               </a:rPr>
               <a:t>mass is also performed </a:t>
             </a:r>
             <a:r>
-              <a:rPr dirty="0" sz="1300" b="1">
+              <a:rPr sz="1300" b="1" dirty="0">
                 <a:latin typeface="Arial"/>
                 <a:cs typeface="Arial"/>
               </a:rPr>
               <a:t>that </a:t>
             </a:r>
             <a:r>
-              <a:rPr dirty="0" sz="1300" spc="-5" b="1">
+              <a:rPr sz="1300" b="1" spc="-5" dirty="0">
                 <a:latin typeface="Arial"/>
                 <a:cs typeface="Arial"/>
               </a:rPr>
               <a:t>gives an overview </a:t>
             </a:r>
             <a:r>
-              <a:rPr dirty="0" sz="1300" b="1">
+              <a:rPr sz="1300" b="1" dirty="0">
                 <a:latin typeface="Arial"/>
                 <a:cs typeface="Arial"/>
               </a:rPr>
               <a:t>for </a:t>
             </a:r>
             <a:r>
-              <a:rPr dirty="0" sz="1300" spc="-350" b="1">
-                <a:latin typeface="Arial"/>
-                <a:cs typeface="Arial"/>
-              </a:rPr>
-              <a:t> </a:t>
-            </a:r>
-            <a:r>
-              <a:rPr dirty="0" sz="1300" b="1">
+              <a:rPr sz="1300" b="1" spc="-350" dirty="0">
+                <a:latin typeface="Arial"/>
+                <a:cs typeface="Arial"/>
+              </a:rPr>
+              <a:t> </a:t>
+            </a:r>
+            <a:r>
+              <a:rPr sz="1300" b="1" dirty="0">
                 <a:latin typeface="Arial"/>
                 <a:cs typeface="Arial"/>
               </a:rPr>
               <a:t>the</a:t>
             </a:r>
             <a:r>
-              <a:rPr dirty="0" sz="1300" spc="-10" b="1">
-                <a:latin typeface="Arial"/>
-                <a:cs typeface="Arial"/>
-              </a:rPr>
-              <a:t> </a:t>
-            </a:r>
-            <a:r>
-              <a:rPr dirty="0" sz="1300" spc="-5" b="1">
+              <a:rPr sz="1300" b="1" spc="-10" dirty="0">
+                <a:latin typeface="Arial"/>
+                <a:cs typeface="Arial"/>
+              </a:rPr>
+              <a:t> </a:t>
+            </a:r>
+            <a:r>
+              <a:rPr sz="1300" b="1" spc="-5" dirty="0">
                 <a:latin typeface="Arial"/>
                 <a:cs typeface="Arial"/>
               </a:rPr>
               <a:t>base of</a:t>
             </a:r>
             <a:r>
-              <a:rPr dirty="0" sz="1300" spc="-10" b="1">
-                <a:latin typeface="Arial"/>
-                <a:cs typeface="Arial"/>
-              </a:rPr>
-              <a:t> </a:t>
-            </a:r>
-            <a:r>
-              <a:rPr dirty="0" sz="1300" b="1">
+              <a:rPr sz="1300" b="1" spc="-10" dirty="0">
+                <a:latin typeface="Arial"/>
+                <a:cs typeface="Arial"/>
+              </a:rPr>
+              <a:t> </a:t>
+            </a:r>
+            <a:r>
+              <a:rPr sz="1300" b="1" dirty="0">
                 <a:latin typeface="Arial"/>
                 <a:cs typeface="Arial"/>
               </a:rPr>
               <a:t>the</a:t>
             </a:r>
             <a:r>
-              <a:rPr dirty="0" sz="1300" spc="-5" b="1">
+              <a:rPr sz="1300" b="1" spc="-5" dirty="0">
                 <a:latin typeface="Arial"/>
                 <a:cs typeface="Arial"/>
               </a:rPr>
               <a:t> above</a:t>
             </a:r>
             <a:r>
-              <a:rPr dirty="0" sz="1300" spc="-10" b="1">
-                <a:latin typeface="Arial"/>
-                <a:cs typeface="Arial"/>
-              </a:rPr>
-              <a:t> </a:t>
-            </a:r>
-            <a:r>
-              <a:rPr dirty="0" sz="1300" spc="-5" b="1">
+              <a:rPr sz="1300" b="1" spc="-10" dirty="0">
+                <a:latin typeface="Arial"/>
+                <a:cs typeface="Arial"/>
+              </a:rPr>
+              <a:t> </a:t>
+            </a:r>
+            <a:r>
+              <a:rPr sz="1300" b="1" spc="-5" dirty="0">
                 <a:latin typeface="Arial"/>
                 <a:cs typeface="Arial"/>
               </a:rPr>
@@ -16737,7 +17006,7 @@
           </a:prstGeom>
         </p:spPr>
         <p:txBody>
-          <a:bodyPr wrap="square" lIns="0" tIns="12700" rIns="0" bIns="0" rtlCol="0" vert="horz">
+          <a:bodyPr vert="horz" wrap="square" lIns="0" tIns="12700" rIns="0" bIns="0" rtlCol="0">
             <a:spAutoFit/>
           </a:bodyPr>
           <a:lstStyle/>
@@ -16751,7 +17020,7 @@
               </a:spcBef>
             </a:pPr>
             <a:r>
-              <a:rPr dirty="0" sz="3300" b="1">
+              <a:rPr sz="3300" b="1" dirty="0">
                 <a:solidFill>
                   <a:srgbClr val="FFFFFF"/>
                 </a:solidFill>
@@ -16889,7 +17158,7 @@
           </a:prstGeom>
         </p:spPr>
         <p:txBody>
-          <a:bodyPr wrap="square" lIns="0" tIns="2540" rIns="0" bIns="0" rtlCol="0" vert="vert">
+          <a:bodyPr vert="vert" wrap="square" lIns="0" tIns="2540" rIns="0" bIns="0" rtlCol="0">
             <a:spAutoFit/>
           </a:bodyPr>
           <a:lstStyle/>
@@ -16903,7 +17172,7 @@
               </a:spcBef>
             </a:pPr>
             <a:r>
-              <a:rPr dirty="0" sz="1400" spc="-5" b="1">
+              <a:rPr sz="1400" b="1" spc="-5" dirty="0">
                 <a:solidFill>
                   <a:srgbClr val="FFFFFF"/>
                 </a:solidFill>
@@ -16913,7 +17182,7 @@
               <a:t>PROBLEM </a:t>
             </a:r>
             <a:r>
-              <a:rPr dirty="0" sz="1400" b="1">
+              <a:rPr sz="1400" b="1" dirty="0">
                 <a:solidFill>
                   <a:srgbClr val="FFFFFF"/>
                 </a:solidFill>
@@ -16923,7 +17192,7 @@
               <a:t> </a:t>
             </a:r>
             <a:r>
-              <a:rPr dirty="0" sz="1400" spc="-5" b="1">
+              <a:rPr sz="1400" b="1" spc="-5" dirty="0">
                 <a:solidFill>
                   <a:srgbClr val="FFFFFF"/>
                 </a:solidFill>
@@ -16933,7 +17202,7 @@
               <a:t>S</a:t>
             </a:r>
             <a:r>
-              <a:rPr dirty="0" sz="1400" spc="-105" b="1">
+              <a:rPr sz="1400" b="1" spc="-105" dirty="0">
                 <a:solidFill>
                   <a:srgbClr val="FFFFFF"/>
                 </a:solidFill>
@@ -16943,7 +17212,7 @@
               <a:t>TA</a:t>
             </a:r>
             <a:r>
-              <a:rPr dirty="0" sz="1400" spc="-5" b="1">
+              <a:rPr sz="1400" b="1" spc="-5" dirty="0">
                 <a:solidFill>
                   <a:srgbClr val="FFFFFF"/>
                 </a:solidFill>
@@ -16967,7 +17236,7 @@
               </a:spcBef>
             </a:pPr>
             <a:r>
-              <a:rPr dirty="0" sz="1400" spc="-5" b="1">
+              <a:rPr sz="1400" b="1" spc="-5" dirty="0">
                 <a:solidFill>
                   <a:srgbClr val="FFFFFF"/>
                 </a:solidFill>
@@ -17064,7 +17333,9 @@
           <p:txBody>
             <a:bodyPr wrap="square" lIns="0" tIns="0" rIns="0" bIns="0" rtlCol="0"/>
             <a:lstStyle/>
-            <a:p/>
+            <a:p>
+              <a:endParaRPr/>
+            </a:p>
           </p:txBody>
         </p:sp>
         <p:sp>
@@ -17307,7 +17578,9 @@
           <p:txBody>
             <a:bodyPr wrap="square" lIns="0" tIns="0" rIns="0" bIns="0" rtlCol="0"/>
             <a:lstStyle/>
-            <a:p/>
+            <a:p>
+              <a:endParaRPr/>
+            </a:p>
           </p:txBody>
         </p:sp>
       </p:grpSp>
@@ -17327,7 +17600,7 @@
           </a:prstGeom>
         </p:spPr>
         <p:txBody>
-          <a:bodyPr wrap="square" lIns="0" tIns="0" rIns="0" bIns="0" rtlCol="0" vert="vert">
+          <a:bodyPr vert="vert" wrap="square" lIns="0" tIns="0" rIns="0" bIns="0" rtlCol="0">
             <a:spAutoFit/>
           </a:bodyPr>
           <a:lstStyle/>
@@ -17338,7 +17611,7 @@
               </a:lnSpc>
             </a:pPr>
             <a:r>
-              <a:rPr dirty="0" sz="1400" spc="-5" b="1">
+              <a:rPr sz="1400" b="1" spc="-5" dirty="0">
                 <a:solidFill>
                   <a:srgbClr val="FFFFFF"/>
                 </a:solidFill>
@@ -17348,7 +17621,7 @@
               <a:t>USE</a:t>
             </a:r>
             <a:r>
-              <a:rPr dirty="0" sz="1400" spc="-75" b="1">
+              <a:rPr sz="1400" b="1" spc="-75" dirty="0">
                 <a:solidFill>
                   <a:srgbClr val="FFFFFF"/>
                 </a:solidFill>
@@ -17358,7 +17631,7 @@
               <a:t> </a:t>
             </a:r>
             <a:r>
-              <a:rPr dirty="0" sz="1400" spc="-5" b="1">
+              <a:rPr sz="1400" b="1" spc="-5" dirty="0">
                 <a:solidFill>
                   <a:srgbClr val="FFFFFF"/>
                 </a:solidFill>
@@ -17455,7 +17728,9 @@
           <p:txBody>
             <a:bodyPr wrap="square" lIns="0" tIns="0" rIns="0" bIns="0" rtlCol="0"/>
             <a:lstStyle/>
-            <a:p/>
+            <a:p>
+              <a:endParaRPr/>
+            </a:p>
           </p:txBody>
         </p:sp>
         <p:sp>
@@ -17698,7 +17973,9 @@
           <p:txBody>
             <a:bodyPr wrap="square" lIns="0" tIns="0" rIns="0" bIns="0" rtlCol="0"/>
             <a:lstStyle/>
-            <a:p/>
+            <a:p>
+              <a:endParaRPr/>
+            </a:p>
           </p:txBody>
         </p:sp>
       </p:grpSp>
@@ -17718,7 +17995,7 @@
           </a:prstGeom>
         </p:spPr>
         <p:txBody>
-          <a:bodyPr wrap="square" lIns="0" tIns="0" rIns="0" bIns="0" rtlCol="0" vert="vert">
+          <a:bodyPr vert="vert" wrap="square" lIns="0" tIns="0" rIns="0" bIns="0" rtlCol="0">
             <a:spAutoFit/>
           </a:bodyPr>
           <a:lstStyle/>
@@ -17729,7 +18006,7 @@
               </a:lnSpc>
             </a:pPr>
             <a:r>
-              <a:rPr dirty="0" sz="1400" spc="-25" b="1">
+              <a:rPr sz="1400" b="1" spc="-25" dirty="0">
                 <a:solidFill>
                   <a:srgbClr val="FFFFFF"/>
                 </a:solidFill>
@@ -17761,7 +18038,7 @@
           </a:prstGeom>
         </p:spPr>
         <p:txBody>
-          <a:bodyPr wrap="square" lIns="0" tIns="12700" rIns="0" bIns="0" rtlCol="0" vert="horz">
+          <a:bodyPr vert="horz" wrap="square" lIns="0" tIns="12700" rIns="0" bIns="0" rtlCol="0">
             <a:spAutoFit/>
           </a:bodyPr>
           <a:lstStyle/>
@@ -17775,49 +18052,49 @@
               </a:spcBef>
             </a:pPr>
             <a:r>
-              <a:rPr dirty="0" sz="1500" spc="-20" b="1">
+              <a:rPr sz="1500" b="1" spc="-20" dirty="0">
                 <a:latin typeface="Arial"/>
                 <a:cs typeface="Arial"/>
               </a:rPr>
               <a:t>DETAILED</a:t>
             </a:r>
             <a:r>
-              <a:rPr dirty="0" sz="1500" spc="-75" b="1">
-                <a:latin typeface="Arial"/>
-                <a:cs typeface="Arial"/>
-              </a:rPr>
-              <a:t> </a:t>
-            </a:r>
-            <a:r>
-              <a:rPr dirty="0" sz="1500" spc="-25" b="1">
+              <a:rPr sz="1500" b="1" spc="-75" dirty="0">
+                <a:latin typeface="Arial"/>
+                <a:cs typeface="Arial"/>
+              </a:rPr>
+              <a:t> </a:t>
+            </a:r>
+            <a:r>
+              <a:rPr sz="1500" b="1" spc="-25" dirty="0">
                 <a:latin typeface="Arial"/>
                 <a:cs typeface="Arial"/>
               </a:rPr>
               <a:t>ANALYSIS</a:t>
             </a:r>
             <a:r>
-              <a:rPr dirty="0" sz="1500" spc="-20" b="1">
-                <a:latin typeface="Arial"/>
-                <a:cs typeface="Arial"/>
-              </a:rPr>
-              <a:t> </a:t>
-            </a:r>
-            <a:r>
-              <a:rPr dirty="0" sz="1500" spc="-5" b="1">
+              <a:rPr sz="1500" b="1" spc="-20" dirty="0">
+                <a:latin typeface="Arial"/>
+                <a:cs typeface="Arial"/>
+              </a:rPr>
+              <a:t> </a:t>
+            </a:r>
+            <a:r>
+              <a:rPr sz="1500" b="1" spc="-5" dirty="0">
                 <a:latin typeface="Arial"/>
                 <a:cs typeface="Arial"/>
               </a:rPr>
               <a:t>OF</a:t>
             </a:r>
             <a:r>
-              <a:rPr dirty="0" sz="1500" spc="-20" b="1">
-                <a:latin typeface="Arial"/>
-                <a:cs typeface="Arial"/>
-              </a:rPr>
-              <a:t> </a:t>
-            </a:r>
-            <a:r>
-              <a:rPr dirty="0" sz="1500" spc="-5" b="1">
+              <a:rPr sz="1500" b="1" spc="-20" dirty="0">
+                <a:latin typeface="Arial"/>
+                <a:cs typeface="Arial"/>
+              </a:rPr>
+              <a:t> </a:t>
+            </a:r>
+            <a:r>
+              <a:rPr sz="1500" b="1" spc="-5" dirty="0">
                 <a:latin typeface="Arial"/>
                 <a:cs typeface="Arial"/>
               </a:rPr>
@@ -18018,7 +18295,7 @@
           </a:prstGeom>
         </p:spPr>
         <p:txBody>
-          <a:bodyPr wrap="square" lIns="0" tIns="2540" rIns="0" bIns="0" rtlCol="0" vert="vert">
+          <a:bodyPr vert="vert" wrap="square" lIns="0" tIns="2540" rIns="0" bIns="0" rtlCol="0">
             <a:spAutoFit/>
           </a:bodyPr>
           <a:lstStyle/>
@@ -18032,7 +18309,7 @@
               </a:spcBef>
             </a:pPr>
             <a:r>
-              <a:rPr dirty="0" sz="1400" spc="-5" b="1">
+              <a:rPr sz="1400" b="1" spc="-5" dirty="0">
                 <a:solidFill>
                   <a:srgbClr val="FFFFFF"/>
                 </a:solidFill>
@@ -18042,7 +18319,7 @@
               <a:t>PROBLEM </a:t>
             </a:r>
             <a:r>
-              <a:rPr dirty="0" sz="1400" b="1">
+              <a:rPr sz="1400" b="1" dirty="0">
                 <a:solidFill>
                   <a:srgbClr val="FFFFFF"/>
                 </a:solidFill>
@@ -18052,7 +18329,7 @@
               <a:t> </a:t>
             </a:r>
             <a:r>
-              <a:rPr dirty="0" sz="1400" spc="-5" b="1">
+              <a:rPr sz="1400" b="1" spc="-5" dirty="0">
                 <a:solidFill>
                   <a:srgbClr val="FFFFFF"/>
                 </a:solidFill>
@@ -18062,7 +18339,7 @@
               <a:t>S</a:t>
             </a:r>
             <a:r>
-              <a:rPr dirty="0" sz="1400" spc="-105" b="1">
+              <a:rPr sz="1400" b="1" spc="-105" dirty="0">
                 <a:solidFill>
                   <a:srgbClr val="FFFFFF"/>
                 </a:solidFill>
@@ -18072,7 +18349,7 @@
               <a:t>TA</a:t>
             </a:r>
             <a:r>
-              <a:rPr dirty="0" sz="1400" spc="-5" b="1">
+              <a:rPr sz="1400" b="1" spc="-5" dirty="0">
                 <a:solidFill>
                   <a:srgbClr val="FFFFFF"/>
                 </a:solidFill>
@@ -18096,7 +18373,7 @@
               </a:spcBef>
             </a:pPr>
             <a:r>
-              <a:rPr dirty="0" sz="1400" spc="-5" b="1">
+              <a:rPr sz="1400" b="1" spc="-5" dirty="0">
                 <a:solidFill>
                   <a:srgbClr val="FFFFFF"/>
                 </a:solidFill>
@@ -18193,7 +18470,9 @@
           <p:txBody>
             <a:bodyPr wrap="square" lIns="0" tIns="0" rIns="0" bIns="0" rtlCol="0"/>
             <a:lstStyle/>
-            <a:p/>
+            <a:p>
+              <a:endParaRPr/>
+            </a:p>
           </p:txBody>
         </p:sp>
         <p:sp>
@@ -18436,7 +18715,9 @@
           <p:txBody>
             <a:bodyPr wrap="square" lIns="0" tIns="0" rIns="0" bIns="0" rtlCol="0"/>
             <a:lstStyle/>
-            <a:p/>
+            <a:p>
+              <a:endParaRPr/>
+            </a:p>
           </p:txBody>
         </p:sp>
       </p:grpSp>
@@ -18456,7 +18737,7 @@
           </a:prstGeom>
         </p:spPr>
         <p:txBody>
-          <a:bodyPr wrap="square" lIns="0" tIns="1905" rIns="0" bIns="0" rtlCol="0" vert="vert">
+          <a:bodyPr vert="vert" wrap="square" lIns="0" tIns="1905" rIns="0" bIns="0" rtlCol="0">
             <a:spAutoFit/>
           </a:bodyPr>
           <a:lstStyle/>
@@ -18470,7 +18751,7 @@
               </a:spcBef>
             </a:pPr>
             <a:r>
-              <a:rPr dirty="0" sz="1500" spc="-5" b="1">
+              <a:rPr sz="1500" b="1" spc="-5" dirty="0">
                 <a:solidFill>
                   <a:srgbClr val="FFFFFF"/>
                 </a:solidFill>
@@ -18480,7 +18761,7 @@
               <a:t>USE </a:t>
             </a:r>
             <a:r>
-              <a:rPr dirty="0" sz="1500" b="1">
+              <a:rPr sz="1500" b="1" dirty="0">
                 <a:solidFill>
                   <a:srgbClr val="FFFFFF"/>
                 </a:solidFill>
@@ -18490,7 +18771,7 @@
               <a:t> </a:t>
             </a:r>
             <a:r>
-              <a:rPr dirty="0" sz="1500" spc="-5" b="1">
+              <a:rPr sz="1500" b="1" spc="-5" dirty="0">
                 <a:solidFill>
                   <a:srgbClr val="FFFFFF"/>
                 </a:solidFill>
@@ -18587,7 +18868,9 @@
           <p:txBody>
             <a:bodyPr wrap="square" lIns="0" tIns="0" rIns="0" bIns="0" rtlCol="0"/>
             <a:lstStyle/>
-            <a:p/>
+            <a:p>
+              <a:endParaRPr/>
+            </a:p>
           </p:txBody>
         </p:sp>
         <p:sp>
@@ -18830,7 +19113,9 @@
           <p:txBody>
             <a:bodyPr wrap="square" lIns="0" tIns="0" rIns="0" bIns="0" rtlCol="0"/>
             <a:lstStyle/>
-            <a:p/>
+            <a:p>
+              <a:endParaRPr/>
+            </a:p>
           </p:txBody>
         </p:sp>
       </p:grpSp>
@@ -18850,7 +19135,7 @@
           </a:prstGeom>
         </p:spPr>
         <p:txBody>
-          <a:bodyPr wrap="square" lIns="0" tIns="0" rIns="0" bIns="0" rtlCol="0" vert="vert">
+          <a:bodyPr vert="vert" wrap="square" lIns="0" tIns="0" rIns="0" bIns="0" rtlCol="0">
             <a:spAutoFit/>
           </a:bodyPr>
           <a:lstStyle/>
@@ -18861,7 +19146,7 @@
               </a:lnSpc>
             </a:pPr>
             <a:r>
-              <a:rPr dirty="0" sz="1400" spc="-25" b="1">
+              <a:rPr sz="1400" b="1" spc="-25" dirty="0">
                 <a:solidFill>
                   <a:srgbClr val="FFFFFF"/>
                 </a:solidFill>
@@ -19383,7 +19668,9 @@
           <p:txBody>
             <a:bodyPr wrap="square" lIns="0" tIns="0" rIns="0" bIns="0" rtlCol="0"/>
             <a:lstStyle/>
-            <a:p/>
+            <a:p>
+              <a:endParaRPr/>
+            </a:p>
           </p:txBody>
         </p:sp>
         <p:pic>
@@ -19570,7 +19857,9 @@
           <p:txBody>
             <a:bodyPr wrap="square" lIns="0" tIns="0" rIns="0" bIns="0" rtlCol="0"/>
             <a:lstStyle/>
-            <a:p/>
+            <a:p>
+              <a:endParaRPr/>
+            </a:p>
           </p:txBody>
         </p:sp>
         <p:sp>
@@ -19737,7 +20026,9 @@
           <p:txBody>
             <a:bodyPr wrap="square" lIns="0" tIns="0" rIns="0" bIns="0" rtlCol="0"/>
             <a:lstStyle/>
-            <a:p/>
+            <a:p>
+              <a:endParaRPr/>
+            </a:p>
           </p:txBody>
         </p:sp>
       </p:grpSp>
@@ -19757,7 +20048,7 @@
           </a:prstGeom>
         </p:spPr>
         <p:txBody>
-          <a:bodyPr wrap="square" lIns="0" tIns="12700" rIns="0" bIns="0" rtlCol="0" vert="horz">
+          <a:bodyPr vert="horz" wrap="square" lIns="0" tIns="12700" rIns="0" bIns="0" rtlCol="0">
             <a:spAutoFit/>
           </a:bodyPr>
           <a:lstStyle/>
@@ -19776,231 +20067,231 @@
               </a:tabLst>
             </a:pPr>
             <a:r>
-              <a:rPr dirty="0" sz="1300" spc="-15" b="1">
+              <a:rPr sz="1300" b="1" spc="-15" dirty="0">
                 <a:latin typeface="Arial"/>
                 <a:cs typeface="Arial"/>
               </a:rPr>
               <a:t>Lisa’s </a:t>
             </a:r>
             <a:r>
-              <a:rPr dirty="0" sz="1300" spc="-5" b="1">
+              <a:rPr sz="1300" b="1" spc="-5" dirty="0">
                 <a:latin typeface="Arial"/>
                 <a:cs typeface="Arial"/>
               </a:rPr>
               <a:t>medication</a:t>
             </a:r>
             <a:r>
-              <a:rPr dirty="0" sz="1300" spc="-10" b="1">
-                <a:latin typeface="Arial"/>
-                <a:cs typeface="Arial"/>
-              </a:rPr>
-              <a:t> </a:t>
-            </a:r>
-            <a:r>
-              <a:rPr dirty="0" sz="1300" spc="-5" b="1">
+              <a:rPr sz="1300" b="1" spc="-10" dirty="0">
+                <a:latin typeface="Arial"/>
+                <a:cs typeface="Arial"/>
+              </a:rPr>
+              <a:t> </a:t>
+            </a:r>
+            <a:r>
+              <a:rPr sz="1300" b="1" spc="-5" dirty="0">
                 <a:latin typeface="Arial"/>
                 <a:cs typeface="Arial"/>
               </a:rPr>
               <a:t>is</a:t>
             </a:r>
             <a:r>
-              <a:rPr dirty="0" sz="1300" spc="-10" b="1">
-                <a:latin typeface="Arial"/>
-                <a:cs typeface="Arial"/>
-              </a:rPr>
-              <a:t> </a:t>
-            </a:r>
-            <a:r>
-              <a:rPr dirty="0" sz="1300" spc="-5" b="1">
+              <a:rPr sz="1300" b="1" spc="-10" dirty="0">
+                <a:latin typeface="Arial"/>
+                <a:cs typeface="Arial"/>
+              </a:rPr>
+              <a:t> </a:t>
+            </a:r>
+            <a:r>
+              <a:rPr sz="1300" b="1" spc="-5" dirty="0">
                 <a:latin typeface="Arial"/>
                 <a:cs typeface="Arial"/>
               </a:rPr>
               <a:t>in</a:t>
             </a:r>
             <a:r>
-              <a:rPr dirty="0" sz="1300" spc="-10" b="1">
-                <a:latin typeface="Arial"/>
-                <a:cs typeface="Arial"/>
-              </a:rPr>
-              <a:t> </a:t>
-            </a:r>
-            <a:r>
-              <a:rPr dirty="0" sz="1300" spc="-5" b="1">
+              <a:rPr sz="1300" b="1" spc="-10" dirty="0">
+                <a:latin typeface="Arial"/>
+                <a:cs typeface="Arial"/>
+              </a:rPr>
+              <a:t> </a:t>
+            </a:r>
+            <a:r>
+              <a:rPr sz="1300" b="1" spc="-5" dirty="0">
                 <a:latin typeface="Arial"/>
                 <a:cs typeface="Arial"/>
               </a:rPr>
               <a:t>constant</a:t>
             </a:r>
             <a:r>
-              <a:rPr dirty="0" sz="1300" spc="-10" b="1">
-                <a:latin typeface="Arial"/>
-                <a:cs typeface="Arial"/>
-              </a:rPr>
-              <a:t> </a:t>
-            </a:r>
-            <a:r>
-              <a:rPr dirty="0" sz="1300" spc="-5" b="1">
+              <a:rPr sz="1300" b="1" spc="-10" dirty="0">
+                <a:latin typeface="Arial"/>
+                <a:cs typeface="Arial"/>
+              </a:rPr>
+              <a:t> </a:t>
+            </a:r>
+            <a:r>
+              <a:rPr sz="1300" b="1" spc="-5" dirty="0">
                 <a:latin typeface="Arial"/>
                 <a:cs typeface="Arial"/>
               </a:rPr>
               <a:t>watch</a:t>
             </a:r>
             <a:r>
-              <a:rPr dirty="0" sz="1300" spc="-10" b="1">
-                <a:latin typeface="Arial"/>
-                <a:cs typeface="Arial"/>
-              </a:rPr>
-              <a:t> </a:t>
-            </a:r>
-            <a:r>
-              <a:rPr dirty="0" sz="1300" spc="-5" b="1">
+              <a:rPr sz="1300" b="1" spc="-10" dirty="0">
+                <a:latin typeface="Arial"/>
+                <a:cs typeface="Arial"/>
+              </a:rPr>
+              <a:t> </a:t>
+            </a:r>
+            <a:r>
+              <a:rPr sz="1300" b="1" spc="-5" dirty="0">
                 <a:latin typeface="Arial"/>
                 <a:cs typeface="Arial"/>
               </a:rPr>
               <a:t>as</a:t>
             </a:r>
             <a:r>
-              <a:rPr dirty="0" sz="1300" spc="-10" b="1">
-                <a:latin typeface="Arial"/>
-                <a:cs typeface="Arial"/>
-              </a:rPr>
-              <a:t> </a:t>
-            </a:r>
-            <a:r>
-              <a:rPr dirty="0" sz="1300" spc="-5" b="1">
+              <a:rPr sz="1300" b="1" spc="-10" dirty="0">
+                <a:latin typeface="Arial"/>
+                <a:cs typeface="Arial"/>
+              </a:rPr>
+              <a:t> </a:t>
+            </a:r>
+            <a:r>
+              <a:rPr sz="1300" b="1" spc="-5" dirty="0">
                 <a:latin typeface="Arial"/>
                 <a:cs typeface="Arial"/>
               </a:rPr>
               <a:t>she</a:t>
             </a:r>
             <a:r>
-              <a:rPr dirty="0" sz="1300" spc="25" b="1">
-                <a:latin typeface="Arial"/>
-                <a:cs typeface="Arial"/>
-              </a:rPr>
-              <a:t> </a:t>
-            </a:r>
-            <a:r>
-              <a:rPr dirty="0" sz="1300" spc="-5" b="1">
+              <a:rPr sz="1300" b="1" spc="25" dirty="0">
+                <a:latin typeface="Arial"/>
+                <a:cs typeface="Arial"/>
+              </a:rPr>
+              <a:t> </a:t>
+            </a:r>
+            <a:r>
+              <a:rPr sz="1300" b="1" spc="-5" dirty="0">
                 <a:latin typeface="Arial"/>
                 <a:cs typeface="Arial"/>
               </a:rPr>
               <a:t>uses </a:t>
             </a:r>
             <a:r>
-              <a:rPr dirty="0" sz="1300" spc="-345" b="1">
-                <a:latin typeface="Arial"/>
-                <a:cs typeface="Arial"/>
-              </a:rPr>
-              <a:t> </a:t>
-            </a:r>
-            <a:r>
-              <a:rPr dirty="0" sz="1300" spc="-5" b="1">
+              <a:rPr sz="1300" b="1" spc="-345" dirty="0">
+                <a:latin typeface="Arial"/>
+                <a:cs typeface="Arial"/>
+              </a:rPr>
+              <a:t> </a:t>
+            </a:r>
+            <a:r>
+              <a:rPr sz="1300" b="1" spc="-5" dirty="0">
                 <a:latin typeface="Arial"/>
                 <a:cs typeface="Arial"/>
               </a:rPr>
               <a:t>medcall </a:t>
             </a:r>
             <a:r>
-              <a:rPr dirty="0" sz="1300" b="1">
+              <a:rPr sz="1300" b="1" dirty="0">
                 <a:latin typeface="Arial"/>
                 <a:cs typeface="Arial"/>
               </a:rPr>
               <a:t>the </a:t>
             </a:r>
             <a:r>
-              <a:rPr dirty="0" sz="1300" spc="-5" b="1">
+              <a:rPr sz="1300" b="1" spc="-5" dirty="0">
                 <a:latin typeface="Arial"/>
                 <a:cs typeface="Arial"/>
               </a:rPr>
               <a:t>online </a:t>
             </a:r>
             <a:r>
-              <a:rPr dirty="0" sz="1300" spc="-15" b="1">
+              <a:rPr sz="1300" b="1" spc="-15" dirty="0">
                 <a:latin typeface="Arial"/>
                 <a:cs typeface="Arial"/>
               </a:rPr>
               <a:t>reminder, </a:t>
             </a:r>
             <a:r>
-              <a:rPr dirty="0" sz="1300" b="1">
+              <a:rPr sz="1300" b="1" dirty="0">
                 <a:latin typeface="Arial"/>
                 <a:cs typeface="Arial"/>
               </a:rPr>
               <a:t>tracker for </a:t>
             </a:r>
             <a:r>
-              <a:rPr dirty="0" sz="1300" spc="-5" b="1">
+              <a:rPr sz="1300" b="1" spc="-5" dirty="0">
                 <a:latin typeface="Arial"/>
                 <a:cs typeface="Arial"/>
               </a:rPr>
               <a:t>her meds </a:t>
             </a:r>
             <a:r>
-              <a:rPr dirty="0" sz="1300" b="1">
-                <a:latin typeface="Arial"/>
-                <a:cs typeface="Arial"/>
-              </a:rPr>
-              <a:t> </a:t>
-            </a:r>
-            <a:r>
-              <a:rPr dirty="0" sz="1300" spc="-5" b="1">
+              <a:rPr sz="1300" b="1" dirty="0">
+                <a:latin typeface="Arial"/>
+                <a:cs typeface="Arial"/>
+              </a:rPr>
+              <a:t> </a:t>
+            </a:r>
+            <a:r>
+              <a:rPr sz="1300" b="1" spc="-5" dirty="0">
                 <a:latin typeface="Arial"/>
                 <a:cs typeface="Arial"/>
               </a:rPr>
               <a:t>and easy appointment scheduling, all of </a:t>
             </a:r>
             <a:r>
-              <a:rPr dirty="0" sz="1300" b="1">
+              <a:rPr sz="1300" b="1" dirty="0">
                 <a:latin typeface="Arial"/>
                 <a:cs typeface="Arial"/>
               </a:rPr>
               <a:t>this </a:t>
             </a:r>
             <a:r>
-              <a:rPr dirty="0" sz="1300" spc="5" b="1">
-                <a:latin typeface="Arial"/>
-                <a:cs typeface="Arial"/>
-              </a:rPr>
-              <a:t> </a:t>
-            </a:r>
-            <a:r>
-              <a:rPr dirty="0" sz="1300" spc="-5" b="1">
+              <a:rPr sz="1300" b="1" spc="5" dirty="0">
+                <a:latin typeface="Arial"/>
+                <a:cs typeface="Arial"/>
+              </a:rPr>
+              <a:t> </a:t>
+            </a:r>
+            <a:r>
+              <a:rPr sz="1300" b="1" spc="-5" dirty="0">
                 <a:latin typeface="Arial"/>
                 <a:cs typeface="Arial"/>
               </a:rPr>
               <a:t>integrated</a:t>
             </a:r>
             <a:r>
-              <a:rPr dirty="0" sz="1300" spc="-10" b="1">
-                <a:latin typeface="Arial"/>
-                <a:cs typeface="Arial"/>
-              </a:rPr>
-              <a:t> </a:t>
-            </a:r>
-            <a:r>
-              <a:rPr dirty="0" sz="1300" spc="-5" b="1">
+              <a:rPr sz="1300" b="1" spc="-10" dirty="0">
+                <a:latin typeface="Arial"/>
+                <a:cs typeface="Arial"/>
+              </a:rPr>
+              <a:t> </a:t>
+            </a:r>
+            <a:r>
+              <a:rPr sz="1300" b="1" spc="-5" dirty="0">
                 <a:latin typeface="Arial"/>
                 <a:cs typeface="Arial"/>
               </a:rPr>
               <a:t>in </a:t>
             </a:r>
             <a:r>
-              <a:rPr dirty="0" sz="1300" b="1">
+              <a:rPr sz="1300" b="1" dirty="0">
                 <a:latin typeface="Arial"/>
                 <a:cs typeface="Arial"/>
               </a:rPr>
               <a:t>a</a:t>
             </a:r>
             <a:r>
-              <a:rPr dirty="0" sz="1300" spc="-10" b="1">
-                <a:latin typeface="Arial"/>
-                <a:cs typeface="Arial"/>
-              </a:rPr>
-              <a:t> </a:t>
-            </a:r>
-            <a:r>
-              <a:rPr dirty="0" sz="1300" spc="-5" b="1">
+              <a:rPr sz="1300" b="1" spc="-10" dirty="0">
+                <a:latin typeface="Arial"/>
+                <a:cs typeface="Arial"/>
+              </a:rPr>
+              <a:t> </a:t>
+            </a:r>
+            <a:r>
+              <a:rPr sz="1300" b="1" spc="-5" dirty="0">
                 <a:latin typeface="Arial"/>
                 <a:cs typeface="Arial"/>
               </a:rPr>
@@ -20039,84 +20330,84 @@
               </a:tabLst>
             </a:pPr>
             <a:r>
-              <a:rPr dirty="0" sz="1300" b="1">
+              <a:rPr sz="1300" b="1" dirty="0">
                 <a:latin typeface="Arial"/>
                 <a:cs typeface="Arial"/>
               </a:rPr>
               <a:t>Medcall </a:t>
             </a:r>
             <a:r>
-              <a:rPr dirty="0" sz="1300" spc="-5" b="1">
+              <a:rPr sz="1300" b="1" spc="-5" dirty="0">
                 <a:latin typeface="Arial"/>
                 <a:cs typeface="Arial"/>
               </a:rPr>
               <a:t>aims at reduction of non-adherence in </a:t>
             </a:r>
             <a:r>
-              <a:rPr dirty="0" sz="1300" b="1">
-                <a:latin typeface="Arial"/>
-                <a:cs typeface="Arial"/>
-              </a:rPr>
-              <a:t> </a:t>
-            </a:r>
-            <a:r>
-              <a:rPr dirty="0" sz="1300" spc="-5" b="1">
+              <a:rPr sz="1300" b="1" dirty="0">
+                <a:latin typeface="Arial"/>
+                <a:cs typeface="Arial"/>
+              </a:rPr>
+              <a:t> </a:t>
+            </a:r>
+            <a:r>
+              <a:rPr sz="1300" b="1" spc="-5" dirty="0">
                 <a:latin typeface="Arial"/>
                 <a:cs typeface="Arial"/>
               </a:rPr>
               <a:t>medication by simple ways like scheduling </a:t>
             </a:r>
             <a:r>
-              <a:rPr dirty="0" sz="1300" b="1">
+              <a:rPr sz="1300" b="1" dirty="0">
                 <a:latin typeface="Arial"/>
                 <a:cs typeface="Arial"/>
               </a:rPr>
               <a:t>a </a:t>
             </a:r>
             <a:r>
-              <a:rPr dirty="0" sz="1300" spc="5" b="1">
-                <a:latin typeface="Arial"/>
-                <a:cs typeface="Arial"/>
-              </a:rPr>
-              <a:t> </a:t>
-            </a:r>
-            <a:r>
-              <a:rPr dirty="0" sz="1300" spc="-5" b="1">
+              <a:rPr sz="1300" b="1" spc="5" dirty="0">
+                <a:latin typeface="Arial"/>
+                <a:cs typeface="Arial"/>
+              </a:rPr>
+              <a:t> </a:t>
+            </a:r>
+            <a:r>
+              <a:rPr sz="1300" b="1" spc="-5" dirty="0">
                 <a:latin typeface="Arial"/>
                 <a:cs typeface="Arial"/>
               </a:rPr>
               <a:t>reminder call and </a:t>
             </a:r>
             <a:r>
-              <a:rPr dirty="0" sz="1300" b="1">
+              <a:rPr sz="1300" b="1" dirty="0">
                 <a:latin typeface="Arial"/>
                 <a:cs typeface="Arial"/>
               </a:rPr>
               <a:t>a </a:t>
             </a:r>
             <a:r>
-              <a:rPr dirty="0" sz="1300" spc="-5" b="1">
+              <a:rPr sz="1300" b="1" spc="-5" dirty="0">
                 <a:latin typeface="Arial"/>
                 <a:cs typeface="Arial"/>
               </a:rPr>
               <a:t>whatsapp message </a:t>
             </a:r>
             <a:r>
-              <a:rPr dirty="0" sz="1300" b="1">
+              <a:rPr sz="1300" b="1" dirty="0">
                 <a:latin typeface="Arial"/>
                 <a:cs typeface="Arial"/>
               </a:rPr>
               <a:t>for further </a:t>
             </a:r>
             <a:r>
-              <a:rPr dirty="0" sz="1300" spc="-350" b="1">
-                <a:latin typeface="Arial"/>
-                <a:cs typeface="Arial"/>
-              </a:rPr>
-              <a:t> </a:t>
-            </a:r>
-            <a:r>
-              <a:rPr dirty="0" sz="1300" spc="-5" b="1">
+              <a:rPr sz="1300" b="1" spc="-350" dirty="0">
+                <a:latin typeface="Arial"/>
+                <a:cs typeface="Arial"/>
+              </a:rPr>
+              <a:t> </a:t>
+            </a:r>
+            <a:r>
+              <a:rPr sz="1300" b="1" spc="-5" dirty="0">
                 <a:latin typeface="Arial"/>
                 <a:cs typeface="Arial"/>
               </a:rPr>
@@ -20145,7 +20436,7 @@
           </a:prstGeom>
         </p:spPr>
         <p:txBody>
-          <a:bodyPr wrap="square" lIns="0" tIns="12700" rIns="0" bIns="0" rtlCol="0" vert="horz">
+          <a:bodyPr vert="horz" wrap="square" lIns="0" tIns="12700" rIns="0" bIns="0" rtlCol="0">
             <a:spAutoFit/>
           </a:bodyPr>
           <a:lstStyle/>
@@ -20159,7 +20450,7 @@
               </a:spcBef>
             </a:pPr>
             <a:r>
-              <a:rPr dirty="0" sz="3300" b="1">
+              <a:rPr sz="3300" b="1" dirty="0">
                 <a:solidFill>
                   <a:srgbClr val="FFFFFF"/>
                 </a:solidFill>
@@ -20362,7 +20653,9 @@
           <p:txBody>
             <a:bodyPr wrap="square" lIns="0" tIns="0" rIns="0" bIns="0" rtlCol="0"/>
             <a:lstStyle/>
-            <a:p/>
+            <a:p>
+              <a:endParaRPr/>
+            </a:p>
           </p:txBody>
         </p:sp>
         <p:sp>
@@ -20590,7 +20883,9 @@
           <p:txBody>
             <a:bodyPr wrap="square" lIns="0" tIns="0" rIns="0" bIns="0" rtlCol="0"/>
             <a:lstStyle/>
-            <a:p/>
+            <a:p>
+              <a:endParaRPr/>
+            </a:p>
           </p:txBody>
         </p:sp>
       </p:grpSp>
@@ -20610,7 +20905,7 @@
           </a:prstGeom>
         </p:spPr>
         <p:txBody>
-          <a:bodyPr wrap="square" lIns="0" tIns="0" rIns="0" bIns="0" rtlCol="0" vert="vert">
+          <a:bodyPr vert="vert" wrap="square" lIns="0" tIns="0" rIns="0" bIns="0" rtlCol="0">
             <a:spAutoFit/>
           </a:bodyPr>
           <a:lstStyle/>
@@ -20621,7 +20916,7 @@
               </a:lnSpc>
             </a:pPr>
             <a:r>
-              <a:rPr dirty="0" sz="1300" spc="-5" b="1">
+              <a:rPr sz="1300" b="1" spc="-5" dirty="0">
                 <a:solidFill>
                   <a:srgbClr val="FFFFFF"/>
                 </a:solidFill>
@@ -20653,7 +20948,7 @@
           </a:prstGeom>
         </p:spPr>
         <p:txBody>
-          <a:bodyPr wrap="square" lIns="0" tIns="0" rIns="0" bIns="0" rtlCol="0" vert="vert">
+          <a:bodyPr vert="vert" wrap="square" lIns="0" tIns="0" rIns="0" bIns="0" rtlCol="0">
             <a:spAutoFit/>
           </a:bodyPr>
           <a:lstStyle/>
@@ -20664,7 +20959,7 @@
               </a:lnSpc>
             </a:pPr>
             <a:r>
-              <a:rPr dirty="0" sz="1300" spc="-30" b="1">
+              <a:rPr sz="1300" b="1" spc="-30" dirty="0">
                 <a:solidFill>
                   <a:srgbClr val="FFFFFF"/>
                 </a:solidFill>
@@ -20761,7 +21056,9 @@
           <p:txBody>
             <a:bodyPr wrap="square" lIns="0" tIns="0" rIns="0" bIns="0" rtlCol="0"/>
             <a:lstStyle/>
-            <a:p/>
+            <a:p>
+              <a:endParaRPr/>
+            </a:p>
           </p:txBody>
         </p:sp>
         <p:sp>
@@ -21004,7 +21301,9 @@
           <p:txBody>
             <a:bodyPr wrap="square" lIns="0" tIns="0" rIns="0" bIns="0" rtlCol="0"/>
             <a:lstStyle/>
-            <a:p/>
+            <a:p>
+              <a:endParaRPr/>
+            </a:p>
           </p:txBody>
         </p:sp>
       </p:grpSp>
@@ -21024,7 +21323,7 @@
           </a:prstGeom>
         </p:spPr>
         <p:txBody>
-          <a:bodyPr wrap="square" lIns="0" tIns="0" rIns="0" bIns="0" rtlCol="0" vert="vert">
+          <a:bodyPr vert="vert" wrap="square" lIns="0" tIns="0" rIns="0" bIns="0" rtlCol="0">
             <a:spAutoFit/>
           </a:bodyPr>
           <a:lstStyle/>
@@ -21035,7 +21334,7 @@
               </a:lnSpc>
             </a:pPr>
             <a:r>
-              <a:rPr dirty="0" sz="1400" spc="-5" b="1">
+              <a:rPr sz="1400" b="1" spc="-5" dirty="0">
                 <a:solidFill>
                   <a:srgbClr val="FFFFFF"/>
                 </a:solidFill>
@@ -21067,7 +21366,7 @@
           </a:prstGeom>
         </p:spPr>
         <p:txBody>
-          <a:bodyPr wrap="square" lIns="0" tIns="0" rIns="0" bIns="0" rtlCol="0" vert="horz">
+          <a:bodyPr vert="horz" wrap="square" lIns="0" tIns="0" rIns="0" bIns="0" rtlCol="0">
             <a:spAutoFit/>
           </a:bodyPr>
           <a:lstStyle/>
@@ -21078,7 +21377,7 @@
               </a:lnSpc>
             </a:pPr>
             <a:r>
-              <a:rPr dirty="0" sz="1400" spc="-5" b="1">
+              <a:rPr sz="1400" b="1" spc="-5" dirty="0">
                 <a:solidFill>
                   <a:srgbClr val="FFFFFF"/>
                 </a:solidFill>
@@ -21102,7 +21401,7 @@
               </a:tabLst>
             </a:pPr>
             <a:r>
-              <a:rPr dirty="0" baseline="-9920" sz="2100" spc="-7" b="1">
+              <a:rPr sz="2100" b="1" spc="-7" baseline="-9920" dirty="0">
                 <a:solidFill>
                   <a:srgbClr val="FFFFFF"/>
                 </a:solidFill>
@@ -21112,7 +21411,7 @@
               <a:t>80</a:t>
             </a:r>
             <a:r>
-              <a:rPr dirty="0" baseline="-9920" sz="2100" b="1">
+              <a:rPr sz="2100" b="1" baseline="-9920" dirty="0">
                 <a:solidFill>
                   <a:srgbClr val="FFFFFF"/>
                 </a:solidFill>
@@ -21122,7 +21421,7 @@
               <a:t>%	</a:t>
             </a:r>
             <a:r>
-              <a:rPr dirty="0" sz="1400" spc="-5" b="1">
+              <a:rPr sz="1400" b="1" spc="-5" dirty="0">
                 <a:solidFill>
                   <a:srgbClr val="FFFFFF"/>
                 </a:solidFill>
@@ -21146,7 +21445,7 @@
               </a:spcBef>
             </a:pPr>
             <a:r>
-              <a:rPr dirty="0" sz="1400" spc="-25" b="1">
+              <a:rPr sz="1400" b="1" spc="-25" dirty="0">
                 <a:solidFill>
                   <a:srgbClr val="FFFFFF"/>
                 </a:solidFill>
@@ -21243,7 +21542,9 @@
           <p:txBody>
             <a:bodyPr wrap="square" lIns="0" tIns="0" rIns="0" bIns="0" rtlCol="0"/>
             <a:lstStyle/>
-            <a:p/>
+            <a:p>
+              <a:endParaRPr/>
+            </a:p>
           </p:txBody>
         </p:sp>
         <p:sp>
@@ -21486,7 +21787,9 @@
           <p:txBody>
             <a:bodyPr wrap="square" lIns="0" tIns="0" rIns="0" bIns="0" rtlCol="0"/>
             <a:lstStyle/>
-            <a:p/>
+            <a:p>
+              <a:endParaRPr/>
+            </a:p>
           </p:txBody>
         </p:sp>
       </p:grpSp>
@@ -21506,7 +21809,7 @@
           </a:prstGeom>
         </p:spPr>
         <p:txBody>
-          <a:bodyPr wrap="square" lIns="0" tIns="0" rIns="0" bIns="0" rtlCol="0" vert="vert">
+          <a:bodyPr vert="vert" wrap="square" lIns="0" tIns="0" rIns="0" bIns="0" rtlCol="0">
             <a:spAutoFit/>
           </a:bodyPr>
           <a:lstStyle/>
@@ -21517,7 +21820,7 @@
               </a:lnSpc>
             </a:pPr>
             <a:r>
-              <a:rPr dirty="0" sz="1400" spc="-5" b="1">
+              <a:rPr sz="1400" b="1" spc="-5" dirty="0">
                 <a:solidFill>
                   <a:srgbClr val="FFFFFF"/>
                 </a:solidFill>
@@ -21527,7 +21830,7 @@
               <a:t>USE</a:t>
             </a:r>
             <a:r>
-              <a:rPr dirty="0" sz="1400" spc="-75" b="1">
+              <a:rPr sz="1400" b="1" spc="-75" dirty="0">
                 <a:solidFill>
                   <a:srgbClr val="FFFFFF"/>
                 </a:solidFill>
@@ -21537,7 +21840,7 @@
               <a:t> </a:t>
             </a:r>
             <a:r>
-              <a:rPr dirty="0" sz="1400" spc="-5" b="1">
+              <a:rPr sz="1400" b="1" spc="-5" dirty="0">
                 <a:solidFill>
                   <a:srgbClr val="FFFFFF"/>
                 </a:solidFill>
@@ -21658,7 +21961,9 @@
           <p:txBody>
             <a:bodyPr wrap="square" lIns="0" tIns="0" rIns="0" bIns="0" rtlCol="0"/>
             <a:lstStyle/>
-            <a:p/>
+            <a:p>
+              <a:endParaRPr/>
+            </a:p>
           </p:txBody>
         </p:sp>
         <p:sp>
@@ -21901,7 +22206,9 @@
           <p:txBody>
             <a:bodyPr wrap="square" lIns="0" tIns="0" rIns="0" bIns="0" rtlCol="0"/>
             <a:lstStyle/>
-            <a:p/>
+            <a:p>
+              <a:endParaRPr/>
+            </a:p>
           </p:txBody>
         </p:sp>
         <p:pic>
@@ -21943,7 +22250,7 @@
           </a:prstGeom>
         </p:spPr>
         <p:txBody>
-          <a:bodyPr wrap="square" lIns="0" tIns="0" rIns="0" bIns="0" rtlCol="0" vert="vert">
+          <a:bodyPr vert="vert" wrap="square" lIns="0" tIns="0" rIns="0" bIns="0" rtlCol="0">
             <a:spAutoFit/>
           </a:bodyPr>
           <a:lstStyle/>
@@ -21954,7 +22261,7 @@
               </a:lnSpc>
             </a:pPr>
             <a:r>
-              <a:rPr dirty="0" sz="1400" spc="-25" b="1">
+              <a:rPr sz="1400" b="1" spc="-25" dirty="0">
                 <a:solidFill>
                   <a:srgbClr val="FFFFFF"/>
                 </a:solidFill>
@@ -21985,10 +22292,12 @@
             <a:off x="1373583" y="510014"/>
             <a:ext cx="4786630" cy="330200"/>
           </a:xfrm>
-          <a:prstGeom prst="rect"/>
+          <a:prstGeom prst="rect">
+            <a:avLst/>
+          </a:prstGeom>
         </p:spPr>
         <p:txBody>
-          <a:bodyPr wrap="square" lIns="0" tIns="12700" rIns="0" bIns="0" rtlCol="0" vert="horz">
+          <a:bodyPr vert="horz" wrap="square" lIns="0" tIns="12700" rIns="0" bIns="0" rtlCol="0">
             <a:spAutoFit/>
           </a:bodyPr>
           <a:lstStyle/>
@@ -22002,59 +22311,59 @@
               </a:spcBef>
             </a:pPr>
             <a:r>
-              <a:rPr dirty="0" spc="80"/>
+              <a:rPr spc="80" dirty="0"/>
               <a:t>IM</a:t>
             </a:r>
             <a:r>
-              <a:rPr dirty="0" spc="-25"/>
+              <a:rPr spc="-25" dirty="0"/>
               <a:t>P</a:t>
             </a:r>
             <a:r>
-              <a:rPr dirty="0" spc="120"/>
+              <a:rPr spc="120" dirty="0"/>
               <a:t>A</a:t>
             </a:r>
             <a:r>
-              <a:rPr dirty="0" spc="90"/>
+              <a:rPr spc="90" dirty="0"/>
               <a:t>CT</a:t>
             </a:r>
             <a:r>
-              <a:rPr dirty="0" spc="-240"/>
-              <a:t> </a:t>
-            </a:r>
-            <a:r>
-              <a:rPr dirty="0" spc="55"/>
+              <a:rPr spc="-240" dirty="0"/>
+              <a:t> </a:t>
+            </a:r>
+            <a:r>
+              <a:rPr spc="55" dirty="0"/>
               <a:t>&amp;</a:t>
             </a:r>
             <a:r>
-              <a:rPr dirty="0" spc="-240"/>
-              <a:t> </a:t>
-            </a:r>
-            <a:r>
-              <a:rPr dirty="0" spc="90"/>
+              <a:rPr spc="-240" dirty="0"/>
+              <a:t> </a:t>
+            </a:r>
+            <a:r>
+              <a:rPr spc="90" dirty="0"/>
               <a:t>UNIQUE</a:t>
             </a:r>
             <a:r>
-              <a:rPr dirty="0" spc="-240"/>
-              <a:t> </a:t>
-            </a:r>
-            <a:r>
-              <a:rPr dirty="0" spc="30"/>
+              <a:rPr spc="-240" dirty="0"/>
+              <a:t> </a:t>
+            </a:r>
+            <a:r>
+              <a:rPr spc="30" dirty="0"/>
               <a:t>SELLING</a:t>
             </a:r>
             <a:r>
-              <a:rPr dirty="0" spc="-240"/>
-              <a:t> </a:t>
-            </a:r>
-            <a:r>
-              <a:rPr dirty="0" spc="70"/>
+              <a:rPr spc="-240" dirty="0"/>
+              <a:t> </a:t>
+            </a:r>
+            <a:r>
+              <a:rPr spc="70" dirty="0"/>
               <a:t>POINT</a:t>
             </a:r>
             <a:r>
-              <a:rPr dirty="0" spc="-240"/>
-              <a:t> </a:t>
-            </a:r>
-            <a:r>
-              <a:rPr dirty="0" spc="-25"/>
+              <a:rPr spc="-240" dirty="0"/>
+              <a:t> </a:t>
+            </a:r>
+            <a:r>
+              <a:rPr spc="-25" dirty="0"/>
               <a:t>(USP)</a:t>
             </a:r>
           </a:p>
@@ -22076,7 +22385,7 @@
           </a:prstGeom>
         </p:spPr>
         <p:txBody>
-          <a:bodyPr wrap="square" lIns="0" tIns="12700" rIns="0" bIns="0" rtlCol="0" vert="horz">
+          <a:bodyPr vert="horz" wrap="square" lIns="0" tIns="12700" rIns="0" bIns="0" rtlCol="0">
             <a:spAutoFit/>
           </a:bodyPr>
           <a:lstStyle/>
@@ -22090,91 +22399,91 @@
               </a:spcBef>
             </a:pPr>
             <a:r>
-              <a:rPr dirty="0" sz="1400" spc="-55">
+              <a:rPr sz="1400" spc="-55" dirty="0">
                 <a:latin typeface="Tahoma"/>
                 <a:cs typeface="Tahoma"/>
               </a:rPr>
               <a:t>Is</a:t>
             </a:r>
             <a:r>
-              <a:rPr dirty="0" sz="1400" spc="-170">
-                <a:latin typeface="Tahoma"/>
-                <a:cs typeface="Tahoma"/>
-              </a:rPr>
-              <a:t> </a:t>
-            </a:r>
-            <a:r>
-              <a:rPr dirty="0" sz="1400" spc="45">
+              <a:rPr sz="1400" spc="-170" dirty="0">
+                <a:latin typeface="Tahoma"/>
+                <a:cs typeface="Tahoma"/>
+              </a:rPr>
+              <a:t> </a:t>
+            </a:r>
+            <a:r>
+              <a:rPr sz="1400" spc="45" dirty="0">
                 <a:latin typeface="Tahoma"/>
                 <a:cs typeface="Tahoma"/>
               </a:rPr>
               <a:t>it</a:t>
             </a:r>
             <a:r>
-              <a:rPr dirty="0" sz="1400" spc="-170">
-                <a:latin typeface="Tahoma"/>
-                <a:cs typeface="Tahoma"/>
-              </a:rPr>
-              <a:t> </a:t>
-            </a:r>
-            <a:r>
-              <a:rPr dirty="0" sz="1400" spc="125">
+              <a:rPr sz="1400" spc="-170" dirty="0">
+                <a:latin typeface="Tahoma"/>
+                <a:cs typeface="Tahoma"/>
+              </a:rPr>
+              <a:t> </a:t>
+            </a:r>
+            <a:r>
+              <a:rPr sz="1400" spc="125" dirty="0">
                 <a:latin typeface="Tahoma"/>
                 <a:cs typeface="Tahoma"/>
               </a:rPr>
               <a:t>OK</a:t>
             </a:r>
             <a:r>
-              <a:rPr dirty="0" sz="1400" spc="-170">
-                <a:latin typeface="Tahoma"/>
-                <a:cs typeface="Tahoma"/>
-              </a:rPr>
-              <a:t> </a:t>
-            </a:r>
-            <a:r>
-              <a:rPr dirty="0" sz="1400" spc="35">
+              <a:rPr sz="1400" spc="-170" dirty="0">
+                <a:latin typeface="Tahoma"/>
+                <a:cs typeface="Tahoma"/>
+              </a:rPr>
+              <a:t> </a:t>
+            </a:r>
+            <a:r>
+              <a:rPr sz="1400" spc="35" dirty="0">
                 <a:latin typeface="Tahoma"/>
                 <a:cs typeface="Tahoma"/>
               </a:rPr>
               <a:t>to</a:t>
             </a:r>
             <a:r>
-              <a:rPr dirty="0" sz="1400" spc="-170">
-                <a:latin typeface="Tahoma"/>
-                <a:cs typeface="Tahoma"/>
-              </a:rPr>
-              <a:t> </a:t>
-            </a:r>
-            <a:r>
-              <a:rPr dirty="0" sz="1400" spc="-10">
+              <a:rPr sz="1400" spc="-170" dirty="0">
+                <a:latin typeface="Tahoma"/>
+                <a:cs typeface="Tahoma"/>
+              </a:rPr>
+              <a:t> </a:t>
+            </a:r>
+            <a:r>
+              <a:rPr sz="1400" spc="-10" dirty="0">
                 <a:latin typeface="Tahoma"/>
                 <a:cs typeface="Tahoma"/>
               </a:rPr>
               <a:t>miss</a:t>
             </a:r>
             <a:r>
-              <a:rPr dirty="0" sz="1400" spc="-170">
-                <a:latin typeface="Tahoma"/>
-                <a:cs typeface="Tahoma"/>
-              </a:rPr>
-              <a:t> </a:t>
-            </a:r>
-            <a:r>
-              <a:rPr dirty="0" sz="1400" spc="-30">
+              <a:rPr sz="1400" spc="-170" dirty="0">
+                <a:latin typeface="Tahoma"/>
+                <a:cs typeface="Tahoma"/>
+              </a:rPr>
+              <a:t> </a:t>
+            </a:r>
+            <a:r>
+              <a:rPr sz="1400" spc="-30" dirty="0">
                 <a:latin typeface="Tahoma"/>
                 <a:cs typeface="Tahoma"/>
               </a:rPr>
               <a:t>a</a:t>
             </a:r>
             <a:r>
-              <a:rPr dirty="0" sz="1400" spc="-170">
-                <a:latin typeface="Tahoma"/>
-                <a:cs typeface="Tahoma"/>
-              </a:rPr>
-              <a:t> </a:t>
-            </a:r>
-            <a:r>
-              <a:rPr dirty="0" sz="1400" spc="-20">
+              <a:rPr sz="1400" spc="-170" dirty="0">
+                <a:latin typeface="Tahoma"/>
+                <a:cs typeface="Tahoma"/>
+              </a:rPr>
+              <a:t> </a:t>
+            </a:r>
+            <a:r>
+              <a:rPr sz="1400" spc="-20" dirty="0">
                 <a:latin typeface="Tahoma"/>
                 <a:cs typeface="Tahoma"/>
               </a:rPr>
@@ -22206,259 +22515,259 @@
               </a:lnSpc>
             </a:pPr>
             <a:r>
-              <a:rPr dirty="0" sz="1400" spc="15">
+              <a:rPr sz="1400" spc="15" dirty="0">
                 <a:latin typeface="Tahoma"/>
                 <a:cs typeface="Tahoma"/>
               </a:rPr>
               <a:t>Adherence</a:t>
             </a:r>
             <a:r>
-              <a:rPr dirty="0" sz="1400" spc="-165">
-                <a:latin typeface="Tahoma"/>
-                <a:cs typeface="Tahoma"/>
-              </a:rPr>
-              <a:t> </a:t>
-            </a:r>
-            <a:r>
-              <a:rPr dirty="0" sz="1400" spc="35">
+              <a:rPr sz="1400" spc="-165" dirty="0">
+                <a:latin typeface="Tahoma"/>
+                <a:cs typeface="Tahoma"/>
+              </a:rPr>
+              <a:t> </a:t>
+            </a:r>
+            <a:r>
+              <a:rPr sz="1400" spc="35" dirty="0">
                 <a:latin typeface="Tahoma"/>
                 <a:cs typeface="Tahoma"/>
               </a:rPr>
               <a:t>to</a:t>
             </a:r>
             <a:r>
-              <a:rPr dirty="0" sz="1400" spc="-160">
-                <a:latin typeface="Tahoma"/>
-                <a:cs typeface="Tahoma"/>
-              </a:rPr>
-              <a:t> </a:t>
-            </a:r>
-            <a:r>
-              <a:rPr dirty="0" sz="1400" spc="15">
+              <a:rPr sz="1400" spc="-160" dirty="0">
+                <a:latin typeface="Tahoma"/>
+                <a:cs typeface="Tahoma"/>
+              </a:rPr>
+              <a:t> </a:t>
+            </a:r>
+            <a:r>
+              <a:rPr sz="1400" spc="15" dirty="0">
                 <a:latin typeface="Tahoma"/>
                 <a:cs typeface="Tahoma"/>
               </a:rPr>
               <a:t>your</a:t>
             </a:r>
             <a:r>
-              <a:rPr dirty="0" sz="1400" spc="-165">
-                <a:latin typeface="Tahoma"/>
-                <a:cs typeface="Tahoma"/>
-              </a:rPr>
-              <a:t> </a:t>
-            </a:r>
-            <a:r>
-              <a:rPr dirty="0" sz="1400" spc="5">
+              <a:rPr sz="1400" spc="-165" dirty="0">
+                <a:latin typeface="Tahoma"/>
+                <a:cs typeface="Tahoma"/>
+              </a:rPr>
+              <a:t> </a:t>
+            </a:r>
+            <a:r>
+              <a:rPr sz="1400" spc="5" dirty="0">
                 <a:latin typeface="Tahoma"/>
                 <a:cs typeface="Tahoma"/>
               </a:rPr>
               <a:t>medications</a:t>
             </a:r>
             <a:r>
-              <a:rPr dirty="0" sz="1400" spc="-160">
-                <a:latin typeface="Tahoma"/>
-                <a:cs typeface="Tahoma"/>
-              </a:rPr>
-              <a:t> </a:t>
-            </a:r>
-            <a:r>
-              <a:rPr dirty="0" sz="1400" spc="-10">
+              <a:rPr sz="1400" spc="-160" dirty="0">
+                <a:latin typeface="Tahoma"/>
+                <a:cs typeface="Tahoma"/>
+              </a:rPr>
+              <a:t> </a:t>
+            </a:r>
+            <a:r>
+              <a:rPr sz="1400" spc="-10" dirty="0">
                 <a:latin typeface="Tahoma"/>
                 <a:cs typeface="Tahoma"/>
               </a:rPr>
               <a:t>(that</a:t>
             </a:r>
             <a:r>
-              <a:rPr dirty="0" sz="1400" spc="-165">
-                <a:latin typeface="Tahoma"/>
-                <a:cs typeface="Tahoma"/>
-              </a:rPr>
-              <a:t> </a:t>
-            </a:r>
-            <a:r>
-              <a:rPr dirty="0" sz="1400" spc="-40">
+              <a:rPr sz="1400" spc="-165" dirty="0">
+                <a:latin typeface="Tahoma"/>
+                <a:cs typeface="Tahoma"/>
+              </a:rPr>
+              <a:t> </a:t>
+            </a:r>
+            <a:r>
+              <a:rPr sz="1400" spc="-40" dirty="0">
                 <a:latin typeface="Tahoma"/>
                 <a:cs typeface="Tahoma"/>
               </a:rPr>
               <a:t>is,</a:t>
             </a:r>
             <a:r>
-              <a:rPr dirty="0" sz="1400" spc="-160">
-                <a:latin typeface="Tahoma"/>
-                <a:cs typeface="Tahoma"/>
-              </a:rPr>
-              <a:t> </a:t>
-            </a:r>
-            <a:r>
-              <a:rPr dirty="0" sz="1400" spc="5">
+              <a:rPr sz="1400" spc="-160" dirty="0">
+                <a:latin typeface="Tahoma"/>
+                <a:cs typeface="Tahoma"/>
+              </a:rPr>
+              <a:t> </a:t>
+            </a:r>
+            <a:r>
+              <a:rPr sz="1400" spc="5" dirty="0">
                 <a:latin typeface="Tahoma"/>
                 <a:cs typeface="Tahoma"/>
               </a:rPr>
               <a:t>taking</a:t>
             </a:r>
             <a:r>
-              <a:rPr dirty="0" sz="1400" spc="-165">
-                <a:latin typeface="Tahoma"/>
-                <a:cs typeface="Tahoma"/>
-              </a:rPr>
-              <a:t> </a:t>
-            </a:r>
-            <a:r>
-              <a:rPr dirty="0" sz="1400" spc="5">
+              <a:rPr sz="1400" spc="-165" dirty="0">
+                <a:latin typeface="Tahoma"/>
+                <a:cs typeface="Tahoma"/>
+              </a:rPr>
+              <a:t> </a:t>
+            </a:r>
+            <a:r>
+              <a:rPr sz="1400" spc="5" dirty="0">
                 <a:latin typeface="Tahoma"/>
                 <a:cs typeface="Tahoma"/>
               </a:rPr>
               <a:t>them</a:t>
             </a:r>
             <a:r>
-              <a:rPr dirty="0" sz="1400" spc="-160">
-                <a:latin typeface="Tahoma"/>
-                <a:cs typeface="Tahoma"/>
-              </a:rPr>
-              <a:t> </a:t>
-            </a:r>
-            <a:r>
-              <a:rPr dirty="0" sz="1400" spc="5">
+              <a:rPr sz="1400" spc="-160" dirty="0">
+                <a:latin typeface="Tahoma"/>
+                <a:cs typeface="Tahoma"/>
+              </a:rPr>
+              <a:t> </a:t>
+            </a:r>
+            <a:r>
+              <a:rPr sz="1400" spc="5" dirty="0">
                 <a:latin typeface="Tahoma"/>
                 <a:cs typeface="Tahoma"/>
               </a:rPr>
               <a:t>exactly</a:t>
             </a:r>
             <a:r>
-              <a:rPr dirty="0" sz="1400" spc="-165">
-                <a:latin typeface="Tahoma"/>
-                <a:cs typeface="Tahoma"/>
-              </a:rPr>
-              <a:t> </a:t>
-            </a:r>
-            <a:r>
-              <a:rPr dirty="0" sz="1400" spc="-25">
+              <a:rPr sz="1400" spc="-165" dirty="0">
+                <a:latin typeface="Tahoma"/>
+                <a:cs typeface="Tahoma"/>
+              </a:rPr>
+              <a:t> </a:t>
+            </a:r>
+            <a:r>
+              <a:rPr sz="1400" spc="-25" dirty="0">
                 <a:latin typeface="Tahoma"/>
                 <a:cs typeface="Tahoma"/>
               </a:rPr>
               <a:t>as</a:t>
             </a:r>
             <a:r>
-              <a:rPr dirty="0" sz="1400" spc="-160">
-                <a:latin typeface="Tahoma"/>
-                <a:cs typeface="Tahoma"/>
-              </a:rPr>
-              <a:t> </a:t>
-            </a:r>
-            <a:r>
-              <a:rPr dirty="0" sz="1400" spc="15">
+              <a:rPr sz="1400" spc="-160" dirty="0">
+                <a:latin typeface="Tahoma"/>
+                <a:cs typeface="Tahoma"/>
+              </a:rPr>
+              <a:t> </a:t>
+            </a:r>
+            <a:r>
+              <a:rPr sz="1400" spc="15" dirty="0">
                 <a:latin typeface="Tahoma"/>
                 <a:cs typeface="Tahoma"/>
               </a:rPr>
               <a:t>prescribed </a:t>
             </a:r>
             <a:r>
-              <a:rPr dirty="0" sz="1400" spc="-425">
-                <a:latin typeface="Tahoma"/>
-                <a:cs typeface="Tahoma"/>
-              </a:rPr>
-              <a:t> </a:t>
-            </a:r>
-            <a:r>
-              <a:rPr dirty="0" sz="1400">
+              <a:rPr sz="1400" spc="-425" dirty="0">
+                <a:latin typeface="Tahoma"/>
+                <a:cs typeface="Tahoma"/>
+              </a:rPr>
+              <a:t> </a:t>
+            </a:r>
+            <a:r>
+              <a:rPr sz="1400" dirty="0">
                 <a:latin typeface="Tahoma"/>
                 <a:cs typeface="Tahoma"/>
               </a:rPr>
               <a:t>by</a:t>
             </a:r>
             <a:r>
-              <a:rPr dirty="0" sz="1400" spc="-170">
-                <a:latin typeface="Tahoma"/>
-                <a:cs typeface="Tahoma"/>
-              </a:rPr>
-              <a:t> </a:t>
-            </a:r>
-            <a:r>
-              <a:rPr dirty="0" sz="1400" spc="15">
+              <a:rPr sz="1400" spc="-170" dirty="0">
+                <a:latin typeface="Tahoma"/>
+                <a:cs typeface="Tahoma"/>
+              </a:rPr>
+              <a:t> </a:t>
+            </a:r>
+            <a:r>
+              <a:rPr sz="1400" spc="15" dirty="0">
                 <a:latin typeface="Tahoma"/>
                 <a:cs typeface="Tahoma"/>
               </a:rPr>
               <a:t>your</a:t>
             </a:r>
             <a:r>
-              <a:rPr dirty="0" sz="1400" spc="-170">
-                <a:latin typeface="Tahoma"/>
-                <a:cs typeface="Tahoma"/>
-              </a:rPr>
-              <a:t> </a:t>
-            </a:r>
-            <a:r>
-              <a:rPr dirty="0" sz="1400" spc="5">
+              <a:rPr sz="1400" spc="-170" dirty="0">
+                <a:latin typeface="Tahoma"/>
+                <a:cs typeface="Tahoma"/>
+              </a:rPr>
+              <a:t> </a:t>
+            </a:r>
+            <a:r>
+              <a:rPr sz="1400" spc="5" dirty="0">
                 <a:latin typeface="Tahoma"/>
                 <a:cs typeface="Tahoma"/>
               </a:rPr>
               <a:t>doctor)</a:t>
             </a:r>
             <a:r>
-              <a:rPr dirty="0" sz="1400" spc="-170">
-                <a:latin typeface="Tahoma"/>
-                <a:cs typeface="Tahoma"/>
-              </a:rPr>
-              <a:t> </a:t>
-            </a:r>
-            <a:r>
-              <a:rPr dirty="0" sz="1400" spc="10">
+              <a:rPr sz="1400" spc="-170" dirty="0">
+                <a:latin typeface="Tahoma"/>
+                <a:cs typeface="Tahoma"/>
+              </a:rPr>
+              <a:t> </a:t>
+            </a:r>
+            <a:r>
+              <a:rPr sz="1400" spc="10" dirty="0">
                 <a:latin typeface="Tahoma"/>
                 <a:cs typeface="Tahoma"/>
               </a:rPr>
               <a:t>is</a:t>
             </a:r>
             <a:r>
-              <a:rPr dirty="0" sz="1400" spc="-170">
-                <a:latin typeface="Tahoma"/>
-                <a:cs typeface="Tahoma"/>
-              </a:rPr>
-              <a:t> </a:t>
-            </a:r>
-            <a:r>
-              <a:rPr dirty="0" sz="1400" spc="15">
+              <a:rPr sz="1400" spc="-170" dirty="0">
+                <a:latin typeface="Tahoma"/>
+                <a:cs typeface="Tahoma"/>
+              </a:rPr>
+              <a:t> </a:t>
+            </a:r>
+            <a:r>
+              <a:rPr sz="1400" spc="15" dirty="0">
                 <a:latin typeface="Tahoma"/>
                 <a:cs typeface="Tahoma"/>
               </a:rPr>
               <a:t>very</a:t>
             </a:r>
             <a:r>
-              <a:rPr dirty="0" sz="1400" spc="-170">
-                <a:latin typeface="Tahoma"/>
-                <a:cs typeface="Tahoma"/>
-              </a:rPr>
-              <a:t> </a:t>
-            </a:r>
-            <a:r>
-              <a:rPr dirty="0" sz="1400">
+              <a:rPr sz="1400" spc="-170" dirty="0">
+                <a:latin typeface="Tahoma"/>
+                <a:cs typeface="Tahoma"/>
+              </a:rPr>
+              <a:t> </a:t>
+            </a:r>
+            <a:r>
+              <a:rPr sz="1400" dirty="0">
                 <a:latin typeface="Tahoma"/>
                 <a:cs typeface="Tahoma"/>
               </a:rPr>
               <a:t>important.</a:t>
             </a:r>
             <a:r>
-              <a:rPr dirty="0" sz="1400" spc="-170">
-                <a:latin typeface="Tahoma"/>
-                <a:cs typeface="Tahoma"/>
-              </a:rPr>
-              <a:t> </a:t>
-            </a:r>
-            <a:r>
-              <a:rPr dirty="0" sz="1400" spc="15">
+              <a:rPr sz="1400" spc="-170" dirty="0">
+                <a:latin typeface="Tahoma"/>
+                <a:cs typeface="Tahoma"/>
+              </a:rPr>
+              <a:t> </a:t>
+            </a:r>
+            <a:r>
+              <a:rPr sz="1400" spc="15" dirty="0">
                 <a:latin typeface="Tahoma"/>
                 <a:cs typeface="Tahoma"/>
               </a:rPr>
               <a:t>Here's</a:t>
             </a:r>
             <a:r>
-              <a:rPr dirty="0" sz="1400" spc="-170">
-                <a:latin typeface="Tahoma"/>
-                <a:cs typeface="Tahoma"/>
-              </a:rPr>
-              <a:t> </a:t>
-            </a:r>
-            <a:r>
-              <a:rPr dirty="0" sz="1400" spc="-50">
+              <a:rPr sz="1400" spc="-170" dirty="0">
+                <a:latin typeface="Tahoma"/>
+                <a:cs typeface="Tahoma"/>
+              </a:rPr>
+              <a:t> </a:t>
+            </a:r>
+            <a:r>
+              <a:rPr sz="1400" spc="-50" dirty="0">
                 <a:latin typeface="Tahoma"/>
                 <a:cs typeface="Tahoma"/>
               </a:rPr>
@@ -22490,273 +22799,273 @@
               </a:lnSpc>
             </a:pPr>
             <a:r>
-              <a:rPr dirty="0" sz="1400" spc="35">
+              <a:rPr sz="1400" spc="35" dirty="0">
                 <a:latin typeface="Tahoma"/>
                 <a:cs typeface="Tahoma"/>
               </a:rPr>
               <a:t>When</a:t>
             </a:r>
             <a:r>
-              <a:rPr dirty="0" sz="1400" spc="-165">
-                <a:latin typeface="Tahoma"/>
-                <a:cs typeface="Tahoma"/>
-              </a:rPr>
-              <a:t> </a:t>
-            </a:r>
-            <a:r>
-              <a:rPr dirty="0" sz="1400" spc="5">
+              <a:rPr sz="1400" spc="-165" dirty="0">
+                <a:latin typeface="Tahoma"/>
+                <a:cs typeface="Tahoma"/>
+              </a:rPr>
+              <a:t> </a:t>
+            </a:r>
+            <a:r>
+              <a:rPr sz="1400" spc="5" dirty="0">
                 <a:latin typeface="Tahoma"/>
                 <a:cs typeface="Tahoma"/>
               </a:rPr>
               <a:t>you</a:t>
             </a:r>
             <a:r>
-              <a:rPr dirty="0" sz="1400" spc="-165">
-                <a:latin typeface="Tahoma"/>
-                <a:cs typeface="Tahoma"/>
-              </a:rPr>
-              <a:t> </a:t>
-            </a:r>
-            <a:r>
-              <a:rPr dirty="0" sz="1400">
+              <a:rPr sz="1400" spc="-165" dirty="0">
+                <a:latin typeface="Tahoma"/>
+                <a:cs typeface="Tahoma"/>
+              </a:rPr>
+              <a:t> </a:t>
+            </a:r>
+            <a:r>
+              <a:rPr sz="1400" dirty="0">
                 <a:latin typeface="Tahoma"/>
                 <a:cs typeface="Tahoma"/>
               </a:rPr>
               <a:t>take</a:t>
             </a:r>
             <a:r>
-              <a:rPr dirty="0" sz="1400" spc="-165">
-                <a:latin typeface="Tahoma"/>
-                <a:cs typeface="Tahoma"/>
-              </a:rPr>
-              <a:t> </a:t>
-            </a:r>
-            <a:r>
-              <a:rPr dirty="0" sz="1400" spc="15">
+              <a:rPr sz="1400" spc="-165" dirty="0">
+                <a:latin typeface="Tahoma"/>
+                <a:cs typeface="Tahoma"/>
+              </a:rPr>
+              <a:t> </a:t>
+            </a:r>
+            <a:r>
+              <a:rPr sz="1400" spc="15" dirty="0">
                 <a:latin typeface="Tahoma"/>
                 <a:cs typeface="Tahoma"/>
               </a:rPr>
               <a:t>your</a:t>
             </a:r>
             <a:r>
-              <a:rPr dirty="0" sz="1400" spc="-165">
-                <a:latin typeface="Tahoma"/>
-                <a:cs typeface="Tahoma"/>
-              </a:rPr>
-              <a:t> </a:t>
-            </a:r>
-            <a:r>
-              <a:rPr dirty="0" sz="1400" spc="10">
+              <a:rPr sz="1400" spc="-165" dirty="0">
+                <a:latin typeface="Tahoma"/>
+                <a:cs typeface="Tahoma"/>
+              </a:rPr>
+              <a:t> </a:t>
+            </a:r>
+            <a:r>
+              <a:rPr sz="1400" spc="10" dirty="0">
                 <a:latin typeface="Tahoma"/>
                 <a:cs typeface="Tahoma"/>
               </a:rPr>
               <a:t>medication</a:t>
             </a:r>
             <a:r>
-              <a:rPr dirty="0" sz="1400" spc="-165">
-                <a:latin typeface="Tahoma"/>
-                <a:cs typeface="Tahoma"/>
-              </a:rPr>
-              <a:t> </a:t>
-            </a:r>
-            <a:r>
-              <a:rPr dirty="0" sz="1400" spc="5">
+              <a:rPr sz="1400" spc="-165" dirty="0">
+                <a:latin typeface="Tahoma"/>
+                <a:cs typeface="Tahoma"/>
+              </a:rPr>
+              <a:t> </a:t>
+            </a:r>
+            <a:r>
+              <a:rPr sz="1400" spc="5" dirty="0">
                 <a:latin typeface="Tahoma"/>
                 <a:cs typeface="Tahoma"/>
               </a:rPr>
               <a:t>on</a:t>
             </a:r>
             <a:r>
-              <a:rPr dirty="0" sz="1400" spc="-165">
-                <a:latin typeface="Tahoma"/>
-                <a:cs typeface="Tahoma"/>
-              </a:rPr>
-              <a:t> </a:t>
-            </a:r>
-            <a:r>
-              <a:rPr dirty="0" sz="1400" spc="-30">
+              <a:rPr sz="1400" spc="-165" dirty="0">
+                <a:latin typeface="Tahoma"/>
+                <a:cs typeface="Tahoma"/>
+              </a:rPr>
+              <a:t> </a:t>
+            </a:r>
+            <a:r>
+              <a:rPr sz="1400" spc="-30" dirty="0">
                 <a:latin typeface="Tahoma"/>
                 <a:cs typeface="Tahoma"/>
               </a:rPr>
               <a:t>a</a:t>
             </a:r>
             <a:r>
-              <a:rPr dirty="0" sz="1400" spc="-165">
-                <a:latin typeface="Tahoma"/>
-                <a:cs typeface="Tahoma"/>
-              </a:rPr>
-              <a:t> </a:t>
-            </a:r>
-            <a:r>
-              <a:rPr dirty="0" sz="1400" spc="5">
+              <a:rPr sz="1400" spc="-165" dirty="0">
+                <a:latin typeface="Tahoma"/>
+                <a:cs typeface="Tahoma"/>
+              </a:rPr>
+              <a:t> </a:t>
+            </a:r>
+            <a:r>
+              <a:rPr sz="1400" spc="5" dirty="0">
                 <a:latin typeface="Tahoma"/>
                 <a:cs typeface="Tahoma"/>
               </a:rPr>
               <a:t>regular</a:t>
             </a:r>
             <a:r>
-              <a:rPr dirty="0" sz="1400" spc="-165">
-                <a:latin typeface="Tahoma"/>
-                <a:cs typeface="Tahoma"/>
-              </a:rPr>
-              <a:t> </a:t>
-            </a:r>
-            <a:r>
-              <a:rPr dirty="0" sz="1400" spc="-25">
+              <a:rPr sz="1400" spc="-165" dirty="0">
+                <a:latin typeface="Tahoma"/>
+                <a:cs typeface="Tahoma"/>
+              </a:rPr>
+              <a:t> </a:t>
+            </a:r>
+            <a:r>
+              <a:rPr sz="1400" spc="-25" dirty="0">
                 <a:latin typeface="Tahoma"/>
                 <a:cs typeface="Tahoma"/>
               </a:rPr>
               <a:t>basis,</a:t>
             </a:r>
             <a:r>
-              <a:rPr dirty="0" sz="1400" spc="-165">
-                <a:latin typeface="Tahoma"/>
-                <a:cs typeface="Tahoma"/>
-              </a:rPr>
-              <a:t> </a:t>
-            </a:r>
-            <a:r>
-              <a:rPr dirty="0" sz="1400" spc="15">
+              <a:rPr sz="1400" spc="-165" dirty="0">
+                <a:latin typeface="Tahoma"/>
+                <a:cs typeface="Tahoma"/>
+              </a:rPr>
+              <a:t> </a:t>
+            </a:r>
+            <a:r>
+              <a:rPr sz="1400" spc="15" dirty="0">
                 <a:latin typeface="Tahoma"/>
                 <a:cs typeface="Tahoma"/>
               </a:rPr>
               <a:t>your</a:t>
             </a:r>
             <a:r>
-              <a:rPr dirty="0" sz="1400" spc="-165">
-                <a:latin typeface="Tahoma"/>
-                <a:cs typeface="Tahoma"/>
-              </a:rPr>
-              <a:t> </a:t>
-            </a:r>
-            <a:r>
-              <a:rPr dirty="0" sz="1400" spc="10">
+              <a:rPr sz="1400" spc="-165" dirty="0">
+                <a:latin typeface="Tahoma"/>
+                <a:cs typeface="Tahoma"/>
+              </a:rPr>
+              <a:t> </a:t>
+            </a:r>
+            <a:r>
+              <a:rPr sz="1400" spc="10" dirty="0">
                 <a:latin typeface="Tahoma"/>
                 <a:cs typeface="Tahoma"/>
               </a:rPr>
               <a:t>body</a:t>
             </a:r>
             <a:r>
-              <a:rPr dirty="0" sz="1400" spc="-165">
-                <a:latin typeface="Tahoma"/>
-                <a:cs typeface="Tahoma"/>
-              </a:rPr>
-              <a:t> </a:t>
-            </a:r>
-            <a:r>
-              <a:rPr dirty="0" sz="1400">
+              <a:rPr sz="1400" spc="-165" dirty="0">
+                <a:latin typeface="Tahoma"/>
+                <a:cs typeface="Tahoma"/>
+              </a:rPr>
+              <a:t> </a:t>
+            </a:r>
+            <a:r>
+              <a:rPr sz="1400" dirty="0">
                 <a:latin typeface="Tahoma"/>
                 <a:cs typeface="Tahoma"/>
               </a:rPr>
               <a:t>reaches </a:t>
             </a:r>
             <a:r>
-              <a:rPr dirty="0" sz="1400" spc="-420">
-                <a:latin typeface="Tahoma"/>
-                <a:cs typeface="Tahoma"/>
-              </a:rPr>
-              <a:t> </a:t>
-            </a:r>
-            <a:r>
-              <a:rPr dirty="0" sz="1400" spc="15">
+              <a:rPr sz="1400" spc="-420" dirty="0">
+                <a:latin typeface="Tahoma"/>
+                <a:cs typeface="Tahoma"/>
+              </a:rPr>
+              <a:t> </a:t>
+            </a:r>
+            <a:r>
+              <a:rPr sz="1400" spc="15" dirty="0">
                 <a:latin typeface="Tahoma"/>
                 <a:cs typeface="Tahoma"/>
               </a:rPr>
               <a:t>what</a:t>
             </a:r>
             <a:r>
-              <a:rPr dirty="0" sz="1400" spc="-170">
-                <a:latin typeface="Tahoma"/>
-                <a:cs typeface="Tahoma"/>
-              </a:rPr>
-              <a:t> </a:t>
-            </a:r>
-            <a:r>
-              <a:rPr dirty="0" sz="1400" spc="10">
+              <a:rPr sz="1400" spc="-170" dirty="0">
+                <a:latin typeface="Tahoma"/>
+                <a:cs typeface="Tahoma"/>
+              </a:rPr>
+              <a:t> </a:t>
+            </a:r>
+            <a:r>
+              <a:rPr sz="1400" spc="10" dirty="0">
                 <a:latin typeface="Tahoma"/>
                 <a:cs typeface="Tahoma"/>
               </a:rPr>
               <a:t>is</a:t>
             </a:r>
             <a:r>
-              <a:rPr dirty="0" sz="1400" spc="-170">
-                <a:latin typeface="Tahoma"/>
-                <a:cs typeface="Tahoma"/>
-              </a:rPr>
-              <a:t> </a:t>
-            </a:r>
-            <a:r>
-              <a:rPr dirty="0" sz="1400" spc="15">
+              <a:rPr sz="1400" spc="-170" dirty="0">
+                <a:latin typeface="Tahoma"/>
+                <a:cs typeface="Tahoma"/>
+              </a:rPr>
+              <a:t> </a:t>
+            </a:r>
+            <a:r>
+              <a:rPr sz="1400" spc="15" dirty="0">
                 <a:latin typeface="Tahoma"/>
                 <a:cs typeface="Tahoma"/>
               </a:rPr>
               <a:t>known</a:t>
             </a:r>
             <a:r>
-              <a:rPr dirty="0" sz="1400" spc="-170">
-                <a:latin typeface="Tahoma"/>
-                <a:cs typeface="Tahoma"/>
-              </a:rPr>
-              <a:t> </a:t>
-            </a:r>
-            <a:r>
-              <a:rPr dirty="0" sz="1400" spc="-25">
+              <a:rPr sz="1400" spc="-170" dirty="0">
+                <a:latin typeface="Tahoma"/>
+                <a:cs typeface="Tahoma"/>
+              </a:rPr>
+              <a:t> </a:t>
+            </a:r>
+            <a:r>
+              <a:rPr sz="1400" spc="-25" dirty="0">
                 <a:latin typeface="Tahoma"/>
                 <a:cs typeface="Tahoma"/>
               </a:rPr>
               <a:t>as</a:t>
             </a:r>
             <a:r>
-              <a:rPr dirty="0" sz="1400" spc="-170">
-                <a:latin typeface="Tahoma"/>
-                <a:cs typeface="Tahoma"/>
-              </a:rPr>
-              <a:t> </a:t>
-            </a:r>
-            <a:r>
-              <a:rPr dirty="0" sz="1400" spc="-5">
+              <a:rPr sz="1400" spc="-170" dirty="0">
+                <a:latin typeface="Tahoma"/>
+                <a:cs typeface="Tahoma"/>
+              </a:rPr>
+              <a:t> </a:t>
+            </a:r>
+            <a:r>
+              <a:rPr sz="1400" spc="-5" dirty="0">
                 <a:latin typeface="Tahoma"/>
                 <a:cs typeface="Tahoma"/>
               </a:rPr>
               <a:t>“steady</a:t>
             </a:r>
             <a:r>
-              <a:rPr dirty="0" sz="1400" spc="-170">
-                <a:latin typeface="Tahoma"/>
-                <a:cs typeface="Tahoma"/>
-              </a:rPr>
-              <a:t> </a:t>
-            </a:r>
-            <a:r>
-              <a:rPr dirty="0" sz="1400" spc="10">
+              <a:rPr sz="1400" spc="-170" dirty="0">
+                <a:latin typeface="Tahoma"/>
+                <a:cs typeface="Tahoma"/>
+              </a:rPr>
+              <a:t> </a:t>
+            </a:r>
+            <a:r>
+              <a:rPr sz="1400" spc="10" dirty="0">
                 <a:latin typeface="Tahoma"/>
                 <a:cs typeface="Tahoma"/>
               </a:rPr>
               <a:t>stat</a:t>
             </a:r>
             <a:r>
-              <a:rPr dirty="0" sz="1400" spc="-50">
+              <a:rPr sz="1400" spc="-50" dirty="0">
                 <a:latin typeface="Tahoma"/>
                 <a:cs typeface="Tahoma"/>
               </a:rPr>
               <a:t>e</a:t>
             </a:r>
             <a:r>
-              <a:rPr dirty="0" sz="1400" spc="-55">
+              <a:rPr sz="1400" spc="-55" dirty="0">
                 <a:latin typeface="Tahoma"/>
                 <a:cs typeface="Tahoma"/>
               </a:rPr>
               <a:t>”</a:t>
             </a:r>
             <a:r>
-              <a:rPr dirty="0" sz="1400" spc="-170">
-                <a:latin typeface="Tahoma"/>
-                <a:cs typeface="Tahoma"/>
-              </a:rPr>
-              <a:t> </a:t>
-            </a:r>
-            <a:r>
-              <a:rPr dirty="0" sz="1400" spc="-130">
+              <a:rPr sz="1400" spc="-170" dirty="0">
+                <a:latin typeface="Tahoma"/>
+                <a:cs typeface="Tahoma"/>
+              </a:rPr>
+              <a:t> </a:t>
+            </a:r>
+            <a:r>
+              <a:rPr sz="1400" spc="-130" dirty="0">
                 <a:latin typeface="Tahoma"/>
                 <a:cs typeface="Tahoma"/>
               </a:rPr>
@@ -22794,238 +23103,238 @@
               </a:tabLst>
             </a:pPr>
             <a:r>
-              <a:rPr dirty="0" sz="1400" spc="-10">
+              <a:rPr sz="1400" spc="-10" dirty="0">
                 <a:latin typeface="Tahoma"/>
                 <a:cs typeface="Tahoma"/>
               </a:rPr>
               <a:t>You can </a:t>
             </a:r>
             <a:r>
-              <a:rPr dirty="0" sz="1400" spc="25">
+              <a:rPr sz="1400" spc="25" dirty="0">
                 <a:latin typeface="Tahoma"/>
                 <a:cs typeface="Tahoma"/>
               </a:rPr>
               <a:t>tie </a:t>
             </a:r>
             <a:r>
-              <a:rPr dirty="0" sz="1400" spc="15">
+              <a:rPr sz="1400" spc="15" dirty="0">
                 <a:latin typeface="Tahoma"/>
                 <a:cs typeface="Tahoma"/>
               </a:rPr>
               <a:t>your </a:t>
             </a:r>
             <a:r>
-              <a:rPr dirty="0" sz="1400">
+              <a:rPr sz="1400" dirty="0">
                 <a:latin typeface="Tahoma"/>
                 <a:cs typeface="Tahoma"/>
               </a:rPr>
               <a:t>drug </a:t>
             </a:r>
             <a:r>
-              <a:rPr dirty="0" sz="1400" spc="-5">
+              <a:rPr sz="1400" spc="-5" dirty="0">
                 <a:latin typeface="Tahoma"/>
                 <a:cs typeface="Tahoma"/>
               </a:rPr>
               <a:t>doses </a:t>
             </a:r>
             <a:r>
-              <a:rPr dirty="0" sz="1400" spc="30">
+              <a:rPr sz="1400" spc="30" dirty="0">
                 <a:latin typeface="Tahoma"/>
                 <a:cs typeface="Tahoma"/>
               </a:rPr>
               <a:t>with </a:t>
             </a:r>
             <a:r>
-              <a:rPr dirty="0" sz="1400" spc="-30">
+              <a:rPr sz="1400" spc="-30" dirty="0">
                 <a:latin typeface="Tahoma"/>
                 <a:cs typeface="Tahoma"/>
               </a:rPr>
               <a:t>a </a:t>
             </a:r>
             <a:r>
-              <a:rPr dirty="0" sz="1400" spc="15">
+              <a:rPr sz="1400" spc="15" dirty="0">
                 <a:latin typeface="Tahoma"/>
                 <a:cs typeface="Tahoma"/>
               </a:rPr>
               <a:t>daily </a:t>
             </a:r>
             <a:r>
-              <a:rPr dirty="0" sz="1400" spc="10">
+              <a:rPr sz="1400" spc="10" dirty="0">
                 <a:latin typeface="Tahoma"/>
                 <a:cs typeface="Tahoma"/>
               </a:rPr>
               <a:t>call reminders </a:t>
             </a:r>
             <a:r>
-              <a:rPr dirty="0" sz="1400" spc="15">
+              <a:rPr sz="1400" spc="15" dirty="0">
                 <a:latin typeface="Tahoma"/>
                 <a:cs typeface="Tahoma"/>
               </a:rPr>
               <a:t>like </a:t>
             </a:r>
             <a:r>
-              <a:rPr dirty="0" sz="1400" spc="-425">
-                <a:latin typeface="Tahoma"/>
-                <a:cs typeface="Tahoma"/>
-              </a:rPr>
-              <a:t> </a:t>
-            </a:r>
-            <a:r>
-              <a:rPr dirty="0" sz="1400" spc="10">
+              <a:rPr sz="1400" spc="-425" dirty="0">
+                <a:latin typeface="Tahoma"/>
+                <a:cs typeface="Tahoma"/>
+              </a:rPr>
+              <a:t> </a:t>
+            </a:r>
+            <a:r>
+              <a:rPr sz="1400" spc="10" dirty="0">
                 <a:latin typeface="Tahoma"/>
                 <a:cs typeface="Tahoma"/>
               </a:rPr>
               <a:t>breakfast</a:t>
             </a:r>
             <a:r>
-              <a:rPr dirty="0" sz="1400" spc="-170">
-                <a:latin typeface="Tahoma"/>
-                <a:cs typeface="Tahoma"/>
-              </a:rPr>
-              <a:t> </a:t>
-            </a:r>
-            <a:r>
-              <a:rPr dirty="0" sz="1400" spc="-15">
+              <a:rPr sz="1400" spc="-170" dirty="0">
+                <a:latin typeface="Tahoma"/>
+                <a:cs typeface="Tahoma"/>
+              </a:rPr>
+              <a:t> </a:t>
+            </a:r>
+            <a:r>
+              <a:rPr sz="1400" spc="-15" dirty="0">
                 <a:latin typeface="Tahoma"/>
                 <a:cs typeface="Tahoma"/>
               </a:rPr>
               <a:t>time,</a:t>
             </a:r>
             <a:r>
-              <a:rPr dirty="0" sz="1400" spc="-170">
-                <a:latin typeface="Tahoma"/>
-                <a:cs typeface="Tahoma"/>
-              </a:rPr>
-              <a:t> </a:t>
-            </a:r>
-            <a:r>
-              <a:rPr dirty="0" sz="1400" spc="20">
+              <a:rPr sz="1400" spc="-170" dirty="0">
+                <a:latin typeface="Tahoma"/>
+                <a:cs typeface="Tahoma"/>
+              </a:rPr>
+              <a:t> </a:t>
+            </a:r>
+            <a:r>
+              <a:rPr sz="1400" spc="20" dirty="0">
                 <a:latin typeface="Tahoma"/>
                 <a:cs typeface="Tahoma"/>
               </a:rPr>
               <a:t>after</a:t>
             </a:r>
             <a:r>
-              <a:rPr dirty="0" sz="1400" spc="-170">
-                <a:latin typeface="Tahoma"/>
-                <a:cs typeface="Tahoma"/>
-              </a:rPr>
-              <a:t> </a:t>
-            </a:r>
-            <a:r>
-              <a:rPr dirty="0" sz="1400" spc="-30">
+              <a:rPr sz="1400" spc="-170" dirty="0">
+                <a:latin typeface="Tahoma"/>
+                <a:cs typeface="Tahoma"/>
+              </a:rPr>
+              <a:t> </a:t>
+            </a:r>
+            <a:r>
+              <a:rPr sz="1400" spc="-30" dirty="0">
                 <a:latin typeface="Tahoma"/>
                 <a:cs typeface="Tahoma"/>
               </a:rPr>
               <a:t>a</a:t>
             </a:r>
             <a:r>
-              <a:rPr dirty="0" sz="1400" spc="-170">
-                <a:latin typeface="Tahoma"/>
-                <a:cs typeface="Tahoma"/>
-              </a:rPr>
-              <a:t> </a:t>
-            </a:r>
-            <a:r>
-              <a:rPr dirty="0" sz="1400" spc="-20">
+              <a:rPr sz="1400" spc="-170" dirty="0">
+                <a:latin typeface="Tahoma"/>
+                <a:cs typeface="Tahoma"/>
+              </a:rPr>
+              <a:t> </a:t>
+            </a:r>
+            <a:r>
+              <a:rPr sz="1400" spc="-20" dirty="0">
                 <a:latin typeface="Tahoma"/>
                 <a:cs typeface="Tahoma"/>
               </a:rPr>
               <a:t>shower,</a:t>
             </a:r>
             <a:r>
-              <a:rPr dirty="0" sz="1400" spc="-170">
-                <a:latin typeface="Tahoma"/>
-                <a:cs typeface="Tahoma"/>
-              </a:rPr>
-              <a:t> </a:t>
-            </a:r>
-            <a:r>
-              <a:rPr dirty="0" sz="1400" spc="35">
+              <a:rPr sz="1400" spc="-170" dirty="0">
+                <a:latin typeface="Tahoma"/>
+                <a:cs typeface="Tahoma"/>
+              </a:rPr>
+              <a:t> </a:t>
+            </a:r>
+            <a:r>
+              <a:rPr sz="1400" spc="35" dirty="0">
                 <a:latin typeface="Tahoma"/>
                 <a:cs typeface="Tahoma"/>
               </a:rPr>
               <a:t>or</a:t>
             </a:r>
             <a:r>
-              <a:rPr dirty="0" sz="1400" spc="-165">
-                <a:latin typeface="Tahoma"/>
-                <a:cs typeface="Tahoma"/>
-              </a:rPr>
-              <a:t> </a:t>
-            </a:r>
-            <a:r>
-              <a:rPr dirty="0" sz="1400" spc="5">
+              <a:rPr sz="1400" spc="-165" dirty="0">
+                <a:latin typeface="Tahoma"/>
+                <a:cs typeface="Tahoma"/>
+              </a:rPr>
+              <a:t> </a:t>
+            </a:r>
+            <a:r>
+              <a:rPr sz="1400" spc="5" dirty="0">
                 <a:latin typeface="Tahoma"/>
                 <a:cs typeface="Tahoma"/>
               </a:rPr>
               <a:t>when</a:t>
             </a:r>
             <a:r>
-              <a:rPr dirty="0" sz="1400" spc="-170">
-                <a:latin typeface="Tahoma"/>
-                <a:cs typeface="Tahoma"/>
-              </a:rPr>
-              <a:t> </a:t>
-            </a:r>
-            <a:r>
-              <a:rPr dirty="0" sz="1400" spc="5">
+              <a:rPr sz="1400" spc="-170" dirty="0">
+                <a:latin typeface="Tahoma"/>
+                <a:cs typeface="Tahoma"/>
+              </a:rPr>
+              <a:t> </a:t>
+            </a:r>
+            <a:r>
+              <a:rPr sz="1400" spc="5" dirty="0">
                 <a:latin typeface="Tahoma"/>
                 <a:cs typeface="Tahoma"/>
               </a:rPr>
               <a:t>you</a:t>
             </a:r>
             <a:r>
-              <a:rPr dirty="0" sz="1400" spc="-170">
-                <a:latin typeface="Tahoma"/>
-                <a:cs typeface="Tahoma"/>
-              </a:rPr>
-              <a:t> </a:t>
-            </a:r>
-            <a:r>
-              <a:rPr dirty="0" sz="1400" spc="-5">
+              <a:rPr sz="1400" spc="-170" dirty="0">
+                <a:latin typeface="Tahoma"/>
+                <a:cs typeface="Tahoma"/>
+              </a:rPr>
+              <a:t> </a:t>
+            </a:r>
+            <a:r>
+              <a:rPr sz="1400" spc="-5" dirty="0">
                 <a:latin typeface="Tahoma"/>
                 <a:cs typeface="Tahoma"/>
               </a:rPr>
               <a:t>get</a:t>
             </a:r>
             <a:r>
-              <a:rPr dirty="0" sz="1400" spc="-170">
-                <a:latin typeface="Tahoma"/>
-                <a:cs typeface="Tahoma"/>
-              </a:rPr>
-              <a:t> </a:t>
-            </a:r>
-            <a:r>
-              <a:rPr dirty="0" sz="1400" spc="10">
+              <a:rPr sz="1400" spc="-170" dirty="0">
+                <a:latin typeface="Tahoma"/>
+                <a:cs typeface="Tahoma"/>
+              </a:rPr>
+              <a:t> </a:t>
+            </a:r>
+            <a:r>
+              <a:rPr sz="1400" spc="10" dirty="0">
                 <a:latin typeface="Tahoma"/>
                 <a:cs typeface="Tahoma"/>
               </a:rPr>
               <a:t>ready</a:t>
             </a:r>
             <a:r>
-              <a:rPr dirty="0" sz="1400" spc="-170">
-                <a:latin typeface="Tahoma"/>
-                <a:cs typeface="Tahoma"/>
-              </a:rPr>
-              <a:t> </a:t>
-            </a:r>
-            <a:r>
-              <a:rPr dirty="0" sz="1400" spc="30">
+              <a:rPr sz="1400" spc="-170" dirty="0">
+                <a:latin typeface="Tahoma"/>
+                <a:cs typeface="Tahoma"/>
+              </a:rPr>
+              <a:t> </a:t>
+            </a:r>
+            <a:r>
+              <a:rPr sz="1400" spc="30" dirty="0">
                 <a:latin typeface="Tahoma"/>
                 <a:cs typeface="Tahoma"/>
               </a:rPr>
               <a:t>for</a:t>
             </a:r>
             <a:r>
-              <a:rPr dirty="0" sz="1400" spc="-170">
-                <a:latin typeface="Tahoma"/>
-                <a:cs typeface="Tahoma"/>
-              </a:rPr>
-              <a:t> </a:t>
-            </a:r>
-            <a:r>
-              <a:rPr dirty="0" sz="1400" spc="-30">
+              <a:rPr sz="1400" spc="-170" dirty="0">
+                <a:latin typeface="Tahoma"/>
+                <a:cs typeface="Tahoma"/>
+              </a:rPr>
+              <a:t> </a:t>
+            </a:r>
+            <a:r>
+              <a:rPr sz="1400" spc="-30" dirty="0">
                 <a:latin typeface="Tahoma"/>
                 <a:cs typeface="Tahoma"/>
               </a:rPr>
@@ -23065,133 +23374,133 @@
               </a:tabLst>
             </a:pPr>
             <a:r>
-              <a:rPr dirty="0" sz="1400" spc="20">
+              <a:rPr sz="1400" spc="20" dirty="0">
                 <a:latin typeface="Tahoma"/>
                 <a:cs typeface="Tahoma"/>
               </a:rPr>
               <a:t>Keep</a:t>
             </a:r>
             <a:r>
-              <a:rPr dirty="0" sz="1400" spc="-170">
-                <a:latin typeface="Tahoma"/>
-                <a:cs typeface="Tahoma"/>
-              </a:rPr>
-              <a:t> </a:t>
-            </a:r>
-            <a:r>
-              <a:rPr dirty="0" sz="1400" spc="10">
+              <a:rPr sz="1400" spc="-170" dirty="0">
+                <a:latin typeface="Tahoma"/>
+                <a:cs typeface="Tahoma"/>
+              </a:rPr>
+              <a:t> </a:t>
+            </a:r>
+            <a:r>
+              <a:rPr sz="1400" spc="10" dirty="0">
                 <a:latin typeface="Tahoma"/>
                 <a:cs typeface="Tahoma"/>
               </a:rPr>
               <a:t>yourself</a:t>
             </a:r>
             <a:r>
-              <a:rPr dirty="0" sz="1400" spc="-165">
-                <a:latin typeface="Tahoma"/>
-                <a:cs typeface="Tahoma"/>
-              </a:rPr>
-              <a:t> </a:t>
-            </a:r>
-            <a:r>
-              <a:rPr dirty="0" sz="1400" spc="5">
+              <a:rPr sz="1400" spc="-165" dirty="0">
+                <a:latin typeface="Tahoma"/>
+                <a:cs typeface="Tahoma"/>
+              </a:rPr>
+              <a:t> </a:t>
+            </a:r>
+            <a:r>
+              <a:rPr sz="1400" spc="5" dirty="0">
                 <a:latin typeface="Tahoma"/>
                 <a:cs typeface="Tahoma"/>
               </a:rPr>
               <a:t>updated</a:t>
             </a:r>
             <a:r>
-              <a:rPr dirty="0" sz="1400" spc="-165">
-                <a:latin typeface="Tahoma"/>
-                <a:cs typeface="Tahoma"/>
-              </a:rPr>
-              <a:t> </a:t>
-            </a:r>
-            <a:r>
-              <a:rPr dirty="0" sz="1400" spc="30">
+              <a:rPr sz="1400" spc="-165" dirty="0">
+                <a:latin typeface="Tahoma"/>
+                <a:cs typeface="Tahoma"/>
+              </a:rPr>
+              <a:t> </a:t>
+            </a:r>
+            <a:r>
+              <a:rPr sz="1400" spc="30" dirty="0">
                 <a:latin typeface="Tahoma"/>
                 <a:cs typeface="Tahoma"/>
               </a:rPr>
               <a:t>with</a:t>
             </a:r>
             <a:r>
-              <a:rPr dirty="0" sz="1400" spc="110">
-                <a:latin typeface="Tahoma"/>
-                <a:cs typeface="Tahoma"/>
-              </a:rPr>
-              <a:t> </a:t>
-            </a:r>
-            <a:r>
-              <a:rPr dirty="0" sz="1400" spc="5">
+              <a:rPr sz="1400" spc="110" dirty="0">
+                <a:latin typeface="Tahoma"/>
+                <a:cs typeface="Tahoma"/>
+              </a:rPr>
+              <a:t> </a:t>
+            </a:r>
+            <a:r>
+              <a:rPr sz="1400" spc="5" dirty="0">
                 <a:latin typeface="Tahoma"/>
                 <a:cs typeface="Tahoma"/>
               </a:rPr>
               <a:t>medications</a:t>
             </a:r>
             <a:r>
-              <a:rPr dirty="0" sz="1400" spc="-165">
-                <a:latin typeface="Tahoma"/>
-                <a:cs typeface="Tahoma"/>
-              </a:rPr>
-              <a:t> </a:t>
-            </a:r>
-            <a:r>
-              <a:rPr dirty="0" sz="1400" spc="20">
+              <a:rPr sz="1400" spc="-165" dirty="0">
+                <a:latin typeface="Tahoma"/>
+                <a:cs typeface="Tahoma"/>
+              </a:rPr>
+              <a:t> </a:t>
+            </a:r>
+            <a:r>
+              <a:rPr sz="1400" spc="20" dirty="0">
                 <a:latin typeface="Tahoma"/>
                 <a:cs typeface="Tahoma"/>
               </a:rPr>
               <a:t>prescription</a:t>
             </a:r>
             <a:r>
-              <a:rPr dirty="0" sz="1400" spc="-165">
-                <a:latin typeface="Tahoma"/>
-                <a:cs typeface="Tahoma"/>
-              </a:rPr>
-              <a:t> </a:t>
-            </a:r>
-            <a:r>
-              <a:rPr dirty="0" sz="1400" spc="35">
+              <a:rPr sz="1400" spc="-165" dirty="0">
+                <a:latin typeface="Tahoma"/>
+                <a:cs typeface="Tahoma"/>
+              </a:rPr>
+              <a:t> </a:t>
+            </a:r>
+            <a:r>
+              <a:rPr sz="1400" spc="35" dirty="0">
                 <a:latin typeface="Tahoma"/>
                 <a:cs typeface="Tahoma"/>
               </a:rPr>
               <a:t>reﬁll</a:t>
             </a:r>
             <a:r>
-              <a:rPr dirty="0" sz="1400" spc="-165">
-                <a:latin typeface="Tahoma"/>
-                <a:cs typeface="Tahoma"/>
-              </a:rPr>
-              <a:t> </a:t>
-            </a:r>
-            <a:r>
-              <a:rPr dirty="0" sz="1400" spc="5">
+              <a:rPr sz="1400" spc="-165" dirty="0">
+                <a:latin typeface="Tahoma"/>
+                <a:cs typeface="Tahoma"/>
+              </a:rPr>
+              <a:t> </a:t>
+            </a:r>
+            <a:r>
+              <a:rPr sz="1400" spc="5" dirty="0">
                 <a:latin typeface="Tahoma"/>
                 <a:cs typeface="Tahoma"/>
               </a:rPr>
               <a:t>date </a:t>
             </a:r>
             <a:r>
-              <a:rPr dirty="0" sz="1400" spc="-425">
-                <a:latin typeface="Tahoma"/>
-                <a:cs typeface="Tahoma"/>
-              </a:rPr>
-              <a:t> </a:t>
-            </a:r>
-            <a:r>
-              <a:rPr dirty="0" sz="1400" spc="-10">
+              <a:rPr sz="1400" spc="-425" dirty="0">
+                <a:latin typeface="Tahoma"/>
+                <a:cs typeface="Tahoma"/>
+              </a:rPr>
+              <a:t> </a:t>
+            </a:r>
+            <a:r>
+              <a:rPr sz="1400" spc="-10" dirty="0">
                 <a:latin typeface="Tahoma"/>
                 <a:cs typeface="Tahoma"/>
               </a:rPr>
               <a:t>and</a:t>
             </a:r>
             <a:r>
-              <a:rPr dirty="0" sz="1400" spc="-175">
-                <a:latin typeface="Tahoma"/>
-                <a:cs typeface="Tahoma"/>
-              </a:rPr>
-              <a:t> </a:t>
-            </a:r>
-            <a:r>
-              <a:rPr dirty="0" sz="1400" spc="-15">
+              <a:rPr sz="1400" spc="-175" dirty="0">
+                <a:latin typeface="Tahoma"/>
+                <a:cs typeface="Tahoma"/>
+              </a:rPr>
+              <a:t> </a:t>
+            </a:r>
+            <a:r>
+              <a:rPr sz="1400" spc="-15" dirty="0">
                 <a:latin typeface="Tahoma"/>
                 <a:cs typeface="Tahoma"/>
               </a:rPr>
@@ -23219,7 +23528,7 @@
             </a:endParaRPr>
           </a:p>
           <a:p>
-            <a:pPr algn="just" marL="469900" marR="201930" indent="-336550">
+            <a:pPr marL="469900" marR="201930" indent="-336550" algn="just">
               <a:lnSpc>
                 <a:spcPct val="100000"/>
               </a:lnSpc>
@@ -23230,364 +23539,364 @@
               </a:tabLst>
             </a:pPr>
             <a:r>
-              <a:rPr dirty="0" sz="1400" spc="85">
+              <a:rPr sz="1400" spc="85" dirty="0">
                 <a:latin typeface="Tahoma"/>
                 <a:cs typeface="Tahoma"/>
               </a:rPr>
               <a:t>MEDCALL</a:t>
             </a:r>
             <a:r>
-              <a:rPr dirty="0" sz="1400" spc="-170">
-                <a:latin typeface="Tahoma"/>
-                <a:cs typeface="Tahoma"/>
-              </a:rPr>
-              <a:t> </a:t>
-            </a:r>
-            <a:r>
-              <a:rPr dirty="0" sz="1400" spc="10">
+              <a:rPr sz="1400" spc="-170" dirty="0">
+                <a:latin typeface="Tahoma"/>
+                <a:cs typeface="Tahoma"/>
+              </a:rPr>
+              <a:t> </a:t>
+            </a:r>
+            <a:r>
+              <a:rPr sz="1400" spc="10" dirty="0">
                 <a:latin typeface="Tahoma"/>
                 <a:cs typeface="Tahoma"/>
               </a:rPr>
               <a:t>is</a:t>
             </a:r>
             <a:r>
-              <a:rPr dirty="0" sz="1400" spc="-170">
-                <a:latin typeface="Tahoma"/>
-                <a:cs typeface="Tahoma"/>
-              </a:rPr>
-              <a:t> </a:t>
-            </a:r>
-            <a:r>
-              <a:rPr dirty="0" sz="1400" spc="-30">
+              <a:rPr sz="1400" spc="-170" dirty="0">
+                <a:latin typeface="Tahoma"/>
+                <a:cs typeface="Tahoma"/>
+              </a:rPr>
+              <a:t> </a:t>
+            </a:r>
+            <a:r>
+              <a:rPr sz="1400" spc="-30" dirty="0">
                 <a:latin typeface="Tahoma"/>
                 <a:cs typeface="Tahoma"/>
               </a:rPr>
               <a:t>a</a:t>
             </a:r>
             <a:r>
-              <a:rPr dirty="0" sz="1400" spc="-165">
-                <a:latin typeface="Tahoma"/>
-                <a:cs typeface="Tahoma"/>
-              </a:rPr>
-              <a:t> </a:t>
-            </a:r>
-            <a:r>
-              <a:rPr dirty="0" sz="1400" spc="5">
+              <a:rPr sz="1400" spc="-165" dirty="0">
+                <a:latin typeface="Tahoma"/>
+                <a:cs typeface="Tahoma"/>
+              </a:rPr>
+              <a:t> </a:t>
+            </a:r>
+            <a:r>
+              <a:rPr sz="1400" spc="5" dirty="0">
                 <a:latin typeface="Tahoma"/>
                 <a:cs typeface="Tahoma"/>
               </a:rPr>
               <a:t>unique</a:t>
             </a:r>
             <a:r>
-              <a:rPr dirty="0" sz="1400" spc="-170">
-                <a:latin typeface="Tahoma"/>
-                <a:cs typeface="Tahoma"/>
-              </a:rPr>
-              <a:t> </a:t>
-            </a:r>
-            <a:r>
-              <a:rPr dirty="0" sz="1400" spc="10">
+              <a:rPr sz="1400" spc="-170" dirty="0">
+                <a:latin typeface="Tahoma"/>
+                <a:cs typeface="Tahoma"/>
+              </a:rPr>
+              <a:t> </a:t>
+            </a:r>
+            <a:r>
+              <a:rPr sz="1400" spc="10" dirty="0">
                 <a:latin typeface="Tahoma"/>
                 <a:cs typeface="Tahoma"/>
               </a:rPr>
               <a:t>service</a:t>
             </a:r>
             <a:r>
-              <a:rPr dirty="0" sz="1400" spc="-165">
-                <a:latin typeface="Tahoma"/>
-                <a:cs typeface="Tahoma"/>
-              </a:rPr>
-              <a:t> </a:t>
-            </a:r>
-            <a:r>
-              <a:rPr dirty="0" sz="1400" spc="20">
+              <a:rPr sz="1400" spc="-165" dirty="0">
+                <a:latin typeface="Tahoma"/>
+                <a:cs typeface="Tahoma"/>
+              </a:rPr>
+              <a:t> </a:t>
+            </a:r>
+            <a:r>
+              <a:rPr sz="1400" spc="20" dirty="0">
                 <a:latin typeface="Tahoma"/>
                 <a:cs typeface="Tahoma"/>
               </a:rPr>
               <a:t>that</a:t>
             </a:r>
             <a:r>
-              <a:rPr dirty="0" sz="1400" spc="-170">
-                <a:latin typeface="Tahoma"/>
-                <a:cs typeface="Tahoma"/>
-              </a:rPr>
-              <a:t> </a:t>
-            </a:r>
-            <a:r>
-              <a:rPr dirty="0" sz="1400" spc="5">
+              <a:rPr sz="1400" spc="-170" dirty="0">
+                <a:latin typeface="Tahoma"/>
+                <a:cs typeface="Tahoma"/>
+              </a:rPr>
+              <a:t> </a:t>
+            </a:r>
+            <a:r>
+              <a:rPr sz="1400" spc="5" dirty="0">
                 <a:latin typeface="Tahoma"/>
                 <a:cs typeface="Tahoma"/>
               </a:rPr>
               <a:t>doesn't</a:t>
             </a:r>
             <a:r>
-              <a:rPr dirty="0" sz="1400" spc="-165">
-                <a:latin typeface="Tahoma"/>
-                <a:cs typeface="Tahoma"/>
-              </a:rPr>
-              <a:t> </a:t>
-            </a:r>
-            <a:r>
-              <a:rPr dirty="0" sz="1400" spc="-5">
+              <a:rPr sz="1400" spc="-165" dirty="0">
+                <a:latin typeface="Tahoma"/>
+                <a:cs typeface="Tahoma"/>
+              </a:rPr>
+              <a:t> </a:t>
+            </a:r>
+            <a:r>
+              <a:rPr sz="1400" spc="-5" dirty="0">
                 <a:latin typeface="Tahoma"/>
                 <a:cs typeface="Tahoma"/>
               </a:rPr>
               <a:t>just</a:t>
             </a:r>
             <a:r>
-              <a:rPr dirty="0" sz="1400" spc="-170">
-                <a:latin typeface="Tahoma"/>
-                <a:cs typeface="Tahoma"/>
-              </a:rPr>
-              <a:t> </a:t>
-            </a:r>
-            <a:r>
-              <a:rPr dirty="0" sz="1400" spc="10">
+              <a:rPr sz="1400" spc="-170" dirty="0">
+                <a:latin typeface="Tahoma"/>
+                <a:cs typeface="Tahoma"/>
+              </a:rPr>
+              <a:t> </a:t>
+            </a:r>
+            <a:r>
+              <a:rPr sz="1400" spc="10" dirty="0">
                 <a:latin typeface="Tahoma"/>
                 <a:cs typeface="Tahoma"/>
               </a:rPr>
               <a:t>remind</a:t>
             </a:r>
             <a:r>
-              <a:rPr dirty="0" sz="1400" spc="-165">
-                <a:latin typeface="Tahoma"/>
-                <a:cs typeface="Tahoma"/>
-              </a:rPr>
-              <a:t> </a:t>
-            </a:r>
-            <a:r>
-              <a:rPr dirty="0" sz="1400" spc="5">
+              <a:rPr sz="1400" spc="-165" dirty="0">
+                <a:latin typeface="Tahoma"/>
+                <a:cs typeface="Tahoma"/>
+              </a:rPr>
+              <a:t> </a:t>
+            </a:r>
+            <a:r>
+              <a:rPr sz="1400" spc="5" dirty="0">
                 <a:latin typeface="Tahoma"/>
                 <a:cs typeface="Tahoma"/>
               </a:rPr>
               <a:t>you</a:t>
             </a:r>
             <a:r>
-              <a:rPr dirty="0" sz="1400" spc="-170">
-                <a:latin typeface="Tahoma"/>
-                <a:cs typeface="Tahoma"/>
-              </a:rPr>
-              <a:t> </a:t>
-            </a:r>
-            <a:r>
-              <a:rPr dirty="0" sz="1400" spc="5">
+              <a:rPr sz="1400" spc="-170" dirty="0">
+                <a:latin typeface="Tahoma"/>
+                <a:cs typeface="Tahoma"/>
+              </a:rPr>
+              <a:t> </a:t>
+            </a:r>
+            <a:r>
+              <a:rPr sz="1400" spc="5" dirty="0">
                 <a:latin typeface="Tahoma"/>
                 <a:cs typeface="Tahoma"/>
               </a:rPr>
               <a:t>on</a:t>
             </a:r>
             <a:r>
-              <a:rPr dirty="0" sz="1400" spc="-165">
-                <a:latin typeface="Tahoma"/>
-                <a:cs typeface="Tahoma"/>
-              </a:rPr>
-              <a:t> </a:t>
-            </a:r>
-            <a:r>
-              <a:rPr dirty="0" sz="1400" spc="10">
+              <a:rPr sz="1400" spc="-165" dirty="0">
+                <a:latin typeface="Tahoma"/>
+                <a:cs typeface="Tahoma"/>
+              </a:rPr>
+              <a:t> </a:t>
+            </a:r>
+            <a:r>
+              <a:rPr sz="1400" spc="10" dirty="0">
                 <a:latin typeface="Tahoma"/>
                 <a:cs typeface="Tahoma"/>
               </a:rPr>
               <a:t>call </a:t>
             </a:r>
             <a:r>
-              <a:rPr dirty="0" sz="1400" spc="-425">
-                <a:latin typeface="Tahoma"/>
-                <a:cs typeface="Tahoma"/>
-              </a:rPr>
-              <a:t> </a:t>
-            </a:r>
-            <a:r>
-              <a:rPr dirty="0" sz="1400" spc="30">
+              <a:rPr sz="1400" spc="-425" dirty="0">
+                <a:latin typeface="Tahoma"/>
+                <a:cs typeface="Tahoma"/>
+              </a:rPr>
+              <a:t> </a:t>
+            </a:r>
+            <a:r>
+              <a:rPr sz="1400" spc="30" dirty="0">
                 <a:latin typeface="Tahoma"/>
                 <a:cs typeface="Tahoma"/>
               </a:rPr>
               <a:t>for</a:t>
             </a:r>
             <a:r>
-              <a:rPr dirty="0" sz="1400" spc="-170">
-                <a:latin typeface="Tahoma"/>
-                <a:cs typeface="Tahoma"/>
-              </a:rPr>
-              <a:t> </a:t>
-            </a:r>
-            <a:r>
-              <a:rPr dirty="0" sz="1400" spc="5">
+              <a:rPr sz="1400" spc="-170" dirty="0">
+                <a:latin typeface="Tahoma"/>
+                <a:cs typeface="Tahoma"/>
+              </a:rPr>
+              <a:t> </a:t>
+            </a:r>
+            <a:r>
+              <a:rPr sz="1400" spc="5" dirty="0">
                 <a:latin typeface="Tahoma"/>
                 <a:cs typeface="Tahoma"/>
               </a:rPr>
               <a:t>taking</a:t>
             </a:r>
             <a:r>
-              <a:rPr dirty="0" sz="1400" spc="-170">
-                <a:latin typeface="Tahoma"/>
-                <a:cs typeface="Tahoma"/>
-              </a:rPr>
-              <a:t> </a:t>
-            </a:r>
-            <a:r>
-              <a:rPr dirty="0" sz="1400" spc="10">
+              <a:rPr sz="1400" spc="-170" dirty="0">
+                <a:latin typeface="Tahoma"/>
+                <a:cs typeface="Tahoma"/>
+              </a:rPr>
+              <a:t> </a:t>
+            </a:r>
+            <a:r>
+              <a:rPr sz="1400" spc="10" dirty="0">
                 <a:latin typeface="Tahoma"/>
                 <a:cs typeface="Tahoma"/>
               </a:rPr>
               <a:t>medication</a:t>
             </a:r>
             <a:r>
-              <a:rPr dirty="0" sz="1400" spc="-170">
-                <a:latin typeface="Tahoma"/>
-                <a:cs typeface="Tahoma"/>
-              </a:rPr>
-              <a:t> </a:t>
-            </a:r>
-            <a:r>
-              <a:rPr dirty="0" sz="1400" spc="20">
+              <a:rPr sz="1400" spc="-170" dirty="0">
+                <a:latin typeface="Tahoma"/>
+                <a:cs typeface="Tahoma"/>
+              </a:rPr>
+              <a:t> </a:t>
+            </a:r>
+            <a:r>
+              <a:rPr sz="1400" spc="20" dirty="0">
                 <a:latin typeface="Tahoma"/>
                 <a:cs typeface="Tahoma"/>
               </a:rPr>
               <a:t>but</a:t>
             </a:r>
             <a:r>
-              <a:rPr dirty="0" sz="1400" spc="-170">
-                <a:latin typeface="Tahoma"/>
-                <a:cs typeface="Tahoma"/>
-              </a:rPr>
-              <a:t> </a:t>
-            </a:r>
-            <a:r>
-              <a:rPr dirty="0" sz="1400">
+              <a:rPr sz="1400" spc="-170" dirty="0">
+                <a:latin typeface="Tahoma"/>
+                <a:cs typeface="Tahoma"/>
+              </a:rPr>
+              <a:t> </a:t>
+            </a:r>
+            <a:r>
+              <a:rPr sz="1400" dirty="0">
                 <a:latin typeface="Tahoma"/>
                 <a:cs typeface="Tahoma"/>
               </a:rPr>
               <a:t>also</a:t>
             </a:r>
             <a:r>
-              <a:rPr dirty="0" sz="1400" spc="-170">
-                <a:latin typeface="Tahoma"/>
-                <a:cs typeface="Tahoma"/>
-              </a:rPr>
-              <a:t> </a:t>
-            </a:r>
-            <a:r>
-              <a:rPr dirty="0" sz="1400">
+              <a:rPr sz="1400" spc="-170" dirty="0">
+                <a:latin typeface="Tahoma"/>
+                <a:cs typeface="Tahoma"/>
+              </a:rPr>
+              <a:t> </a:t>
+            </a:r>
+            <a:r>
+              <a:rPr sz="1400" dirty="0">
                 <a:latin typeface="Tahoma"/>
                 <a:cs typeface="Tahoma"/>
               </a:rPr>
               <a:t>schedules</a:t>
             </a:r>
             <a:r>
-              <a:rPr dirty="0" sz="1400" spc="-165">
-                <a:latin typeface="Tahoma"/>
-                <a:cs typeface="Tahoma"/>
-              </a:rPr>
-              <a:t> </a:t>
-            </a:r>
-            <a:r>
-              <a:rPr dirty="0" sz="1400" spc="5">
+              <a:rPr sz="1400" spc="-165" dirty="0">
+                <a:latin typeface="Tahoma"/>
+                <a:cs typeface="Tahoma"/>
+              </a:rPr>
+              <a:t> </a:t>
+            </a:r>
+            <a:r>
+              <a:rPr sz="1400" spc="5" dirty="0">
                 <a:latin typeface="Tahoma"/>
                 <a:cs typeface="Tahoma"/>
               </a:rPr>
               <a:t>appointments</a:t>
             </a:r>
             <a:r>
-              <a:rPr dirty="0" sz="1400" spc="-170">
-                <a:latin typeface="Tahoma"/>
-                <a:cs typeface="Tahoma"/>
-              </a:rPr>
-              <a:t> </a:t>
-            </a:r>
-            <a:r>
-              <a:rPr dirty="0" sz="1400" spc="-25">
+              <a:rPr sz="1400" spc="-170" dirty="0">
+                <a:latin typeface="Tahoma"/>
+                <a:cs typeface="Tahoma"/>
+              </a:rPr>
+              <a:t> </a:t>
+            </a:r>
+            <a:r>
+              <a:rPr sz="1400" spc="-25" dirty="0">
                 <a:latin typeface="Tahoma"/>
                 <a:cs typeface="Tahoma"/>
               </a:rPr>
               <a:t>as</a:t>
             </a:r>
             <a:r>
-              <a:rPr dirty="0" sz="1400" spc="-170">
-                <a:latin typeface="Tahoma"/>
-                <a:cs typeface="Tahoma"/>
-              </a:rPr>
-              <a:t> </a:t>
-            </a:r>
-            <a:r>
-              <a:rPr dirty="0" sz="1400" spc="25">
+              <a:rPr sz="1400" spc="-170" dirty="0">
+                <a:latin typeface="Tahoma"/>
+                <a:cs typeface="Tahoma"/>
+              </a:rPr>
+              <a:t> </a:t>
+            </a:r>
+            <a:r>
+              <a:rPr sz="1400" spc="25" dirty="0">
                 <a:latin typeface="Tahoma"/>
                 <a:cs typeface="Tahoma"/>
               </a:rPr>
               <a:t>well</a:t>
             </a:r>
             <a:r>
-              <a:rPr dirty="0" sz="1400" spc="-170">
-                <a:latin typeface="Tahoma"/>
-                <a:cs typeface="Tahoma"/>
-              </a:rPr>
-              <a:t> </a:t>
-            </a:r>
-            <a:r>
-              <a:rPr dirty="0" sz="1400" spc="-25">
+              <a:rPr sz="1400" spc="-170" dirty="0">
+                <a:latin typeface="Tahoma"/>
+                <a:cs typeface="Tahoma"/>
+              </a:rPr>
+              <a:t> </a:t>
+            </a:r>
+            <a:r>
+              <a:rPr sz="1400" spc="-25" dirty="0">
                 <a:latin typeface="Tahoma"/>
                 <a:cs typeface="Tahoma"/>
               </a:rPr>
               <a:t>as </a:t>
             </a:r>
             <a:r>
-              <a:rPr dirty="0" sz="1400" spc="-425">
-                <a:latin typeface="Tahoma"/>
-                <a:cs typeface="Tahoma"/>
-              </a:rPr>
-              <a:t> </a:t>
-            </a:r>
-            <a:r>
-              <a:rPr dirty="0" sz="1400" spc="5">
+              <a:rPr sz="1400" spc="-425" dirty="0">
+                <a:latin typeface="Tahoma"/>
+                <a:cs typeface="Tahoma"/>
+              </a:rPr>
+              <a:t> </a:t>
+            </a:r>
+            <a:r>
+              <a:rPr sz="1400" spc="5" dirty="0">
                 <a:latin typeface="Tahoma"/>
                 <a:cs typeface="Tahoma"/>
               </a:rPr>
               <a:t>reminds</a:t>
             </a:r>
             <a:r>
-              <a:rPr dirty="0" sz="1400" spc="-170">
-                <a:latin typeface="Tahoma"/>
-                <a:cs typeface="Tahoma"/>
-              </a:rPr>
-              <a:t> </a:t>
-            </a:r>
-            <a:r>
-              <a:rPr dirty="0" sz="1400" spc="-5">
+              <a:rPr sz="1400" spc="-170" dirty="0">
+                <a:latin typeface="Tahoma"/>
+                <a:cs typeface="Tahoma"/>
+              </a:rPr>
+              <a:t> </a:t>
+            </a:r>
+            <a:r>
+              <a:rPr sz="1400" spc="-5" dirty="0">
                 <a:latin typeface="Tahoma"/>
                 <a:cs typeface="Tahoma"/>
               </a:rPr>
               <a:t>y</a:t>
             </a:r>
             <a:r>
-              <a:rPr dirty="0" sz="1400" spc="5">
+              <a:rPr sz="1400" spc="5" dirty="0">
                 <a:latin typeface="Tahoma"/>
                 <a:cs typeface="Tahoma"/>
               </a:rPr>
               <a:t>ou</a:t>
             </a:r>
             <a:r>
-              <a:rPr dirty="0" sz="1400" spc="-170">
-                <a:latin typeface="Tahoma"/>
-                <a:cs typeface="Tahoma"/>
-              </a:rPr>
-              <a:t> </a:t>
-            </a:r>
-            <a:r>
-              <a:rPr dirty="0" sz="1400" spc="10">
+              <a:rPr sz="1400" spc="-170" dirty="0">
+                <a:latin typeface="Tahoma"/>
+                <a:cs typeface="Tahoma"/>
+              </a:rPr>
+              <a:t> </a:t>
+            </a:r>
+            <a:r>
+              <a:rPr sz="1400" spc="10" dirty="0">
                 <a:latin typeface="Tahoma"/>
                 <a:cs typeface="Tahoma"/>
               </a:rPr>
               <a:t>via</a:t>
             </a:r>
             <a:r>
-              <a:rPr dirty="0" sz="1400" spc="-170">
-                <a:latin typeface="Tahoma"/>
-                <a:cs typeface="Tahoma"/>
-              </a:rPr>
-              <a:t> </a:t>
-            </a:r>
-            <a:r>
-              <a:rPr dirty="0" sz="1400" spc="15">
+              <a:rPr sz="1400" spc="-170" dirty="0">
+                <a:latin typeface="Tahoma"/>
+                <a:cs typeface="Tahoma"/>
+              </a:rPr>
+              <a:t> </a:t>
+            </a:r>
+            <a:r>
+              <a:rPr sz="1400" spc="15" dirty="0">
                 <a:latin typeface="Tahoma"/>
                 <a:cs typeface="Tahoma"/>
               </a:rPr>
@@ -23728,7 +24037,9 @@
           <p:txBody>
             <a:bodyPr wrap="square" lIns="0" tIns="0" rIns="0" bIns="0" rtlCol="0"/>
             <a:lstStyle/>
-            <a:p/>
+            <a:p>
+              <a:endParaRPr/>
+            </a:p>
           </p:txBody>
         </p:sp>
         <p:sp>
@@ -23956,7 +24267,9 @@
           <p:txBody>
             <a:bodyPr wrap="square" lIns="0" tIns="0" rIns="0" bIns="0" rtlCol="0"/>
             <a:lstStyle/>
-            <a:p/>
+            <a:p>
+              <a:endParaRPr/>
+            </a:p>
           </p:txBody>
         </p:sp>
       </p:grpSp>
@@ -23976,7 +24289,7 @@
           </a:prstGeom>
         </p:spPr>
         <p:txBody>
-          <a:bodyPr wrap="square" lIns="0" tIns="0" rIns="0" bIns="0" rtlCol="0" vert="vert">
+          <a:bodyPr vert="vert" wrap="square" lIns="0" tIns="0" rIns="0" bIns="0" rtlCol="0">
             <a:spAutoFit/>
           </a:bodyPr>
           <a:lstStyle/>
@@ -23987,7 +24300,7 @@
               </a:lnSpc>
             </a:pPr>
             <a:r>
-              <a:rPr dirty="0" sz="1300" spc="-5" b="1">
+              <a:rPr sz="1300" b="1" spc="-5" dirty="0">
                 <a:solidFill>
                   <a:srgbClr val="FFFFFF"/>
                 </a:solidFill>
@@ -24019,7 +24332,7 @@
           </a:prstGeom>
         </p:spPr>
         <p:txBody>
-          <a:bodyPr wrap="square" lIns="0" tIns="0" rIns="0" bIns="0" rtlCol="0" vert="vert">
+          <a:bodyPr vert="vert" wrap="square" lIns="0" tIns="0" rIns="0" bIns="0" rtlCol="0">
             <a:spAutoFit/>
           </a:bodyPr>
           <a:lstStyle/>
@@ -24030,7 +24343,7 @@
               </a:lnSpc>
             </a:pPr>
             <a:r>
-              <a:rPr dirty="0" sz="1300" spc="-30" b="1">
+              <a:rPr sz="1300" b="1" spc="-30" dirty="0">
                 <a:solidFill>
                   <a:srgbClr val="FFFFFF"/>
                 </a:solidFill>
@@ -24127,7 +24440,9 @@
           <p:txBody>
             <a:bodyPr wrap="square" lIns="0" tIns="0" rIns="0" bIns="0" rtlCol="0"/>
             <a:lstStyle/>
-            <a:p/>
+            <a:p>
+              <a:endParaRPr/>
+            </a:p>
           </p:txBody>
         </p:sp>
         <p:sp>
@@ -24370,7 +24685,9 @@
           <p:txBody>
             <a:bodyPr wrap="square" lIns="0" tIns="0" rIns="0" bIns="0" rtlCol="0"/>
             <a:lstStyle/>
-            <a:p/>
+            <a:p>
+              <a:endParaRPr/>
+            </a:p>
           </p:txBody>
         </p:sp>
       </p:grpSp>
@@ -24390,7 +24707,7 @@
           </a:prstGeom>
         </p:spPr>
         <p:txBody>
-          <a:bodyPr wrap="square" lIns="0" tIns="0" rIns="0" bIns="0" rtlCol="0" vert="vert">
+          <a:bodyPr vert="vert" wrap="square" lIns="0" tIns="0" rIns="0" bIns="0" rtlCol="0">
             <a:spAutoFit/>
           </a:bodyPr>
           <a:lstStyle/>
@@ -24401,7 +24718,7 @@
               </a:lnSpc>
             </a:pPr>
             <a:r>
-              <a:rPr dirty="0" sz="1400" spc="-5" b="1">
+              <a:rPr sz="1400" b="1" spc="-5" dirty="0">
                 <a:solidFill>
                   <a:srgbClr val="FFFFFF"/>
                 </a:solidFill>
@@ -24433,7 +24750,7 @@
           </a:prstGeom>
         </p:spPr>
         <p:txBody>
-          <a:bodyPr wrap="square" lIns="0" tIns="0" rIns="0" bIns="0" rtlCol="0" vert="horz">
+          <a:bodyPr vert="horz" wrap="square" lIns="0" tIns="0" rIns="0" bIns="0" rtlCol="0">
             <a:spAutoFit/>
           </a:bodyPr>
           <a:lstStyle/>
@@ -24444,7 +24761,7 @@
               </a:lnSpc>
             </a:pPr>
             <a:r>
-              <a:rPr dirty="0" sz="1400" spc="-5" b="1">
+              <a:rPr sz="1400" b="1" spc="-5" dirty="0">
                 <a:solidFill>
                   <a:srgbClr val="FFFFFF"/>
                 </a:solidFill>
@@ -24468,7 +24785,7 @@
               </a:tabLst>
             </a:pPr>
             <a:r>
-              <a:rPr dirty="0" baseline="-9920" sz="2100" spc="-7" b="1">
+              <a:rPr sz="2100" b="1" spc="-7" baseline="-9920" dirty="0">
                 <a:solidFill>
                   <a:srgbClr val="FFFFFF"/>
                 </a:solidFill>
@@ -24478,7 +24795,7 @@
               <a:t>80</a:t>
             </a:r>
             <a:r>
-              <a:rPr dirty="0" baseline="-9920" sz="2100" b="1">
+              <a:rPr sz="2100" b="1" baseline="-9920" dirty="0">
                 <a:solidFill>
                   <a:srgbClr val="FFFFFF"/>
                 </a:solidFill>
@@ -24488,7 +24805,7 @@
               <a:t>%	</a:t>
             </a:r>
             <a:r>
-              <a:rPr dirty="0" sz="1400" spc="-5" b="1">
+              <a:rPr sz="1400" b="1" spc="-5" dirty="0">
                 <a:solidFill>
                   <a:srgbClr val="FFFFFF"/>
                 </a:solidFill>
@@ -24512,7 +24829,7 @@
               </a:spcBef>
             </a:pPr>
             <a:r>
-              <a:rPr dirty="0" sz="1400" spc="-25" b="1">
+              <a:rPr sz="1400" b="1" spc="-25" dirty="0">
                 <a:solidFill>
                   <a:srgbClr val="FFFFFF"/>
                 </a:solidFill>
@@ -24609,7 +24926,9 @@
           <p:txBody>
             <a:bodyPr wrap="square" lIns="0" tIns="0" rIns="0" bIns="0" rtlCol="0"/>
             <a:lstStyle/>
-            <a:p/>
+            <a:p>
+              <a:endParaRPr/>
+            </a:p>
           </p:txBody>
         </p:sp>
         <p:sp>
@@ -24852,7 +25171,9 @@
           <p:txBody>
             <a:bodyPr wrap="square" lIns="0" tIns="0" rIns="0" bIns="0" rtlCol="0"/>
             <a:lstStyle/>
-            <a:p/>
+            <a:p>
+              <a:endParaRPr/>
+            </a:p>
           </p:txBody>
         </p:sp>
       </p:grpSp>
@@ -24872,7 +25193,7 @@
           </a:prstGeom>
         </p:spPr>
         <p:txBody>
-          <a:bodyPr wrap="square" lIns="0" tIns="0" rIns="0" bIns="0" rtlCol="0" vert="vert">
+          <a:bodyPr vert="vert" wrap="square" lIns="0" tIns="0" rIns="0" bIns="0" rtlCol="0">
             <a:spAutoFit/>
           </a:bodyPr>
           <a:lstStyle/>
@@ -24883,7 +25204,7 @@
               </a:lnSpc>
             </a:pPr>
             <a:r>
-              <a:rPr dirty="0" sz="1400" spc="-5" b="1">
+              <a:rPr sz="1400" b="1" spc="-5" dirty="0">
                 <a:solidFill>
                   <a:srgbClr val="FFFFFF"/>
                 </a:solidFill>
@@ -24893,7 +25214,7 @@
               <a:t>USE</a:t>
             </a:r>
             <a:r>
-              <a:rPr dirty="0" sz="1400" spc="-75" b="1">
+              <a:rPr sz="1400" b="1" spc="-75" dirty="0">
                 <a:solidFill>
                   <a:srgbClr val="FFFFFF"/>
                 </a:solidFill>
@@ -24903,7 +25224,7 @@
               <a:t> </a:t>
             </a:r>
             <a:r>
-              <a:rPr dirty="0" sz="1400" spc="-5" b="1">
+              <a:rPr sz="1400" b="1" spc="-5" dirty="0">
                 <a:solidFill>
                   <a:srgbClr val="FFFFFF"/>
                 </a:solidFill>
@@ -25046,7 +25367,9 @@
           <p:txBody>
             <a:bodyPr wrap="square" lIns="0" tIns="0" rIns="0" bIns="0" rtlCol="0"/>
             <a:lstStyle/>
-            <a:p/>
+            <a:p>
+              <a:endParaRPr/>
+            </a:p>
           </p:txBody>
         </p:sp>
         <p:sp>
@@ -25289,7 +25612,9 @@
           <p:txBody>
             <a:bodyPr wrap="square" lIns="0" tIns="0" rIns="0" bIns="0" rtlCol="0"/>
             <a:lstStyle/>
-            <a:p/>
+            <a:p>
+              <a:endParaRPr/>
+            </a:p>
           </p:txBody>
         </p:sp>
         <p:pic>
@@ -25331,7 +25656,7 @@
           </a:prstGeom>
         </p:spPr>
         <p:txBody>
-          <a:bodyPr wrap="square" lIns="0" tIns="0" rIns="0" bIns="0" rtlCol="0" vert="vert">
+          <a:bodyPr vert="vert" wrap="square" lIns="0" tIns="0" rIns="0" bIns="0" rtlCol="0">
             <a:spAutoFit/>
           </a:bodyPr>
           <a:lstStyle/>
@@ -25342,7 +25667,7 @@
               </a:lnSpc>
             </a:pPr>
             <a:r>
-              <a:rPr dirty="0" sz="1400" spc="-25" b="1">
+              <a:rPr sz="1400" b="1" spc="-25" dirty="0">
                 <a:solidFill>
                   <a:srgbClr val="FFFFFF"/>
                 </a:solidFill>
@@ -25373,10 +25698,12 @@
             <a:off x="2749790" y="306006"/>
             <a:ext cx="2273300" cy="299720"/>
           </a:xfrm>
-          <a:prstGeom prst="rect"/>
+          <a:prstGeom prst="rect">
+            <a:avLst/>
+          </a:prstGeom>
         </p:spPr>
         <p:txBody>
-          <a:bodyPr wrap="square" lIns="0" tIns="12700" rIns="0" bIns="0" rtlCol="0" vert="horz">
+          <a:bodyPr vert="horz" wrap="square" lIns="0" tIns="12700" rIns="0" bIns="0" rtlCol="0">
             <a:spAutoFit/>
           </a:bodyPr>
           <a:lstStyle/>
@@ -25390,7 +25717,7 @@
               </a:spcBef>
             </a:pPr>
             <a:r>
-              <a:rPr dirty="0" sz="1800" spc="-5" b="1">
+              <a:rPr sz="1800" b="1" spc="-5" dirty="0">
                 <a:solidFill>
                   <a:srgbClr val="4A86E7"/>
                 </a:solidFill>
@@ -25400,7 +25727,7 @@
               <a:t>Comparative</a:t>
             </a:r>
             <a:r>
-              <a:rPr dirty="0" sz="1800" spc="-80" b="1">
+              <a:rPr sz="1800" b="1" spc="-80" dirty="0">
                 <a:solidFill>
                   <a:srgbClr val="4A86E7"/>
                 </a:solidFill>
@@ -25410,7 +25737,7 @@
               <a:t> </a:t>
             </a:r>
             <a:r>
-              <a:rPr dirty="0" sz="1800" b="1">
+              <a:rPr sz="1800" b="1" dirty="0">
                 <a:solidFill>
                   <a:srgbClr val="4A86E7"/>
                 </a:solidFill>
@@ -25485,7 +25812,9 @@
           <p:txBody>
             <a:bodyPr wrap="square" lIns="0" tIns="0" rIns="0" bIns="0" rtlCol="0"/>
             <a:lstStyle/>
-            <a:p/>
+            <a:p>
+              <a:endParaRPr/>
+            </a:p>
           </p:txBody>
         </p:sp>
         <p:pic>
@@ -25711,7 +26040,9 @@
           <p:txBody>
             <a:bodyPr wrap="square" lIns="0" tIns="0" rIns="0" bIns="0" rtlCol="0"/>
             <a:lstStyle/>
-            <a:p/>
+            <a:p>
+              <a:endParaRPr/>
+            </a:p>
           </p:txBody>
         </p:sp>
         <p:pic>
@@ -25753,7 +26084,7 @@
           </a:prstGeom>
         </p:spPr>
         <p:txBody>
-          <a:bodyPr wrap="square" lIns="0" tIns="12700" rIns="0" bIns="0" rtlCol="0" vert="horz">
+          <a:bodyPr vert="horz" wrap="square" lIns="0" tIns="12700" rIns="0" bIns="0" rtlCol="0">
             <a:spAutoFit/>
           </a:bodyPr>
           <a:lstStyle/>
@@ -25767,21 +26098,21 @@
               </a:spcBef>
             </a:pPr>
             <a:r>
-              <a:rPr dirty="0" sz="1400" spc="35">
+              <a:rPr sz="1400" spc="35" dirty="0">
                 <a:latin typeface="Tahoma"/>
                 <a:cs typeface="Tahoma"/>
               </a:rPr>
               <a:t>Medicine </a:t>
             </a:r>
             <a:r>
-              <a:rPr dirty="0" sz="1400" spc="-425">
-                <a:latin typeface="Tahoma"/>
-                <a:cs typeface="Tahoma"/>
-              </a:rPr>
-              <a:t> </a:t>
-            </a:r>
-            <a:r>
-              <a:rPr dirty="0" sz="1400" spc="10">
+              <a:rPr sz="1400" spc="-425" dirty="0">
+                <a:latin typeface="Tahoma"/>
+                <a:cs typeface="Tahoma"/>
+              </a:rPr>
+              <a:t> </a:t>
+            </a:r>
+            <a:r>
+              <a:rPr sz="1400" spc="10" dirty="0">
                 <a:latin typeface="Tahoma"/>
                 <a:cs typeface="Tahoma"/>
               </a:rPr>
@@ -25810,7 +26141,7 @@
           </a:prstGeom>
         </p:spPr>
         <p:txBody>
-          <a:bodyPr wrap="square" lIns="0" tIns="12700" rIns="0" bIns="0" rtlCol="0" vert="horz">
+          <a:bodyPr vert="horz" wrap="square" lIns="0" tIns="12700" rIns="0" bIns="0" rtlCol="0">
             <a:spAutoFit/>
           </a:bodyPr>
           <a:lstStyle/>
@@ -25824,42 +26155,42 @@
               </a:spcBef>
             </a:pPr>
             <a:r>
-              <a:rPr dirty="0" sz="1400" spc="70">
+              <a:rPr sz="1400" spc="70" dirty="0">
                 <a:latin typeface="Tahoma"/>
                 <a:cs typeface="Tahoma"/>
               </a:rPr>
               <a:t>No</a:t>
             </a:r>
             <a:r>
-              <a:rPr dirty="0" sz="1400" spc="-170">
-                <a:latin typeface="Tahoma"/>
-                <a:cs typeface="Tahoma"/>
-              </a:rPr>
-              <a:t> </a:t>
-            </a:r>
-            <a:r>
-              <a:rPr dirty="0" sz="1400" spc="5">
+              <a:rPr sz="1400" spc="-170" dirty="0">
+                <a:latin typeface="Tahoma"/>
+                <a:cs typeface="Tahoma"/>
+              </a:rPr>
+              <a:t> </a:t>
+            </a:r>
+            <a:r>
+              <a:rPr sz="1400" spc="5" dirty="0">
                 <a:latin typeface="Tahoma"/>
                 <a:cs typeface="Tahoma"/>
               </a:rPr>
               <a:t>appointments</a:t>
             </a:r>
             <a:r>
-              <a:rPr dirty="0" sz="1400" spc="-170">
-                <a:latin typeface="Tahoma"/>
-                <a:cs typeface="Tahoma"/>
-              </a:rPr>
-              <a:t> </a:t>
-            </a:r>
-            <a:r>
-              <a:rPr dirty="0" sz="1400" spc="5">
+              <a:rPr sz="1400" spc="-170" dirty="0">
+                <a:latin typeface="Tahoma"/>
+                <a:cs typeface="Tahoma"/>
+              </a:rPr>
+              <a:t> </a:t>
+            </a:r>
+            <a:r>
+              <a:rPr sz="1400" spc="5" dirty="0">
                 <a:latin typeface="Tahoma"/>
                 <a:cs typeface="Tahoma"/>
               </a:rPr>
               <a:t>booking  </a:t>
             </a:r>
             <a:r>
-              <a:rPr dirty="0" sz="1400">
+              <a:rPr sz="1400" dirty="0">
                 <a:latin typeface="Tahoma"/>
                 <a:cs typeface="Tahoma"/>
               </a:rPr>
@@ -25888,7 +26219,7 @@
           </a:prstGeom>
         </p:spPr>
         <p:txBody>
-          <a:bodyPr wrap="square" lIns="0" tIns="12700" rIns="0" bIns="0" rtlCol="0" vert="horz">
+          <a:bodyPr vert="horz" wrap="square" lIns="0" tIns="12700" rIns="0" bIns="0" rtlCol="0">
             <a:spAutoFit/>
           </a:bodyPr>
           <a:lstStyle/>
@@ -25902,28 +26233,28 @@
               </a:spcBef>
             </a:pPr>
             <a:r>
-              <a:rPr dirty="0" sz="1400" spc="70">
+              <a:rPr sz="1400" spc="70" dirty="0">
                 <a:latin typeface="Tahoma"/>
                 <a:cs typeface="Tahoma"/>
               </a:rPr>
               <a:t>No</a:t>
             </a:r>
             <a:r>
-              <a:rPr dirty="0" sz="1400" spc="-170">
-                <a:latin typeface="Tahoma"/>
-                <a:cs typeface="Tahoma"/>
-              </a:rPr>
-              <a:t> </a:t>
-            </a:r>
-            <a:r>
-              <a:rPr dirty="0" sz="1400" spc="30">
+              <a:rPr sz="1400" spc="-170" dirty="0">
+                <a:latin typeface="Tahoma"/>
+                <a:cs typeface="Tahoma"/>
+              </a:rPr>
+              <a:t> </a:t>
+            </a:r>
+            <a:r>
+              <a:rPr sz="1400" spc="30" dirty="0">
                 <a:latin typeface="Tahoma"/>
                 <a:cs typeface="Tahoma"/>
               </a:rPr>
               <a:t>Medicine  </a:t>
             </a:r>
             <a:r>
-              <a:rPr dirty="0" sz="1400" spc="10">
+              <a:rPr sz="1400" spc="10" dirty="0">
                 <a:latin typeface="Tahoma"/>
                 <a:cs typeface="Tahoma"/>
               </a:rPr>
@@ -25952,7 +26283,7 @@
           </a:prstGeom>
         </p:spPr>
         <p:txBody>
-          <a:bodyPr wrap="square" lIns="0" tIns="12700" rIns="0" bIns="0" rtlCol="0" vert="horz">
+          <a:bodyPr vert="horz" wrap="square" lIns="0" tIns="12700" rIns="0" bIns="0" rtlCol="0">
             <a:spAutoFit/>
           </a:bodyPr>
           <a:lstStyle/>
@@ -25966,28 +26297,28 @@
               </a:spcBef>
             </a:pPr>
             <a:r>
-              <a:rPr dirty="0" sz="1400" spc="15">
+              <a:rPr sz="1400" spc="15" dirty="0">
                 <a:latin typeface="Tahoma"/>
                 <a:cs typeface="Tahoma"/>
               </a:rPr>
               <a:t>Appointments</a:t>
             </a:r>
             <a:r>
-              <a:rPr dirty="0" sz="1400" spc="-170">
-                <a:latin typeface="Tahoma"/>
-                <a:cs typeface="Tahoma"/>
-              </a:rPr>
-              <a:t> </a:t>
-            </a:r>
-            <a:r>
-              <a:rPr dirty="0" sz="1400" spc="5">
+              <a:rPr sz="1400" spc="-170" dirty="0">
+                <a:latin typeface="Tahoma"/>
+                <a:cs typeface="Tahoma"/>
+              </a:rPr>
+              <a:t> </a:t>
+            </a:r>
+            <a:r>
+              <a:rPr sz="1400" spc="5" dirty="0">
                 <a:latin typeface="Tahoma"/>
                 <a:cs typeface="Tahoma"/>
               </a:rPr>
               <a:t>booking  </a:t>
             </a:r>
             <a:r>
-              <a:rPr dirty="0" sz="1400">
+              <a:rPr sz="1400" dirty="0">
                 <a:latin typeface="Tahoma"/>
                 <a:cs typeface="Tahoma"/>
               </a:rPr>
